--- a/slide-decks/Introduction-to-containers.pptx
+++ b/slide-decks/Introduction-to-containers.pptx
@@ -5,7 +5,7 @@
     <p:sldMasterId id="2147483648" r:id="rId1"/>
   </p:sldMasterIdLst>
   <p:notesMasterIdLst>
-    <p:notesMasterId r:id="rId22"/>
+    <p:notesMasterId r:id="rId29"/>
   </p:notesMasterIdLst>
   <p:sldIdLst>
     <p:sldId id="256" r:id="rId2"/>
@@ -25,9 +25,16 @@
     <p:sldId id="324" r:id="rId16"/>
     <p:sldId id="331" r:id="rId17"/>
     <p:sldId id="382" r:id="rId18"/>
-    <p:sldId id="383" r:id="rId19"/>
-    <p:sldId id="384" r:id="rId20"/>
-    <p:sldId id="301" r:id="rId21"/>
+    <p:sldId id="384" r:id="rId19"/>
+    <p:sldId id="383" r:id="rId20"/>
+    <p:sldId id="385" r:id="rId21"/>
+    <p:sldId id="386" r:id="rId22"/>
+    <p:sldId id="387" r:id="rId23"/>
+    <p:sldId id="388" r:id="rId24"/>
+    <p:sldId id="389" r:id="rId25"/>
+    <p:sldId id="390" r:id="rId26"/>
+    <p:sldId id="391" r:id="rId27"/>
+    <p:sldId id="301" r:id="rId28"/>
   </p:sldIdLst>
   <p:sldSz cx="12192000" cy="6858000"/>
   <p:notesSz cx="6858000" cy="9144000"/>
@@ -1034,7 +1041,7 @@
           <a:p>
             <a:fld id="{CE67F012-38C7-4A51-8407-4E1626DDB7EA}" type="datetimeFigureOut">
               <a:rPr lang="en-US" smtClean="0"/>
-              <a:t>1/21/2020</a:t>
+              <a:t>2/20/2020</a:t>
             </a:fld>
             <a:endParaRPr lang="en-US"/>
           </a:p>
@@ -1555,7 +1562,7 @@
           <a:p>
             <a:fld id="{4D3D7829-6833-49EA-A182-69C45F439246}" type="slidenum">
               <a:rPr lang="en-US" smtClean="0"/>
-              <a:t>20</a:t>
+              <a:t>27</a:t>
             </a:fld>
             <a:endParaRPr lang="en-US"/>
           </a:p>
@@ -1721,7 +1728,7 @@
           <a:p>
             <a:fld id="{D0AC16CF-CEFA-4AB8-B917-2106573FF13A}" type="datetime1">
               <a:rPr lang="en-US" smtClean="0"/>
-              <a:t>1/21/2020</a:t>
+              <a:t>2/20/2020</a:t>
             </a:fld>
             <a:endParaRPr lang="en-US"/>
           </a:p>
@@ -1919,7 +1926,7 @@
           <a:p>
             <a:fld id="{C2B18207-E477-469D-BFB8-90CBD52BA3C4}" type="datetime1">
               <a:rPr lang="en-US" smtClean="0"/>
-              <a:t>1/21/2020</a:t>
+              <a:t>2/20/2020</a:t>
             </a:fld>
             <a:endParaRPr lang="en-US"/>
           </a:p>
@@ -2127,7 +2134,7 @@
           <a:p>
             <a:fld id="{E0E24376-2093-4F31-8B9D-1582C009C93F}" type="datetime1">
               <a:rPr lang="en-US" smtClean="0"/>
-              <a:t>1/21/2020</a:t>
+              <a:t>2/20/2020</a:t>
             </a:fld>
             <a:endParaRPr lang="en-US"/>
           </a:p>
@@ -2325,7 +2332,7 @@
           <a:p>
             <a:fld id="{B7F005A9-C173-430D-BE88-F1EA59487921}" type="datetime1">
               <a:rPr lang="en-US" smtClean="0"/>
-              <a:t>1/21/2020</a:t>
+              <a:t>2/20/2020</a:t>
             </a:fld>
             <a:endParaRPr lang="en-US"/>
           </a:p>
@@ -2600,7 +2607,7 @@
           <a:p>
             <a:fld id="{F1AFB85F-333D-4E2E-9950-8ADFCBD745FB}" type="datetime1">
               <a:rPr lang="en-US" smtClean="0"/>
-              <a:t>1/21/2020</a:t>
+              <a:t>2/20/2020</a:t>
             </a:fld>
             <a:endParaRPr lang="en-US"/>
           </a:p>
@@ -2865,7 +2872,7 @@
           <a:p>
             <a:fld id="{FFB0B5E1-7714-4267-84B3-DF99D24D419E}" type="datetime1">
               <a:rPr lang="en-US" smtClean="0"/>
-              <a:t>1/21/2020</a:t>
+              <a:t>2/20/2020</a:t>
             </a:fld>
             <a:endParaRPr lang="en-US"/>
           </a:p>
@@ -3277,7 +3284,7 @@
           <a:p>
             <a:fld id="{5553DBB5-4FC9-41FE-A5DD-41D80D8FA4D8}" type="datetime1">
               <a:rPr lang="en-US" smtClean="0"/>
-              <a:t>1/21/2020</a:t>
+              <a:t>2/20/2020</a:t>
             </a:fld>
             <a:endParaRPr lang="en-US"/>
           </a:p>
@@ -3418,7 +3425,7 @@
           <a:p>
             <a:fld id="{2C89F4E2-84E7-40DF-8A94-C3E00C3E6C6A}" type="datetime1">
               <a:rPr lang="en-US" smtClean="0"/>
-              <a:t>1/21/2020</a:t>
+              <a:t>2/20/2020</a:t>
             </a:fld>
             <a:endParaRPr lang="en-US"/>
           </a:p>
@@ -3531,7 +3538,7 @@
           <a:p>
             <a:fld id="{8181C7FC-66C1-4D04-B8E7-A02AA122A2B6}" type="datetime1">
               <a:rPr lang="en-US" smtClean="0"/>
-              <a:t>1/21/2020</a:t>
+              <a:t>2/20/2020</a:t>
             </a:fld>
             <a:endParaRPr lang="en-US"/>
           </a:p>
@@ -3842,7 +3849,7 @@
           <a:p>
             <a:fld id="{C8597F24-A0DB-405C-973C-1C5C5E3A9D86}" type="datetime1">
               <a:rPr lang="en-US" smtClean="0"/>
-              <a:t>1/21/2020</a:t>
+              <a:t>2/20/2020</a:t>
             </a:fld>
             <a:endParaRPr lang="en-US"/>
           </a:p>
@@ -4133,7 +4140,7 @@
           <a:p>
             <a:fld id="{E9BE91BF-F4A8-4BDE-805F-8BFCB650F984}" type="datetime1">
               <a:rPr lang="en-US" smtClean="0"/>
-              <a:t>1/21/2020</a:t>
+              <a:t>2/20/2020</a:t>
             </a:fld>
             <a:endParaRPr lang="en-US"/>
           </a:p>
@@ -4374,7 +4381,7 @@
           <a:p>
             <a:fld id="{A6A0D2C6-4BB7-4743-B712-B5CAF0676045}" type="datetime1">
               <a:rPr lang="en-US" smtClean="0"/>
-              <a:t>1/21/2020</a:t>
+              <a:t>2/20/2020</a:t>
             </a:fld>
             <a:endParaRPr lang="en-US"/>
           </a:p>
@@ -7369,10 +7376,10 @@
       </p:grpSpPr>
       <p:sp>
         <p:nvSpPr>
-          <p:cNvPr id="5" name="Title 4">
-            <a:extLst>
-              <a:ext uri="{FF2B5EF4-FFF2-40B4-BE49-F238E27FC236}">
-                <a16:creationId xmlns:a16="http://schemas.microsoft.com/office/drawing/2014/main" id="{BC83DB76-A2CF-4498-AF5B-3F0361D9316F}"/>
+          <p:cNvPr id="2" name="Title 1">
+            <a:extLst>
+              <a:ext uri="{FF2B5EF4-FFF2-40B4-BE49-F238E27FC236}">
+                <a16:creationId xmlns:a16="http://schemas.microsoft.com/office/drawing/2014/main" id="{BC1561B2-6104-44BF-BB2D-9BD59394E450}"/>
               </a:ext>
             </a:extLst>
           </p:cNvPr>
@@ -7390,17 +7397,17 @@
           <a:p>
             <a:r>
               <a:rPr lang="en-US" dirty="0"/>
-              <a:t>Deployment Options</a:t>
-            </a:r>
-          </a:p>
-        </p:txBody>
-      </p:sp>
-      <p:sp>
-        <p:nvSpPr>
-          <p:cNvPr id="6" name="Content Placeholder 5">
-            <a:extLst>
-              <a:ext uri="{FF2B5EF4-FFF2-40B4-BE49-F238E27FC236}">
-                <a16:creationId xmlns:a16="http://schemas.microsoft.com/office/drawing/2014/main" id="{EA7F5654-0DB9-44D3-B67B-CBAF19CC7ADD}"/>
+              <a:t>Stateless Services</a:t>
+            </a:r>
+          </a:p>
+        </p:txBody>
+      </p:sp>
+      <p:sp>
+        <p:nvSpPr>
+          <p:cNvPr id="3" name="Content Placeholder 2">
+            <a:extLst>
+              <a:ext uri="{FF2B5EF4-FFF2-40B4-BE49-F238E27FC236}">
+                <a16:creationId xmlns:a16="http://schemas.microsoft.com/office/drawing/2014/main" id="{F8DF3145-55DF-46E3-9A57-EB87818738C3}"/>
               </a:ext>
             </a:extLst>
           </p:cNvPr>
@@ -7413,97 +7420,38 @@
         </p:nvSpPr>
         <p:spPr/>
         <p:txBody>
-          <a:bodyPr>
-            <a:normAutofit fontScale="92500" lnSpcReduction="10000"/>
-          </a:bodyPr>
+          <a:bodyPr/>
           <a:lstStyle/>
           <a:p>
             <a:r>
               <a:rPr lang="en-US" dirty="0"/>
-              <a:t>Typically deployed to an Orchestration Engine/Platform:</a:t>
-            </a:r>
-          </a:p>
-          <a:p>
-            <a:pPr lvl="1"/>
+              <a:t>Our services should be stateless</a:t>
+            </a:r>
+          </a:p>
+          <a:p>
             <a:r>
               <a:rPr lang="en-US" dirty="0"/>
-              <a:t>Kubernetes </a:t>
-            </a:r>
-          </a:p>
-          <a:p>
-            <a:pPr lvl="1"/>
+              <a:t>There is no guarantee a container will be available</a:t>
+            </a:r>
+          </a:p>
+          <a:p>
             <a:r>
               <a:rPr lang="en-US" dirty="0"/>
-              <a:t>Apache Mesos</a:t>
-            </a:r>
-          </a:p>
-          <a:p>
-            <a:pPr lvl="1"/>
+              <a:t>Often, we deploy more than one container instance of our app</a:t>
+            </a:r>
+          </a:p>
+          <a:p>
             <a:r>
               <a:rPr lang="en-US" dirty="0"/>
-              <a:t>Docker Swarm</a:t>
-            </a:r>
-          </a:p>
-          <a:p>
+              <a:t>Any state that must be durable or available across instances should be stored in a cache (</a:t>
+            </a:r>
+            <a:r>
+              <a:rPr lang="en-US" dirty="0" err="1"/>
+              <a:t>ie</a:t>
+            </a:r>
             <a:r>
               <a:rPr lang="en-US" dirty="0"/>
-              <a:t>These orchestrators: </a:t>
-            </a:r>
-          </a:p>
-          <a:p>
-            <a:pPr lvl="1"/>
-            <a:r>
-              <a:rPr lang="en-US" dirty="0"/>
-              <a:t>Deploy and manage the </a:t>
-            </a:r>
-            <a:r>
-              <a:rPr lang="en-US" dirty="0" err="1"/>
-              <a:t>lifecyle</a:t>
-            </a:r>
-            <a:r>
-              <a:rPr lang="en-US" dirty="0"/>
-              <a:t> of our containers</a:t>
-            </a:r>
-          </a:p>
-          <a:p>
-            <a:pPr lvl="1"/>
-            <a:r>
-              <a:rPr lang="en-US" dirty="0"/>
-              <a:t>Monitor health</a:t>
-            </a:r>
-          </a:p>
-          <a:p>
-            <a:pPr lvl="1"/>
-            <a:r>
-              <a:rPr lang="en-US" dirty="0"/>
-              <a:t>Attempt to self-heal</a:t>
-            </a:r>
-          </a:p>
-          <a:p>
-            <a:pPr lvl="1"/>
-            <a:r>
-              <a:rPr lang="en-US" dirty="0"/>
-              <a:t>Provide high-availability to our containers/applications</a:t>
-            </a:r>
-          </a:p>
-          <a:p>
-            <a:r>
-              <a:rPr lang="en-US" dirty="0"/>
-              <a:t>Locally on our dev machines</a:t>
-            </a:r>
-          </a:p>
-          <a:p>
-            <a:pPr lvl="1"/>
-            <a:r>
-              <a:rPr lang="en-US" dirty="0"/>
-              <a:t>Simply run the container</a:t>
-            </a:r>
-          </a:p>
-          <a:p>
-            <a:pPr lvl="1"/>
-            <a:r>
-              <a:rPr lang="en-US" dirty="0"/>
-              <a:t>Optionally, deploy to the local Kubernetes Cluster in Docker Desktop</a:t>
+              <a:t>. Redis) or the database or both.</a:t>
             </a:r>
           </a:p>
         </p:txBody>
@@ -7513,7 +7461,7 @@
           <p:cNvPr id="4" name="Slide Number Placeholder 3">
             <a:extLst>
               <a:ext uri="{FF2B5EF4-FFF2-40B4-BE49-F238E27FC236}">
-                <a16:creationId xmlns:a16="http://schemas.microsoft.com/office/drawing/2014/main" id="{455C1746-6C4C-4E99-B7FC-A23EEE238B7C}"/>
+                <a16:creationId xmlns:a16="http://schemas.microsoft.com/office/drawing/2014/main" id="{2B0BE67F-1A4F-41E4-990E-569C204C162B}"/>
               </a:ext>
             </a:extLst>
           </p:cNvPr>
@@ -7532,6 +7480,435 @@
             <a:fld id="{945DE137-1981-4A6E-942B-1AACE1746372}" type="slidenum">
               <a:rPr lang="en-US" smtClean="0"/>
               <a:t>18</a:t>
+            </a:fld>
+            <a:endParaRPr lang="en-US"/>
+          </a:p>
+        </p:txBody>
+      </p:sp>
+    </p:spTree>
+    <p:extLst>
+      <p:ext uri="{BB962C8B-B14F-4D97-AF65-F5344CB8AC3E}">
+        <p14:creationId xmlns:p14="http://schemas.microsoft.com/office/powerpoint/2010/main" val="620529159"/>
+      </p:ext>
+    </p:extLst>
+  </p:cSld>
+  <p:clrMapOvr>
+    <a:masterClrMapping/>
+  </p:clrMapOvr>
+  <p:timing>
+    <p:tnLst>
+      <p:par>
+        <p:cTn id="1" dur="indefinite" restart="never" nodeType="tmRoot">
+          <p:childTnLst>
+            <p:seq concurrent="1" nextAc="seek">
+              <p:cTn id="2" dur="indefinite" nodeType="mainSeq">
+                <p:childTnLst>
+                  <p:par>
+                    <p:cTn id="3" fill="hold">
+                      <p:stCondLst>
+                        <p:cond delay="indefinite"/>
+                      </p:stCondLst>
+                      <p:childTnLst>
+                        <p:par>
+                          <p:cTn id="4" fill="hold">
+                            <p:stCondLst>
+                              <p:cond delay="0"/>
+                            </p:stCondLst>
+                            <p:childTnLst>
+                              <p:par>
+                                <p:cTn id="5" presetID="1" presetClass="entr" presetSubtype="0" fill="hold" grpId="0" nodeType="clickEffect">
+                                  <p:stCondLst>
+                                    <p:cond delay="0"/>
+                                  </p:stCondLst>
+                                  <p:childTnLst>
+                                    <p:set>
+                                      <p:cBhvr>
+                                        <p:cTn id="6" dur="1" fill="hold">
+                                          <p:stCondLst>
+                                            <p:cond delay="0"/>
+                                          </p:stCondLst>
+                                        </p:cTn>
+                                        <p:tgtEl>
+                                          <p:spTgt spid="3">
+                                            <p:txEl>
+                                              <p:pRg st="0" end="0"/>
+                                            </p:txEl>
+                                          </p:spTgt>
+                                        </p:tgtEl>
+                                        <p:attrNameLst>
+                                          <p:attrName>style.visibility</p:attrName>
+                                        </p:attrNameLst>
+                                      </p:cBhvr>
+                                      <p:to>
+                                        <p:strVal val="visible"/>
+                                      </p:to>
+                                    </p:set>
+                                  </p:childTnLst>
+                                </p:cTn>
+                              </p:par>
+                            </p:childTnLst>
+                          </p:cTn>
+                        </p:par>
+                      </p:childTnLst>
+                    </p:cTn>
+                  </p:par>
+                  <p:par>
+                    <p:cTn id="7" fill="hold">
+                      <p:stCondLst>
+                        <p:cond delay="indefinite"/>
+                      </p:stCondLst>
+                      <p:childTnLst>
+                        <p:par>
+                          <p:cTn id="8" fill="hold">
+                            <p:stCondLst>
+                              <p:cond delay="0"/>
+                            </p:stCondLst>
+                            <p:childTnLst>
+                              <p:par>
+                                <p:cTn id="9" presetID="1" presetClass="entr" presetSubtype="0" fill="hold" grpId="0" nodeType="clickEffect">
+                                  <p:stCondLst>
+                                    <p:cond delay="0"/>
+                                  </p:stCondLst>
+                                  <p:childTnLst>
+                                    <p:set>
+                                      <p:cBhvr>
+                                        <p:cTn id="10" dur="1" fill="hold">
+                                          <p:stCondLst>
+                                            <p:cond delay="0"/>
+                                          </p:stCondLst>
+                                        </p:cTn>
+                                        <p:tgtEl>
+                                          <p:spTgt spid="3">
+                                            <p:txEl>
+                                              <p:pRg st="1" end="1"/>
+                                            </p:txEl>
+                                          </p:spTgt>
+                                        </p:tgtEl>
+                                        <p:attrNameLst>
+                                          <p:attrName>style.visibility</p:attrName>
+                                        </p:attrNameLst>
+                                      </p:cBhvr>
+                                      <p:to>
+                                        <p:strVal val="visible"/>
+                                      </p:to>
+                                    </p:set>
+                                  </p:childTnLst>
+                                </p:cTn>
+                              </p:par>
+                            </p:childTnLst>
+                          </p:cTn>
+                        </p:par>
+                      </p:childTnLst>
+                    </p:cTn>
+                  </p:par>
+                  <p:par>
+                    <p:cTn id="11" fill="hold">
+                      <p:stCondLst>
+                        <p:cond delay="indefinite"/>
+                      </p:stCondLst>
+                      <p:childTnLst>
+                        <p:par>
+                          <p:cTn id="12" fill="hold">
+                            <p:stCondLst>
+                              <p:cond delay="0"/>
+                            </p:stCondLst>
+                            <p:childTnLst>
+                              <p:par>
+                                <p:cTn id="13" presetID="1" presetClass="entr" presetSubtype="0" fill="hold" grpId="0" nodeType="clickEffect">
+                                  <p:stCondLst>
+                                    <p:cond delay="0"/>
+                                  </p:stCondLst>
+                                  <p:childTnLst>
+                                    <p:set>
+                                      <p:cBhvr>
+                                        <p:cTn id="14" dur="1" fill="hold">
+                                          <p:stCondLst>
+                                            <p:cond delay="0"/>
+                                          </p:stCondLst>
+                                        </p:cTn>
+                                        <p:tgtEl>
+                                          <p:spTgt spid="3">
+                                            <p:txEl>
+                                              <p:pRg st="2" end="2"/>
+                                            </p:txEl>
+                                          </p:spTgt>
+                                        </p:tgtEl>
+                                        <p:attrNameLst>
+                                          <p:attrName>style.visibility</p:attrName>
+                                        </p:attrNameLst>
+                                      </p:cBhvr>
+                                      <p:to>
+                                        <p:strVal val="visible"/>
+                                      </p:to>
+                                    </p:set>
+                                  </p:childTnLst>
+                                </p:cTn>
+                              </p:par>
+                            </p:childTnLst>
+                          </p:cTn>
+                        </p:par>
+                      </p:childTnLst>
+                    </p:cTn>
+                  </p:par>
+                  <p:par>
+                    <p:cTn id="15" fill="hold">
+                      <p:stCondLst>
+                        <p:cond delay="indefinite"/>
+                      </p:stCondLst>
+                      <p:childTnLst>
+                        <p:par>
+                          <p:cTn id="16" fill="hold">
+                            <p:stCondLst>
+                              <p:cond delay="0"/>
+                            </p:stCondLst>
+                            <p:childTnLst>
+                              <p:par>
+                                <p:cTn id="17" presetID="1" presetClass="entr" presetSubtype="0" fill="hold" grpId="0" nodeType="clickEffect">
+                                  <p:stCondLst>
+                                    <p:cond delay="0"/>
+                                  </p:stCondLst>
+                                  <p:childTnLst>
+                                    <p:set>
+                                      <p:cBhvr>
+                                        <p:cTn id="18" dur="1" fill="hold">
+                                          <p:stCondLst>
+                                            <p:cond delay="0"/>
+                                          </p:stCondLst>
+                                        </p:cTn>
+                                        <p:tgtEl>
+                                          <p:spTgt spid="3">
+                                            <p:txEl>
+                                              <p:pRg st="3" end="3"/>
+                                            </p:txEl>
+                                          </p:spTgt>
+                                        </p:tgtEl>
+                                        <p:attrNameLst>
+                                          <p:attrName>style.visibility</p:attrName>
+                                        </p:attrNameLst>
+                                      </p:cBhvr>
+                                      <p:to>
+                                        <p:strVal val="visible"/>
+                                      </p:to>
+                                    </p:set>
+                                  </p:childTnLst>
+                                </p:cTn>
+                              </p:par>
+                            </p:childTnLst>
+                          </p:cTn>
+                        </p:par>
+                      </p:childTnLst>
+                    </p:cTn>
+                  </p:par>
+                </p:childTnLst>
+              </p:cTn>
+              <p:prevCondLst>
+                <p:cond evt="onPrev" delay="0">
+                  <p:tgtEl>
+                    <p:sldTgt/>
+                  </p:tgtEl>
+                </p:cond>
+              </p:prevCondLst>
+              <p:nextCondLst>
+                <p:cond evt="onNext" delay="0">
+                  <p:tgtEl>
+                    <p:sldTgt/>
+                  </p:tgtEl>
+                </p:cond>
+              </p:nextCondLst>
+            </p:seq>
+          </p:childTnLst>
+        </p:cTn>
+      </p:par>
+    </p:tnLst>
+    <p:bldLst>
+      <p:bldP spid="3" grpId="0" build="p"/>
+    </p:bldLst>
+  </p:timing>
+</p:sld>
+</file>
+
+<file path=ppt/slides/slide19.xml><?xml version="1.0" encoding="utf-8"?>
+<p:sld xmlns:a="http://schemas.openxmlformats.org/drawingml/2006/main" xmlns:r="http://schemas.openxmlformats.org/officeDocument/2006/relationships" xmlns:p="http://schemas.openxmlformats.org/presentationml/2006/main">
+  <p:cSld>
+    <p:spTree>
+      <p:nvGrpSpPr>
+        <p:cNvPr id="1" name=""/>
+        <p:cNvGrpSpPr/>
+        <p:nvPr/>
+      </p:nvGrpSpPr>
+      <p:grpSpPr>
+        <a:xfrm>
+          <a:off x="0" y="0"/>
+          <a:ext cx="0" cy="0"/>
+          <a:chOff x="0" y="0"/>
+          <a:chExt cx="0" cy="0"/>
+        </a:xfrm>
+      </p:grpSpPr>
+      <p:sp>
+        <p:nvSpPr>
+          <p:cNvPr id="5" name="Title 4">
+            <a:extLst>
+              <a:ext uri="{FF2B5EF4-FFF2-40B4-BE49-F238E27FC236}">
+                <a16:creationId xmlns:a16="http://schemas.microsoft.com/office/drawing/2014/main" id="{BC83DB76-A2CF-4498-AF5B-3F0361D9316F}"/>
+              </a:ext>
+            </a:extLst>
+          </p:cNvPr>
+          <p:cNvSpPr>
+            <a:spLocks noGrp="1"/>
+          </p:cNvSpPr>
+          <p:nvPr>
+            <p:ph type="title"/>
+          </p:nvPr>
+        </p:nvSpPr>
+        <p:spPr/>
+        <p:txBody>
+          <a:bodyPr/>
+          <a:lstStyle/>
+          <a:p>
+            <a:r>
+              <a:rPr lang="en-US" dirty="0"/>
+              <a:t>Deployment Options</a:t>
+            </a:r>
+          </a:p>
+        </p:txBody>
+      </p:sp>
+      <p:sp>
+        <p:nvSpPr>
+          <p:cNvPr id="6" name="Content Placeholder 5">
+            <a:extLst>
+              <a:ext uri="{FF2B5EF4-FFF2-40B4-BE49-F238E27FC236}">
+                <a16:creationId xmlns:a16="http://schemas.microsoft.com/office/drawing/2014/main" id="{EA7F5654-0DB9-44D3-B67B-CBAF19CC7ADD}"/>
+              </a:ext>
+            </a:extLst>
+          </p:cNvPr>
+          <p:cNvSpPr>
+            <a:spLocks noGrp="1"/>
+          </p:cNvSpPr>
+          <p:nvPr>
+            <p:ph idx="1"/>
+          </p:nvPr>
+        </p:nvSpPr>
+        <p:spPr/>
+        <p:txBody>
+          <a:bodyPr>
+            <a:normAutofit fontScale="92500" lnSpcReduction="10000"/>
+          </a:bodyPr>
+          <a:lstStyle/>
+          <a:p>
+            <a:r>
+              <a:rPr lang="en-US" dirty="0"/>
+              <a:t>Typically deployed to an Orchestration Engine/Platform:</a:t>
+            </a:r>
+          </a:p>
+          <a:p>
+            <a:pPr lvl="1"/>
+            <a:r>
+              <a:rPr lang="en-US" dirty="0"/>
+              <a:t>Kubernetes </a:t>
+            </a:r>
+          </a:p>
+          <a:p>
+            <a:pPr lvl="1"/>
+            <a:r>
+              <a:rPr lang="en-US" dirty="0"/>
+              <a:t>Apache Mesos</a:t>
+            </a:r>
+          </a:p>
+          <a:p>
+            <a:pPr lvl="1"/>
+            <a:r>
+              <a:rPr lang="en-US" dirty="0"/>
+              <a:t>Docker Swarm</a:t>
+            </a:r>
+          </a:p>
+          <a:p>
+            <a:r>
+              <a:rPr lang="en-US" dirty="0"/>
+              <a:t>These orchestrators: </a:t>
+            </a:r>
+          </a:p>
+          <a:p>
+            <a:pPr lvl="1"/>
+            <a:r>
+              <a:rPr lang="en-US" dirty="0"/>
+              <a:t>Deploy and manage the </a:t>
+            </a:r>
+            <a:r>
+              <a:rPr lang="en-US" dirty="0" err="1"/>
+              <a:t>lifecyle</a:t>
+            </a:r>
+            <a:r>
+              <a:rPr lang="en-US" dirty="0"/>
+              <a:t> of our containers</a:t>
+            </a:r>
+          </a:p>
+          <a:p>
+            <a:pPr lvl="1"/>
+            <a:r>
+              <a:rPr lang="en-US" dirty="0"/>
+              <a:t>Monitor health</a:t>
+            </a:r>
+          </a:p>
+          <a:p>
+            <a:pPr lvl="1"/>
+            <a:r>
+              <a:rPr lang="en-US" dirty="0"/>
+              <a:t>Attempt to self-heal</a:t>
+            </a:r>
+          </a:p>
+          <a:p>
+            <a:pPr lvl="1"/>
+            <a:r>
+              <a:rPr lang="en-US" dirty="0"/>
+              <a:t>Provide high-availability to our containers/applications</a:t>
+            </a:r>
+          </a:p>
+          <a:p>
+            <a:r>
+              <a:rPr lang="en-US" dirty="0"/>
+              <a:t>Locally on our dev machines</a:t>
+            </a:r>
+          </a:p>
+          <a:p>
+            <a:pPr lvl="1"/>
+            <a:r>
+              <a:rPr lang="en-US" dirty="0"/>
+              <a:t>Simply run the container</a:t>
+            </a:r>
+          </a:p>
+          <a:p>
+            <a:pPr lvl="1"/>
+            <a:r>
+              <a:rPr lang="en-US" dirty="0"/>
+              <a:t>Optionally, deploy to the local Kubernetes Cluster in Docker Desktop</a:t>
+            </a:r>
+          </a:p>
+        </p:txBody>
+      </p:sp>
+      <p:sp>
+        <p:nvSpPr>
+          <p:cNvPr id="4" name="Slide Number Placeholder 3">
+            <a:extLst>
+              <a:ext uri="{FF2B5EF4-FFF2-40B4-BE49-F238E27FC236}">
+                <a16:creationId xmlns:a16="http://schemas.microsoft.com/office/drawing/2014/main" id="{455C1746-6C4C-4E99-B7FC-A23EEE238B7C}"/>
+              </a:ext>
+            </a:extLst>
+          </p:cNvPr>
+          <p:cNvSpPr>
+            <a:spLocks noGrp="1"/>
+          </p:cNvSpPr>
+          <p:nvPr>
+            <p:ph type="sldNum" sz="quarter" idx="12"/>
+          </p:nvPr>
+        </p:nvSpPr>
+        <p:spPr/>
+        <p:txBody>
+          <a:bodyPr/>
+          <a:lstStyle/>
+          <a:p>
+            <a:fld id="{945DE137-1981-4A6E-942B-1AACE1746372}" type="slidenum">
+              <a:rPr lang="en-US" smtClean="0"/>
+              <a:t>19</a:t>
             </a:fld>
             <a:endParaRPr lang="en-US"/>
           </a:p>
@@ -8009,376 +8386,6 @@
 </p:sld>
 </file>
 
-<file path=ppt/slides/slide19.xml><?xml version="1.0" encoding="utf-8"?>
-<p:sld xmlns:a="http://schemas.openxmlformats.org/drawingml/2006/main" xmlns:r="http://schemas.openxmlformats.org/officeDocument/2006/relationships" xmlns:p="http://schemas.openxmlformats.org/presentationml/2006/main">
-  <p:cSld>
-    <p:spTree>
-      <p:nvGrpSpPr>
-        <p:cNvPr id="1" name=""/>
-        <p:cNvGrpSpPr/>
-        <p:nvPr/>
-      </p:nvGrpSpPr>
-      <p:grpSpPr>
-        <a:xfrm>
-          <a:off x="0" y="0"/>
-          <a:ext cx="0" cy="0"/>
-          <a:chOff x="0" y="0"/>
-          <a:chExt cx="0" cy="0"/>
-        </a:xfrm>
-      </p:grpSpPr>
-      <p:sp>
-        <p:nvSpPr>
-          <p:cNvPr id="2" name="Title 1">
-            <a:extLst>
-              <a:ext uri="{FF2B5EF4-FFF2-40B4-BE49-F238E27FC236}">
-                <a16:creationId xmlns:a16="http://schemas.microsoft.com/office/drawing/2014/main" id="{BC1561B2-6104-44BF-BB2D-9BD59394E450}"/>
-              </a:ext>
-            </a:extLst>
-          </p:cNvPr>
-          <p:cNvSpPr>
-            <a:spLocks noGrp="1"/>
-          </p:cNvSpPr>
-          <p:nvPr>
-            <p:ph type="title"/>
-          </p:nvPr>
-        </p:nvSpPr>
-        <p:spPr/>
-        <p:txBody>
-          <a:bodyPr/>
-          <a:lstStyle/>
-          <a:p>
-            <a:r>
-              <a:rPr lang="en-US" dirty="0"/>
-              <a:t>Stateless Services</a:t>
-            </a:r>
-          </a:p>
-        </p:txBody>
-      </p:sp>
-      <p:sp>
-        <p:nvSpPr>
-          <p:cNvPr id="3" name="Content Placeholder 2">
-            <a:extLst>
-              <a:ext uri="{FF2B5EF4-FFF2-40B4-BE49-F238E27FC236}">
-                <a16:creationId xmlns:a16="http://schemas.microsoft.com/office/drawing/2014/main" id="{F8DF3145-55DF-46E3-9A57-EB87818738C3}"/>
-              </a:ext>
-            </a:extLst>
-          </p:cNvPr>
-          <p:cNvSpPr>
-            <a:spLocks noGrp="1"/>
-          </p:cNvSpPr>
-          <p:nvPr>
-            <p:ph idx="1"/>
-          </p:nvPr>
-        </p:nvSpPr>
-        <p:spPr/>
-        <p:txBody>
-          <a:bodyPr/>
-          <a:lstStyle/>
-          <a:p>
-            <a:r>
-              <a:rPr lang="en-US" dirty="0"/>
-              <a:t>Our services should be stateless</a:t>
-            </a:r>
-          </a:p>
-          <a:p>
-            <a:r>
-              <a:rPr lang="en-US" dirty="0"/>
-              <a:t>There is no guarantee a container will be available</a:t>
-            </a:r>
-          </a:p>
-          <a:p>
-            <a:r>
-              <a:rPr lang="en-US" dirty="0"/>
-              <a:t>Often, we deploy more than one container instance of our app</a:t>
-            </a:r>
-          </a:p>
-          <a:p>
-            <a:r>
-              <a:rPr lang="en-US" dirty="0"/>
-              <a:t>Any state that must be durable or available across instances should be stored in a cache (</a:t>
-            </a:r>
-            <a:r>
-              <a:rPr lang="en-US" dirty="0" err="1"/>
-              <a:t>ie</a:t>
-            </a:r>
-            <a:r>
-              <a:rPr lang="en-US" dirty="0"/>
-              <a:t>. Redis) or the database or both.</a:t>
-            </a:r>
-          </a:p>
-        </p:txBody>
-      </p:sp>
-      <p:sp>
-        <p:nvSpPr>
-          <p:cNvPr id="4" name="Slide Number Placeholder 3">
-            <a:extLst>
-              <a:ext uri="{FF2B5EF4-FFF2-40B4-BE49-F238E27FC236}">
-                <a16:creationId xmlns:a16="http://schemas.microsoft.com/office/drawing/2014/main" id="{2B0BE67F-1A4F-41E4-990E-569C204C162B}"/>
-              </a:ext>
-            </a:extLst>
-          </p:cNvPr>
-          <p:cNvSpPr>
-            <a:spLocks noGrp="1"/>
-          </p:cNvSpPr>
-          <p:nvPr>
-            <p:ph type="sldNum" sz="quarter" idx="12"/>
-          </p:nvPr>
-        </p:nvSpPr>
-        <p:spPr/>
-        <p:txBody>
-          <a:bodyPr/>
-          <a:lstStyle/>
-          <a:p>
-            <a:fld id="{945DE137-1981-4A6E-942B-1AACE1746372}" type="slidenum">
-              <a:rPr lang="en-US" smtClean="0"/>
-              <a:t>19</a:t>
-            </a:fld>
-            <a:endParaRPr lang="en-US"/>
-          </a:p>
-        </p:txBody>
-      </p:sp>
-    </p:spTree>
-    <p:extLst>
-      <p:ext uri="{BB962C8B-B14F-4D97-AF65-F5344CB8AC3E}">
-        <p14:creationId xmlns:p14="http://schemas.microsoft.com/office/powerpoint/2010/main" val="620529159"/>
-      </p:ext>
-    </p:extLst>
-  </p:cSld>
-  <p:clrMapOvr>
-    <a:masterClrMapping/>
-  </p:clrMapOvr>
-  <p:timing>
-    <p:tnLst>
-      <p:par>
-        <p:cTn id="1" dur="indefinite" restart="never" nodeType="tmRoot">
-          <p:childTnLst>
-            <p:seq concurrent="1" nextAc="seek">
-              <p:cTn id="2" dur="indefinite" nodeType="mainSeq">
-                <p:childTnLst>
-                  <p:par>
-                    <p:cTn id="3" fill="hold">
-                      <p:stCondLst>
-                        <p:cond delay="indefinite"/>
-                      </p:stCondLst>
-                      <p:childTnLst>
-                        <p:par>
-                          <p:cTn id="4" fill="hold">
-                            <p:stCondLst>
-                              <p:cond delay="0"/>
-                            </p:stCondLst>
-                            <p:childTnLst>
-                              <p:par>
-                                <p:cTn id="5" presetID="1" presetClass="entr" presetSubtype="0" fill="hold" grpId="0" nodeType="clickEffect">
-                                  <p:stCondLst>
-                                    <p:cond delay="0"/>
-                                  </p:stCondLst>
-                                  <p:childTnLst>
-                                    <p:set>
-                                      <p:cBhvr>
-                                        <p:cTn id="6" dur="1" fill="hold">
-                                          <p:stCondLst>
-                                            <p:cond delay="0"/>
-                                          </p:stCondLst>
-                                        </p:cTn>
-                                        <p:tgtEl>
-                                          <p:spTgt spid="3">
-                                            <p:txEl>
-                                              <p:pRg st="0" end="0"/>
-                                            </p:txEl>
-                                          </p:spTgt>
-                                        </p:tgtEl>
-                                        <p:attrNameLst>
-                                          <p:attrName>style.visibility</p:attrName>
-                                        </p:attrNameLst>
-                                      </p:cBhvr>
-                                      <p:to>
-                                        <p:strVal val="visible"/>
-                                      </p:to>
-                                    </p:set>
-                                  </p:childTnLst>
-                                </p:cTn>
-                              </p:par>
-                            </p:childTnLst>
-                          </p:cTn>
-                        </p:par>
-                      </p:childTnLst>
-                    </p:cTn>
-                  </p:par>
-                  <p:par>
-                    <p:cTn id="7" fill="hold">
-                      <p:stCondLst>
-                        <p:cond delay="indefinite"/>
-                      </p:stCondLst>
-                      <p:childTnLst>
-                        <p:par>
-                          <p:cTn id="8" fill="hold">
-                            <p:stCondLst>
-                              <p:cond delay="0"/>
-                            </p:stCondLst>
-                            <p:childTnLst>
-                              <p:par>
-                                <p:cTn id="9" presetID="1" presetClass="entr" presetSubtype="0" fill="hold" grpId="0" nodeType="clickEffect">
-                                  <p:stCondLst>
-                                    <p:cond delay="0"/>
-                                  </p:stCondLst>
-                                  <p:childTnLst>
-                                    <p:set>
-                                      <p:cBhvr>
-                                        <p:cTn id="10" dur="1" fill="hold">
-                                          <p:stCondLst>
-                                            <p:cond delay="0"/>
-                                          </p:stCondLst>
-                                        </p:cTn>
-                                        <p:tgtEl>
-                                          <p:spTgt spid="3">
-                                            <p:txEl>
-                                              <p:pRg st="1" end="1"/>
-                                            </p:txEl>
-                                          </p:spTgt>
-                                        </p:tgtEl>
-                                        <p:attrNameLst>
-                                          <p:attrName>style.visibility</p:attrName>
-                                        </p:attrNameLst>
-                                      </p:cBhvr>
-                                      <p:to>
-                                        <p:strVal val="visible"/>
-                                      </p:to>
-                                    </p:set>
-                                  </p:childTnLst>
-                                </p:cTn>
-                              </p:par>
-                            </p:childTnLst>
-                          </p:cTn>
-                        </p:par>
-                      </p:childTnLst>
-                    </p:cTn>
-                  </p:par>
-                  <p:par>
-                    <p:cTn id="11" fill="hold">
-                      <p:stCondLst>
-                        <p:cond delay="indefinite"/>
-                      </p:stCondLst>
-                      <p:childTnLst>
-                        <p:par>
-                          <p:cTn id="12" fill="hold">
-                            <p:stCondLst>
-                              <p:cond delay="0"/>
-                            </p:stCondLst>
-                            <p:childTnLst>
-                              <p:par>
-                                <p:cTn id="13" presetID="1" presetClass="entr" presetSubtype="0" fill="hold" grpId="0" nodeType="clickEffect">
-                                  <p:stCondLst>
-                                    <p:cond delay="0"/>
-                                  </p:stCondLst>
-                                  <p:childTnLst>
-                                    <p:set>
-                                      <p:cBhvr>
-                                        <p:cTn id="14" dur="1" fill="hold">
-                                          <p:stCondLst>
-                                            <p:cond delay="0"/>
-                                          </p:stCondLst>
-                                        </p:cTn>
-                                        <p:tgtEl>
-                                          <p:spTgt spid="3">
-                                            <p:txEl>
-                                              <p:pRg st="2" end="2"/>
-                                            </p:txEl>
-                                          </p:spTgt>
-                                        </p:tgtEl>
-                                        <p:attrNameLst>
-                                          <p:attrName>style.visibility</p:attrName>
-                                        </p:attrNameLst>
-                                      </p:cBhvr>
-                                      <p:to>
-                                        <p:strVal val="visible"/>
-                                      </p:to>
-                                    </p:set>
-                                  </p:childTnLst>
-                                </p:cTn>
-                              </p:par>
-                            </p:childTnLst>
-                          </p:cTn>
-                        </p:par>
-                      </p:childTnLst>
-                    </p:cTn>
-                  </p:par>
-                  <p:par>
-                    <p:cTn id="15" fill="hold">
-                      <p:stCondLst>
-                        <p:cond delay="indefinite"/>
-                      </p:stCondLst>
-                      <p:childTnLst>
-                        <p:par>
-                          <p:cTn id="16" fill="hold">
-                            <p:stCondLst>
-                              <p:cond delay="0"/>
-                            </p:stCondLst>
-                            <p:childTnLst>
-                              <p:par>
-                                <p:cTn id="17" presetID="1" presetClass="entr" presetSubtype="0" fill="hold" grpId="0" nodeType="clickEffect">
-                                  <p:stCondLst>
-                                    <p:cond delay="0"/>
-                                  </p:stCondLst>
-                                  <p:childTnLst>
-                                    <p:set>
-                                      <p:cBhvr>
-                                        <p:cTn id="18" dur="1" fill="hold">
-                                          <p:stCondLst>
-                                            <p:cond delay="0"/>
-                                          </p:stCondLst>
-                                        </p:cTn>
-                                        <p:tgtEl>
-                                          <p:spTgt spid="3">
-                                            <p:txEl>
-                                              <p:pRg st="3" end="3"/>
-                                            </p:txEl>
-                                          </p:spTgt>
-                                        </p:tgtEl>
-                                        <p:attrNameLst>
-                                          <p:attrName>style.visibility</p:attrName>
-                                        </p:attrNameLst>
-                                      </p:cBhvr>
-                                      <p:to>
-                                        <p:strVal val="visible"/>
-                                      </p:to>
-                                    </p:set>
-                                  </p:childTnLst>
-                                </p:cTn>
-                              </p:par>
-                            </p:childTnLst>
-                          </p:cTn>
-                        </p:par>
-                      </p:childTnLst>
-                    </p:cTn>
-                  </p:par>
-                </p:childTnLst>
-              </p:cTn>
-              <p:prevCondLst>
-                <p:cond evt="onPrev" delay="0">
-                  <p:tgtEl>
-                    <p:sldTgt/>
-                  </p:tgtEl>
-                </p:cond>
-              </p:prevCondLst>
-              <p:nextCondLst>
-                <p:cond evt="onNext" delay="0">
-                  <p:tgtEl>
-                    <p:sldTgt/>
-                  </p:tgtEl>
-                </p:cond>
-              </p:nextCondLst>
-            </p:seq>
-          </p:childTnLst>
-        </p:cTn>
-      </p:par>
-    </p:tnLst>
-    <p:bldLst>
-      <p:bldP spid="3" grpId="0" build="p"/>
-    </p:bldLst>
-  </p:timing>
-</p:sld>
-</file>
-
 <file path=ppt/slides/slide2.xml><?xml version="1.0" encoding="utf-8"?>
 <p:sld xmlns:a="http://schemas.openxmlformats.org/drawingml/2006/main" xmlns:r="http://schemas.openxmlformats.org/officeDocument/2006/relationships" xmlns:p="http://schemas.openxmlformats.org/presentationml/2006/main">
   <p:cSld>
@@ -8548,10 +8555,10 @@
       </p:grpSpPr>
       <p:sp>
         <p:nvSpPr>
-          <p:cNvPr id="5" name="Title 4">
-            <a:extLst>
-              <a:ext uri="{FF2B5EF4-FFF2-40B4-BE49-F238E27FC236}">
-                <a16:creationId xmlns:a16="http://schemas.microsoft.com/office/drawing/2014/main" id="{3451DC19-7301-4A76-B7B6-014CEED408FB}"/>
+          <p:cNvPr id="2" name="Title 1">
+            <a:extLst>
+              <a:ext uri="{FF2B5EF4-FFF2-40B4-BE49-F238E27FC236}">
+                <a16:creationId xmlns:a16="http://schemas.microsoft.com/office/drawing/2014/main" id="{47A17854-AEB3-4D27-B6E3-BF0A57948154}"/>
               </a:ext>
             </a:extLst>
           </p:cNvPr>
@@ -8562,6 +8569,2782 @@
             <p:ph type="title"/>
           </p:nvPr>
         </p:nvSpPr>
+        <p:spPr>
+          <a:xfrm>
+            <a:off x="838200" y="365125"/>
+            <a:ext cx="10515600" cy="636361"/>
+          </a:xfrm>
+        </p:spPr>
+        <p:txBody>
+          <a:bodyPr>
+            <a:normAutofit fontScale="90000"/>
+          </a:bodyPr>
+          <a:lstStyle/>
+          <a:p>
+            <a:r>
+              <a:rPr lang="en-US" dirty="0"/>
+              <a:t>Kubernetes Architecture</a:t>
+            </a:r>
+          </a:p>
+        </p:txBody>
+      </p:sp>
+      <p:sp>
+        <p:nvSpPr>
+          <p:cNvPr id="4" name="Slide Number Placeholder 3">
+            <a:extLst>
+              <a:ext uri="{FF2B5EF4-FFF2-40B4-BE49-F238E27FC236}">
+                <a16:creationId xmlns:a16="http://schemas.microsoft.com/office/drawing/2014/main" id="{8592BC73-D7CA-4783-A861-85E1573509FB}"/>
+              </a:ext>
+            </a:extLst>
+          </p:cNvPr>
+          <p:cNvSpPr>
+            <a:spLocks noGrp="1"/>
+          </p:cNvSpPr>
+          <p:nvPr>
+            <p:ph type="sldNum" sz="quarter" idx="12"/>
+          </p:nvPr>
+        </p:nvSpPr>
+        <p:spPr/>
+        <p:txBody>
+          <a:bodyPr/>
+          <a:lstStyle/>
+          <a:p>
+            <a:fld id="{945DE137-1981-4A6E-942B-1AACE1746372}" type="slidenum">
+              <a:rPr lang="en-US" smtClean="0"/>
+              <a:t>20</a:t>
+            </a:fld>
+            <a:endParaRPr lang="en-US"/>
+          </a:p>
+        </p:txBody>
+      </p:sp>
+      <p:cxnSp>
+        <p:nvCxnSpPr>
+          <p:cNvPr id="6" name="Straight Connector 5">
+            <a:extLst>
+              <a:ext uri="{FF2B5EF4-FFF2-40B4-BE49-F238E27FC236}">
+                <a16:creationId xmlns:a16="http://schemas.microsoft.com/office/drawing/2014/main" id="{53C0723E-F13E-4542-A7B9-6E1DE2D3EE13}"/>
+              </a:ext>
+            </a:extLst>
+          </p:cNvPr>
+          <p:cNvCxnSpPr/>
+          <p:nvPr/>
+        </p:nvCxnSpPr>
+        <p:spPr>
+          <a:xfrm>
+            <a:off x="273698" y="3029339"/>
+            <a:ext cx="11451771" cy="0"/>
+          </a:xfrm>
+          <a:prstGeom prst="line">
+            <a:avLst/>
+          </a:prstGeom>
+          <a:ln w="38100">
+            <a:prstDash val="dash"/>
+          </a:ln>
+        </p:spPr>
+        <p:style>
+          <a:lnRef idx="1">
+            <a:schemeClr val="accent1"/>
+          </a:lnRef>
+          <a:fillRef idx="0">
+            <a:schemeClr val="accent1"/>
+          </a:fillRef>
+          <a:effectRef idx="0">
+            <a:schemeClr val="accent1"/>
+          </a:effectRef>
+          <a:fontRef idx="minor">
+            <a:schemeClr val="tx1"/>
+          </a:fontRef>
+        </p:style>
+      </p:cxnSp>
+      <p:sp>
+        <p:nvSpPr>
+          <p:cNvPr id="7" name="TextBox 6">
+            <a:extLst>
+              <a:ext uri="{FF2B5EF4-FFF2-40B4-BE49-F238E27FC236}">
+                <a16:creationId xmlns:a16="http://schemas.microsoft.com/office/drawing/2014/main" id="{9F617AD4-3F55-4BAD-8875-06973AEADD23}"/>
+              </a:ext>
+            </a:extLst>
+          </p:cNvPr>
+          <p:cNvSpPr txBox="1"/>
+          <p:nvPr/>
+        </p:nvSpPr>
+        <p:spPr>
+          <a:xfrm>
+            <a:off x="273698" y="2469531"/>
+            <a:ext cx="1450012" cy="369332"/>
+          </a:xfrm>
+          <a:prstGeom prst="rect">
+            <a:avLst/>
+          </a:prstGeom>
+          <a:noFill/>
+        </p:spPr>
+        <p:txBody>
+          <a:bodyPr wrap="none" rtlCol="0">
+            <a:spAutoFit/>
+          </a:bodyPr>
+          <a:lstStyle/>
+          <a:p>
+            <a:r>
+              <a:rPr lang="en-US" dirty="0"/>
+              <a:t>Control Plane</a:t>
+            </a:r>
+          </a:p>
+        </p:txBody>
+      </p:sp>
+      <p:sp>
+        <p:nvSpPr>
+          <p:cNvPr id="8" name="Rectangle: Rounded Corners 7">
+            <a:extLst>
+              <a:ext uri="{FF2B5EF4-FFF2-40B4-BE49-F238E27FC236}">
+                <a16:creationId xmlns:a16="http://schemas.microsoft.com/office/drawing/2014/main" id="{75BBB48F-FCA1-44DA-A779-EC1A92183F1F}"/>
+              </a:ext>
+            </a:extLst>
+          </p:cNvPr>
+          <p:cNvSpPr/>
+          <p:nvPr/>
+        </p:nvSpPr>
+        <p:spPr>
+          <a:xfrm>
+            <a:off x="2806061" y="939550"/>
+            <a:ext cx="3831116" cy="1840972"/>
+          </a:xfrm>
+          <a:prstGeom prst="roundRect">
+            <a:avLst/>
+          </a:prstGeom>
+        </p:spPr>
+        <p:style>
+          <a:lnRef idx="2">
+            <a:schemeClr val="dk1"/>
+          </a:lnRef>
+          <a:fillRef idx="1">
+            <a:schemeClr val="lt1"/>
+          </a:fillRef>
+          <a:effectRef idx="0">
+            <a:schemeClr val="dk1"/>
+          </a:effectRef>
+          <a:fontRef idx="minor">
+            <a:schemeClr val="dk1"/>
+          </a:fontRef>
+        </p:style>
+        <p:txBody>
+          <a:bodyPr rtlCol="0" anchor="t"/>
+          <a:lstStyle/>
+          <a:p>
+            <a:r>
+              <a:rPr lang="en-US" dirty="0"/>
+              <a:t>Master</a:t>
+            </a:r>
+          </a:p>
+          <a:p>
+            <a:r>
+              <a:rPr lang="en-US" dirty="0"/>
+              <a:t>node(s)</a:t>
+            </a:r>
+          </a:p>
+        </p:txBody>
+      </p:sp>
+      <p:sp>
+        <p:nvSpPr>
+          <p:cNvPr id="9" name="Rectangle: Rounded Corners 8">
+            <a:extLst>
+              <a:ext uri="{FF2B5EF4-FFF2-40B4-BE49-F238E27FC236}">
+                <a16:creationId xmlns:a16="http://schemas.microsoft.com/office/drawing/2014/main" id="{665771E4-9ADD-4C1E-BAF3-472CF41327DA}"/>
+              </a:ext>
+            </a:extLst>
+          </p:cNvPr>
+          <p:cNvSpPr/>
+          <p:nvPr/>
+        </p:nvSpPr>
+        <p:spPr>
+          <a:xfrm>
+            <a:off x="3464767" y="1723053"/>
+            <a:ext cx="1082351" cy="559810"/>
+          </a:xfrm>
+          <a:prstGeom prst="roundRect">
+            <a:avLst/>
+          </a:prstGeom>
+        </p:spPr>
+        <p:style>
+          <a:lnRef idx="2">
+            <a:schemeClr val="accent1">
+              <a:shade val="50000"/>
+            </a:schemeClr>
+          </a:lnRef>
+          <a:fillRef idx="1">
+            <a:schemeClr val="accent1"/>
+          </a:fillRef>
+          <a:effectRef idx="0">
+            <a:schemeClr val="accent1"/>
+          </a:effectRef>
+          <a:fontRef idx="minor">
+            <a:schemeClr val="lt1"/>
+          </a:fontRef>
+        </p:style>
+        <p:txBody>
+          <a:bodyPr rtlCol="0" anchor="ctr"/>
+          <a:lstStyle/>
+          <a:p>
+            <a:pPr algn="ctr"/>
+            <a:r>
+              <a:rPr lang="en-US" sz="1400" dirty="0" err="1"/>
+              <a:t>Api</a:t>
+            </a:r>
+            <a:r>
+              <a:rPr lang="en-US" sz="1400" dirty="0"/>
+              <a:t> Service</a:t>
+            </a:r>
+          </a:p>
+        </p:txBody>
+      </p:sp>
+      <p:sp>
+        <p:nvSpPr>
+          <p:cNvPr id="10" name="Rectangle: Rounded Corners 9">
+            <a:extLst>
+              <a:ext uri="{FF2B5EF4-FFF2-40B4-BE49-F238E27FC236}">
+                <a16:creationId xmlns:a16="http://schemas.microsoft.com/office/drawing/2014/main" id="{616BA4DF-100E-491C-AF28-EF1AA19A6A34}"/>
+              </a:ext>
+            </a:extLst>
+          </p:cNvPr>
+          <p:cNvSpPr/>
+          <p:nvPr/>
+        </p:nvSpPr>
+        <p:spPr>
+          <a:xfrm>
+            <a:off x="5293567" y="1385218"/>
+            <a:ext cx="1082351" cy="559810"/>
+          </a:xfrm>
+          <a:prstGeom prst="roundRect">
+            <a:avLst/>
+          </a:prstGeom>
+        </p:spPr>
+        <p:style>
+          <a:lnRef idx="2">
+            <a:schemeClr val="accent1">
+              <a:shade val="50000"/>
+            </a:schemeClr>
+          </a:lnRef>
+          <a:fillRef idx="1">
+            <a:schemeClr val="accent1"/>
+          </a:fillRef>
+          <a:effectRef idx="0">
+            <a:schemeClr val="accent1"/>
+          </a:effectRef>
+          <a:fontRef idx="minor">
+            <a:schemeClr val="lt1"/>
+          </a:fontRef>
+        </p:style>
+        <p:txBody>
+          <a:bodyPr rtlCol="0" anchor="ctr"/>
+          <a:lstStyle/>
+          <a:p>
+            <a:pPr algn="ctr"/>
+            <a:r>
+              <a:rPr lang="en-US" sz="1400" dirty="0"/>
+              <a:t>Controller</a:t>
+            </a:r>
+          </a:p>
+        </p:txBody>
+      </p:sp>
+      <p:sp>
+        <p:nvSpPr>
+          <p:cNvPr id="11" name="Rectangle: Rounded Corners 10">
+            <a:extLst>
+              <a:ext uri="{FF2B5EF4-FFF2-40B4-BE49-F238E27FC236}">
+                <a16:creationId xmlns:a16="http://schemas.microsoft.com/office/drawing/2014/main" id="{2A5568C8-970F-4262-88FA-EECC0A6FB67B}"/>
+              </a:ext>
+            </a:extLst>
+          </p:cNvPr>
+          <p:cNvSpPr/>
+          <p:nvPr/>
+        </p:nvSpPr>
+        <p:spPr>
+          <a:xfrm>
+            <a:off x="5293567" y="2105181"/>
+            <a:ext cx="1082351" cy="559810"/>
+          </a:xfrm>
+          <a:prstGeom prst="roundRect">
+            <a:avLst/>
+          </a:prstGeom>
+        </p:spPr>
+        <p:style>
+          <a:lnRef idx="2">
+            <a:schemeClr val="accent1">
+              <a:shade val="50000"/>
+            </a:schemeClr>
+          </a:lnRef>
+          <a:fillRef idx="1">
+            <a:schemeClr val="accent1"/>
+          </a:fillRef>
+          <a:effectRef idx="0">
+            <a:schemeClr val="accent1"/>
+          </a:effectRef>
+          <a:fontRef idx="minor">
+            <a:schemeClr val="lt1"/>
+          </a:fontRef>
+        </p:style>
+        <p:txBody>
+          <a:bodyPr rtlCol="0" anchor="ctr"/>
+          <a:lstStyle/>
+          <a:p>
+            <a:pPr algn="ctr"/>
+            <a:r>
+              <a:rPr lang="en-US" sz="1400" dirty="0"/>
+              <a:t>Scheduler</a:t>
+            </a:r>
+          </a:p>
+        </p:txBody>
+      </p:sp>
+      <p:sp>
+        <p:nvSpPr>
+          <p:cNvPr id="12" name="Rectangle: Rounded Corners 11">
+            <a:extLst>
+              <a:ext uri="{FF2B5EF4-FFF2-40B4-BE49-F238E27FC236}">
+                <a16:creationId xmlns:a16="http://schemas.microsoft.com/office/drawing/2014/main" id="{E3D6CF97-2475-4D03-9542-EAE1F7DAA4D4}"/>
+              </a:ext>
+            </a:extLst>
+          </p:cNvPr>
+          <p:cNvSpPr/>
+          <p:nvPr/>
+        </p:nvSpPr>
+        <p:spPr>
+          <a:xfrm>
+            <a:off x="3096203" y="3682028"/>
+            <a:ext cx="5257800" cy="2463731"/>
+          </a:xfrm>
+          <a:prstGeom prst="roundRect">
+            <a:avLst/>
+          </a:prstGeom>
+        </p:spPr>
+        <p:style>
+          <a:lnRef idx="2">
+            <a:schemeClr val="dk1"/>
+          </a:lnRef>
+          <a:fillRef idx="1">
+            <a:schemeClr val="lt1"/>
+          </a:fillRef>
+          <a:effectRef idx="0">
+            <a:schemeClr val="dk1"/>
+          </a:effectRef>
+          <a:fontRef idx="minor">
+            <a:schemeClr val="dk1"/>
+          </a:fontRef>
+        </p:style>
+        <p:txBody>
+          <a:bodyPr rtlCol="0" anchor="t"/>
+          <a:lstStyle/>
+          <a:p>
+            <a:r>
+              <a:rPr lang="en-US" dirty="0"/>
+              <a:t>Worker nodes</a:t>
+            </a:r>
+          </a:p>
+        </p:txBody>
+      </p:sp>
+      <p:sp>
+        <p:nvSpPr>
+          <p:cNvPr id="13" name="Rectangle: Rounded Corners 12">
+            <a:extLst>
+              <a:ext uri="{FF2B5EF4-FFF2-40B4-BE49-F238E27FC236}">
+                <a16:creationId xmlns:a16="http://schemas.microsoft.com/office/drawing/2014/main" id="{41F32CD1-4140-4996-9728-C2DE32D67038}"/>
+              </a:ext>
+            </a:extLst>
+          </p:cNvPr>
+          <p:cNvSpPr/>
+          <p:nvPr/>
+        </p:nvSpPr>
+        <p:spPr>
+          <a:xfrm>
+            <a:off x="3256706" y="4517336"/>
+            <a:ext cx="3193851" cy="1499117"/>
+          </a:xfrm>
+          <a:prstGeom prst="roundRect">
+            <a:avLst/>
+          </a:prstGeom>
+        </p:spPr>
+        <p:style>
+          <a:lnRef idx="2">
+            <a:schemeClr val="accent5"/>
+          </a:lnRef>
+          <a:fillRef idx="1">
+            <a:schemeClr val="lt1"/>
+          </a:fillRef>
+          <a:effectRef idx="0">
+            <a:schemeClr val="accent5"/>
+          </a:effectRef>
+          <a:fontRef idx="minor">
+            <a:schemeClr val="dk1"/>
+          </a:fontRef>
+        </p:style>
+        <p:txBody>
+          <a:bodyPr rtlCol="0" anchor="t"/>
+          <a:lstStyle/>
+          <a:p>
+            <a:r>
+              <a:rPr lang="en-US" sz="1400" dirty="0"/>
+              <a:t>Docker</a:t>
+            </a:r>
+          </a:p>
+          <a:p>
+            <a:r>
+              <a:rPr lang="en-US" sz="1400" dirty="0"/>
+              <a:t>Runtime</a:t>
+            </a:r>
+          </a:p>
+        </p:txBody>
+      </p:sp>
+      <p:sp>
+        <p:nvSpPr>
+          <p:cNvPr id="14" name="Rectangle: Rounded Corners 13">
+            <a:extLst>
+              <a:ext uri="{FF2B5EF4-FFF2-40B4-BE49-F238E27FC236}">
+                <a16:creationId xmlns:a16="http://schemas.microsoft.com/office/drawing/2014/main" id="{7E3E87E5-2C45-4488-B65D-F12FFFAF6BC8}"/>
+              </a:ext>
+            </a:extLst>
+          </p:cNvPr>
+          <p:cNvSpPr/>
+          <p:nvPr/>
+        </p:nvSpPr>
+        <p:spPr>
+          <a:xfrm>
+            <a:off x="4827032" y="3848786"/>
+            <a:ext cx="1082352" cy="559810"/>
+          </a:xfrm>
+          <a:prstGeom prst="roundRect">
+            <a:avLst/>
+          </a:prstGeom>
+        </p:spPr>
+        <p:style>
+          <a:lnRef idx="2">
+            <a:schemeClr val="accent1">
+              <a:shade val="50000"/>
+            </a:schemeClr>
+          </a:lnRef>
+          <a:fillRef idx="1">
+            <a:schemeClr val="accent1"/>
+          </a:fillRef>
+          <a:effectRef idx="0">
+            <a:schemeClr val="accent1"/>
+          </a:effectRef>
+          <a:fontRef idx="minor">
+            <a:schemeClr val="lt1"/>
+          </a:fontRef>
+        </p:style>
+        <p:txBody>
+          <a:bodyPr rtlCol="0" anchor="ctr"/>
+          <a:lstStyle/>
+          <a:p>
+            <a:pPr algn="ctr"/>
+            <a:r>
+              <a:rPr lang="en-US" sz="1400" dirty="0" err="1"/>
+              <a:t>kubelet</a:t>
+            </a:r>
+            <a:endParaRPr lang="en-US" sz="1400" dirty="0"/>
+          </a:p>
+        </p:txBody>
+      </p:sp>
+      <p:sp>
+        <p:nvSpPr>
+          <p:cNvPr id="15" name="Rectangle: Rounded Corners 14">
+            <a:extLst>
+              <a:ext uri="{FF2B5EF4-FFF2-40B4-BE49-F238E27FC236}">
+                <a16:creationId xmlns:a16="http://schemas.microsoft.com/office/drawing/2014/main" id="{841110AC-FCAE-4D5B-96D4-83C9C9A3F419}"/>
+              </a:ext>
+            </a:extLst>
+          </p:cNvPr>
+          <p:cNvSpPr/>
+          <p:nvPr/>
+        </p:nvSpPr>
+        <p:spPr>
+          <a:xfrm>
+            <a:off x="4332836" y="4733732"/>
+            <a:ext cx="1909008" cy="1184719"/>
+          </a:xfrm>
+          <a:prstGeom prst="roundRect">
+            <a:avLst/>
+          </a:prstGeom>
+        </p:spPr>
+        <p:style>
+          <a:lnRef idx="2">
+            <a:schemeClr val="accent1">
+              <a:shade val="50000"/>
+            </a:schemeClr>
+          </a:lnRef>
+          <a:fillRef idx="1">
+            <a:schemeClr val="accent1"/>
+          </a:fillRef>
+          <a:effectRef idx="0">
+            <a:schemeClr val="accent1"/>
+          </a:effectRef>
+          <a:fontRef idx="minor">
+            <a:schemeClr val="lt1"/>
+          </a:fontRef>
+        </p:style>
+        <p:txBody>
+          <a:bodyPr rtlCol="0" anchor="t"/>
+          <a:lstStyle/>
+          <a:p>
+            <a:r>
+              <a:rPr lang="en-US" sz="1400" dirty="0"/>
+              <a:t>Pod</a:t>
+            </a:r>
+          </a:p>
+        </p:txBody>
+      </p:sp>
+      <p:sp>
+        <p:nvSpPr>
+          <p:cNvPr id="16" name="Rectangle 15">
+            <a:extLst>
+              <a:ext uri="{FF2B5EF4-FFF2-40B4-BE49-F238E27FC236}">
+                <a16:creationId xmlns:a16="http://schemas.microsoft.com/office/drawing/2014/main" id="{CDBEB44D-E70B-40B7-9168-40635B1A49F8}"/>
+              </a:ext>
+            </a:extLst>
+          </p:cNvPr>
+          <p:cNvSpPr/>
+          <p:nvPr/>
+        </p:nvSpPr>
+        <p:spPr>
+          <a:xfrm>
+            <a:off x="5067907" y="4860234"/>
+            <a:ext cx="933061" cy="447868"/>
+          </a:xfrm>
+          <a:prstGeom prst="rect">
+            <a:avLst/>
+          </a:prstGeom>
+        </p:spPr>
+        <p:style>
+          <a:lnRef idx="2">
+            <a:schemeClr val="accent6">
+              <a:shade val="50000"/>
+            </a:schemeClr>
+          </a:lnRef>
+          <a:fillRef idx="1">
+            <a:schemeClr val="accent6"/>
+          </a:fillRef>
+          <a:effectRef idx="0">
+            <a:schemeClr val="accent6"/>
+          </a:effectRef>
+          <a:fontRef idx="minor">
+            <a:schemeClr val="lt1"/>
+          </a:fontRef>
+        </p:style>
+        <p:txBody>
+          <a:bodyPr rtlCol="0" anchor="ctr"/>
+          <a:lstStyle/>
+          <a:p>
+            <a:pPr algn="ctr"/>
+            <a:r>
+              <a:rPr lang="en-US" sz="1400" dirty="0"/>
+              <a:t>Container</a:t>
+            </a:r>
+          </a:p>
+        </p:txBody>
+      </p:sp>
+      <p:sp>
+        <p:nvSpPr>
+          <p:cNvPr id="17" name="Rectangle 16">
+            <a:extLst>
+              <a:ext uri="{FF2B5EF4-FFF2-40B4-BE49-F238E27FC236}">
+                <a16:creationId xmlns:a16="http://schemas.microsoft.com/office/drawing/2014/main" id="{6CE3D907-C2DD-4897-83E0-80DD2B56F2FC}"/>
+              </a:ext>
+            </a:extLst>
+          </p:cNvPr>
+          <p:cNvSpPr/>
+          <p:nvPr/>
+        </p:nvSpPr>
+        <p:spPr>
+          <a:xfrm>
+            <a:off x="4601376" y="5382061"/>
+            <a:ext cx="933061" cy="447868"/>
+          </a:xfrm>
+          <a:prstGeom prst="rect">
+            <a:avLst/>
+          </a:prstGeom>
+        </p:spPr>
+        <p:style>
+          <a:lnRef idx="2">
+            <a:schemeClr val="accent6">
+              <a:shade val="50000"/>
+            </a:schemeClr>
+          </a:lnRef>
+          <a:fillRef idx="1">
+            <a:schemeClr val="accent6"/>
+          </a:fillRef>
+          <a:effectRef idx="0">
+            <a:schemeClr val="accent6"/>
+          </a:effectRef>
+          <a:fontRef idx="minor">
+            <a:schemeClr val="lt1"/>
+          </a:fontRef>
+        </p:style>
+        <p:txBody>
+          <a:bodyPr rtlCol="0" anchor="ctr"/>
+          <a:lstStyle/>
+          <a:p>
+            <a:pPr algn="ctr"/>
+            <a:r>
+              <a:rPr lang="en-US" sz="1400" dirty="0"/>
+              <a:t>Container</a:t>
+            </a:r>
+          </a:p>
+        </p:txBody>
+      </p:sp>
+      <p:cxnSp>
+        <p:nvCxnSpPr>
+          <p:cNvPr id="22" name="Connector: Elbow 21">
+            <a:extLst>
+              <a:ext uri="{FF2B5EF4-FFF2-40B4-BE49-F238E27FC236}">
+                <a16:creationId xmlns:a16="http://schemas.microsoft.com/office/drawing/2014/main" id="{9D8BDFDF-6A57-4B6A-A28E-E4567810ED3C}"/>
+              </a:ext>
+            </a:extLst>
+          </p:cNvPr>
+          <p:cNvCxnSpPr>
+            <a:cxnSpLocks/>
+            <a:stCxn id="14" idx="1"/>
+            <a:endCxn id="15" idx="1"/>
+          </p:cNvCxnSpPr>
+          <p:nvPr/>
+        </p:nvCxnSpPr>
+        <p:spPr>
+          <a:xfrm rot="10800000" flipV="1">
+            <a:off x="4332836" y="4128690"/>
+            <a:ext cx="494196" cy="1197401"/>
+          </a:xfrm>
+          <a:prstGeom prst="bentConnector3">
+            <a:avLst>
+              <a:gd name="adj1" fmla="val 146257"/>
+            </a:avLst>
+          </a:prstGeom>
+          <a:ln>
+            <a:tailEnd type="triangle"/>
+          </a:ln>
+        </p:spPr>
+        <p:style>
+          <a:lnRef idx="3">
+            <a:schemeClr val="dk1"/>
+          </a:lnRef>
+          <a:fillRef idx="0">
+            <a:schemeClr val="dk1"/>
+          </a:fillRef>
+          <a:effectRef idx="2">
+            <a:schemeClr val="dk1"/>
+          </a:effectRef>
+          <a:fontRef idx="minor">
+            <a:schemeClr val="tx1"/>
+          </a:fontRef>
+        </p:style>
+      </p:cxnSp>
+      <p:cxnSp>
+        <p:nvCxnSpPr>
+          <p:cNvPr id="24" name="Connector: Elbow 23">
+            <a:extLst>
+              <a:ext uri="{FF2B5EF4-FFF2-40B4-BE49-F238E27FC236}">
+                <a16:creationId xmlns:a16="http://schemas.microsoft.com/office/drawing/2014/main" id="{029CB9FC-B0C6-495E-8D21-78CDD9BA5133}"/>
+              </a:ext>
+            </a:extLst>
+          </p:cNvPr>
+          <p:cNvCxnSpPr>
+            <a:cxnSpLocks/>
+            <a:stCxn id="14" idx="2"/>
+            <a:endCxn id="16" idx="0"/>
+          </p:cNvCxnSpPr>
+          <p:nvPr/>
+        </p:nvCxnSpPr>
+        <p:spPr>
+          <a:xfrm rot="16200000" flipH="1">
+            <a:off x="5225504" y="4551300"/>
+            <a:ext cx="451638" cy="166230"/>
+          </a:xfrm>
+          <a:prstGeom prst="bentConnector3">
+            <a:avLst>
+              <a:gd name="adj1" fmla="val 50000"/>
+            </a:avLst>
+          </a:prstGeom>
+          <a:ln>
+            <a:tailEnd type="triangle"/>
+          </a:ln>
+        </p:spPr>
+        <p:style>
+          <a:lnRef idx="3">
+            <a:schemeClr val="dk1"/>
+          </a:lnRef>
+          <a:fillRef idx="0">
+            <a:schemeClr val="dk1"/>
+          </a:fillRef>
+          <a:effectRef idx="2">
+            <a:schemeClr val="dk1"/>
+          </a:effectRef>
+          <a:fontRef idx="minor">
+            <a:schemeClr val="tx1"/>
+          </a:fontRef>
+        </p:style>
+      </p:cxnSp>
+      <p:sp>
+        <p:nvSpPr>
+          <p:cNvPr id="29" name="Rectangle: Rounded Corners 28">
+            <a:extLst>
+              <a:ext uri="{FF2B5EF4-FFF2-40B4-BE49-F238E27FC236}">
+                <a16:creationId xmlns:a16="http://schemas.microsoft.com/office/drawing/2014/main" id="{44A1D0F4-BD92-448F-A401-2BB0AE5965F2}"/>
+              </a:ext>
+            </a:extLst>
+          </p:cNvPr>
+          <p:cNvSpPr/>
+          <p:nvPr/>
+        </p:nvSpPr>
+        <p:spPr>
+          <a:xfrm>
+            <a:off x="7010392" y="5046187"/>
+            <a:ext cx="1082352" cy="559810"/>
+          </a:xfrm>
+          <a:prstGeom prst="roundRect">
+            <a:avLst/>
+          </a:prstGeom>
+        </p:spPr>
+        <p:style>
+          <a:lnRef idx="2">
+            <a:schemeClr val="accent1">
+              <a:shade val="50000"/>
+            </a:schemeClr>
+          </a:lnRef>
+          <a:fillRef idx="1">
+            <a:schemeClr val="accent1"/>
+          </a:fillRef>
+          <a:effectRef idx="0">
+            <a:schemeClr val="accent1"/>
+          </a:effectRef>
+          <a:fontRef idx="minor">
+            <a:schemeClr val="lt1"/>
+          </a:fontRef>
+        </p:style>
+        <p:txBody>
+          <a:bodyPr rtlCol="0" anchor="ctr"/>
+          <a:lstStyle/>
+          <a:p>
+            <a:pPr algn="ctr"/>
+            <a:r>
+              <a:rPr lang="en-US" sz="1400" dirty="0" err="1"/>
+              <a:t>kube</a:t>
+            </a:r>
+            <a:r>
+              <a:rPr lang="en-US" sz="1400" dirty="0"/>
+              <a:t>-proxy</a:t>
+            </a:r>
+          </a:p>
+        </p:txBody>
+      </p:sp>
+      <p:cxnSp>
+        <p:nvCxnSpPr>
+          <p:cNvPr id="31" name="Straight Arrow Connector 30">
+            <a:extLst>
+              <a:ext uri="{FF2B5EF4-FFF2-40B4-BE49-F238E27FC236}">
+                <a16:creationId xmlns:a16="http://schemas.microsoft.com/office/drawing/2014/main" id="{DB58D9D1-FFFC-4213-830A-276FB9E6E3E9}"/>
+              </a:ext>
+            </a:extLst>
+          </p:cNvPr>
+          <p:cNvCxnSpPr>
+            <a:cxnSpLocks/>
+            <a:stCxn id="29" idx="1"/>
+            <a:endCxn id="15" idx="3"/>
+          </p:cNvCxnSpPr>
+          <p:nvPr/>
+        </p:nvCxnSpPr>
+        <p:spPr>
+          <a:xfrm flipH="1">
+            <a:off x="6241844" y="5326092"/>
+            <a:ext cx="768548" cy="0"/>
+          </a:xfrm>
+          <a:prstGeom prst="straightConnector1">
+            <a:avLst/>
+          </a:prstGeom>
+          <a:ln>
+            <a:tailEnd type="triangle"/>
+          </a:ln>
+        </p:spPr>
+        <p:style>
+          <a:lnRef idx="3">
+            <a:schemeClr val="dk1"/>
+          </a:lnRef>
+          <a:fillRef idx="0">
+            <a:schemeClr val="dk1"/>
+          </a:fillRef>
+          <a:effectRef idx="2">
+            <a:schemeClr val="dk1"/>
+          </a:effectRef>
+          <a:fontRef idx="minor">
+            <a:schemeClr val="tx1"/>
+          </a:fontRef>
+        </p:style>
+      </p:cxnSp>
+      <p:sp>
+        <p:nvSpPr>
+          <p:cNvPr id="38" name="Cloud 37">
+            <a:extLst>
+              <a:ext uri="{FF2B5EF4-FFF2-40B4-BE49-F238E27FC236}">
+                <a16:creationId xmlns:a16="http://schemas.microsoft.com/office/drawing/2014/main" id="{A7A46E4E-68E6-40F2-904D-793C44B18396}"/>
+              </a:ext>
+            </a:extLst>
+          </p:cNvPr>
+          <p:cNvSpPr/>
+          <p:nvPr/>
+        </p:nvSpPr>
+        <p:spPr>
+          <a:xfrm>
+            <a:off x="9249741" y="4625538"/>
+            <a:ext cx="2320212" cy="1401107"/>
+          </a:xfrm>
+          <a:prstGeom prst="cloud">
+            <a:avLst/>
+          </a:prstGeom>
+        </p:spPr>
+        <p:style>
+          <a:lnRef idx="2">
+            <a:schemeClr val="accent1">
+              <a:shade val="50000"/>
+            </a:schemeClr>
+          </a:lnRef>
+          <a:fillRef idx="1">
+            <a:schemeClr val="accent1"/>
+          </a:fillRef>
+          <a:effectRef idx="0">
+            <a:schemeClr val="accent1"/>
+          </a:effectRef>
+          <a:fontRef idx="minor">
+            <a:schemeClr val="lt1"/>
+          </a:fontRef>
+        </p:style>
+        <p:txBody>
+          <a:bodyPr rtlCol="0" anchor="ctr"/>
+          <a:lstStyle/>
+          <a:p>
+            <a:pPr algn="ctr"/>
+            <a:r>
+              <a:rPr lang="en-US" dirty="0"/>
+              <a:t>External</a:t>
+            </a:r>
+          </a:p>
+          <a:p>
+            <a:pPr algn="ctr"/>
+            <a:r>
+              <a:rPr lang="en-US" dirty="0"/>
+              <a:t>Network</a:t>
+            </a:r>
+          </a:p>
+        </p:txBody>
+      </p:sp>
+      <p:cxnSp>
+        <p:nvCxnSpPr>
+          <p:cNvPr id="40" name="Straight Arrow Connector 39">
+            <a:extLst>
+              <a:ext uri="{FF2B5EF4-FFF2-40B4-BE49-F238E27FC236}">
+                <a16:creationId xmlns:a16="http://schemas.microsoft.com/office/drawing/2014/main" id="{AD696697-7609-4FF4-85CC-4C719A1655DD}"/>
+              </a:ext>
+            </a:extLst>
+          </p:cNvPr>
+          <p:cNvCxnSpPr>
+            <a:stCxn id="38" idx="2"/>
+            <a:endCxn id="29" idx="3"/>
+          </p:cNvCxnSpPr>
+          <p:nvPr/>
+        </p:nvCxnSpPr>
+        <p:spPr>
+          <a:xfrm flipH="1">
+            <a:off x="8092744" y="5326092"/>
+            <a:ext cx="1164194" cy="0"/>
+          </a:xfrm>
+          <a:prstGeom prst="straightConnector1">
+            <a:avLst/>
+          </a:prstGeom>
+          <a:ln>
+            <a:tailEnd type="triangle"/>
+          </a:ln>
+        </p:spPr>
+        <p:style>
+          <a:lnRef idx="3">
+            <a:schemeClr val="dk1"/>
+          </a:lnRef>
+          <a:fillRef idx="0">
+            <a:schemeClr val="dk1"/>
+          </a:fillRef>
+          <a:effectRef idx="2">
+            <a:schemeClr val="dk1"/>
+          </a:effectRef>
+          <a:fontRef idx="minor">
+            <a:schemeClr val="tx1"/>
+          </a:fontRef>
+        </p:style>
+      </p:cxnSp>
+      <p:cxnSp>
+        <p:nvCxnSpPr>
+          <p:cNvPr id="46" name="Connector: Elbow 45">
+            <a:extLst>
+              <a:ext uri="{FF2B5EF4-FFF2-40B4-BE49-F238E27FC236}">
+                <a16:creationId xmlns:a16="http://schemas.microsoft.com/office/drawing/2014/main" id="{1FA95EC0-B893-4D34-AD61-E4C22263C1AF}"/>
+              </a:ext>
+            </a:extLst>
+          </p:cNvPr>
+          <p:cNvCxnSpPr>
+            <a:stCxn id="9" idx="2"/>
+            <a:endCxn id="14" idx="0"/>
+          </p:cNvCxnSpPr>
+          <p:nvPr/>
+        </p:nvCxnSpPr>
+        <p:spPr>
+          <a:xfrm rot="16200000" flipH="1">
+            <a:off x="3904114" y="2384691"/>
+            <a:ext cx="1565923" cy="1362265"/>
+          </a:xfrm>
+          <a:prstGeom prst="bentConnector3">
+            <a:avLst>
+              <a:gd name="adj1" fmla="val 59136"/>
+            </a:avLst>
+          </a:prstGeom>
+          <a:ln>
+            <a:headEnd type="triangle"/>
+            <a:tailEnd type="triangle"/>
+          </a:ln>
+        </p:spPr>
+        <p:style>
+          <a:lnRef idx="3">
+            <a:schemeClr val="dk1"/>
+          </a:lnRef>
+          <a:fillRef idx="0">
+            <a:schemeClr val="dk1"/>
+          </a:fillRef>
+          <a:effectRef idx="2">
+            <a:schemeClr val="dk1"/>
+          </a:effectRef>
+          <a:fontRef idx="minor">
+            <a:schemeClr val="tx1"/>
+          </a:fontRef>
+        </p:style>
+      </p:cxnSp>
+      <p:cxnSp>
+        <p:nvCxnSpPr>
+          <p:cNvPr id="49" name="Connector: Elbow 48">
+            <a:extLst>
+              <a:ext uri="{FF2B5EF4-FFF2-40B4-BE49-F238E27FC236}">
+                <a16:creationId xmlns:a16="http://schemas.microsoft.com/office/drawing/2014/main" id="{FAC4A962-7775-401E-8AF6-1CE360545326}"/>
+              </a:ext>
+            </a:extLst>
+          </p:cNvPr>
+          <p:cNvCxnSpPr>
+            <a:stCxn id="10" idx="1"/>
+            <a:endCxn id="9" idx="3"/>
+          </p:cNvCxnSpPr>
+          <p:nvPr/>
+        </p:nvCxnSpPr>
+        <p:spPr>
+          <a:xfrm rot="10800000" flipV="1">
+            <a:off x="4547119" y="1665122"/>
+            <a:ext cx="746449" cy="337835"/>
+          </a:xfrm>
+          <a:prstGeom prst="bentConnector3">
+            <a:avLst/>
+          </a:prstGeom>
+          <a:ln>
+            <a:tailEnd type="triangle"/>
+          </a:ln>
+        </p:spPr>
+        <p:style>
+          <a:lnRef idx="3">
+            <a:schemeClr val="dk1"/>
+          </a:lnRef>
+          <a:fillRef idx="0">
+            <a:schemeClr val="dk1"/>
+          </a:fillRef>
+          <a:effectRef idx="2">
+            <a:schemeClr val="dk1"/>
+          </a:effectRef>
+          <a:fontRef idx="minor">
+            <a:schemeClr val="tx1"/>
+          </a:fontRef>
+        </p:style>
+      </p:cxnSp>
+      <p:cxnSp>
+        <p:nvCxnSpPr>
+          <p:cNvPr id="51" name="Connector: Elbow 50">
+            <a:extLst>
+              <a:ext uri="{FF2B5EF4-FFF2-40B4-BE49-F238E27FC236}">
+                <a16:creationId xmlns:a16="http://schemas.microsoft.com/office/drawing/2014/main" id="{BED92D90-6ED7-4B0E-A1DC-40C0519E927F}"/>
+              </a:ext>
+            </a:extLst>
+          </p:cNvPr>
+          <p:cNvCxnSpPr>
+            <a:endCxn id="9" idx="3"/>
+          </p:cNvCxnSpPr>
+          <p:nvPr/>
+        </p:nvCxnSpPr>
+        <p:spPr>
+          <a:xfrm rot="10800000">
+            <a:off x="4547118" y="2002959"/>
+            <a:ext cx="740222" cy="373693"/>
+          </a:xfrm>
+          <a:prstGeom prst="bentConnector3">
+            <a:avLst/>
+          </a:prstGeom>
+          <a:ln>
+            <a:tailEnd type="triangle"/>
+          </a:ln>
+        </p:spPr>
+        <p:style>
+          <a:lnRef idx="3">
+            <a:schemeClr val="dk1"/>
+          </a:lnRef>
+          <a:fillRef idx="0">
+            <a:schemeClr val="dk1"/>
+          </a:fillRef>
+          <a:effectRef idx="2">
+            <a:schemeClr val="dk1"/>
+          </a:effectRef>
+          <a:fontRef idx="minor">
+            <a:schemeClr val="tx1"/>
+          </a:fontRef>
+        </p:style>
+      </p:cxnSp>
+      <p:sp>
+        <p:nvSpPr>
+          <p:cNvPr id="52" name="Rectangle: Rounded Corners 51">
+            <a:extLst>
+              <a:ext uri="{FF2B5EF4-FFF2-40B4-BE49-F238E27FC236}">
+                <a16:creationId xmlns:a16="http://schemas.microsoft.com/office/drawing/2014/main" id="{C2D38C70-E0DA-4EC0-9233-5062F5814A67}"/>
+              </a:ext>
+            </a:extLst>
+          </p:cNvPr>
+          <p:cNvSpPr/>
+          <p:nvPr/>
+        </p:nvSpPr>
+        <p:spPr>
+          <a:xfrm>
+            <a:off x="1088567" y="1723053"/>
+            <a:ext cx="1082351" cy="559810"/>
+          </a:xfrm>
+          <a:prstGeom prst="roundRect">
+            <a:avLst/>
+          </a:prstGeom>
+        </p:spPr>
+        <p:style>
+          <a:lnRef idx="2">
+            <a:schemeClr val="accent1">
+              <a:shade val="50000"/>
+            </a:schemeClr>
+          </a:lnRef>
+          <a:fillRef idx="1">
+            <a:schemeClr val="accent1"/>
+          </a:fillRef>
+          <a:effectRef idx="0">
+            <a:schemeClr val="accent1"/>
+          </a:effectRef>
+          <a:fontRef idx="minor">
+            <a:schemeClr val="lt1"/>
+          </a:fontRef>
+        </p:style>
+        <p:txBody>
+          <a:bodyPr rtlCol="0" anchor="ctr"/>
+          <a:lstStyle/>
+          <a:p>
+            <a:pPr algn="ctr"/>
+            <a:r>
+              <a:rPr lang="en-US" sz="1400" dirty="0" err="1"/>
+              <a:t>kubectl</a:t>
+            </a:r>
+            <a:endParaRPr lang="en-US" sz="1400" dirty="0"/>
+          </a:p>
+        </p:txBody>
+      </p:sp>
+      <p:cxnSp>
+        <p:nvCxnSpPr>
+          <p:cNvPr id="54" name="Straight Arrow Connector 53">
+            <a:extLst>
+              <a:ext uri="{FF2B5EF4-FFF2-40B4-BE49-F238E27FC236}">
+                <a16:creationId xmlns:a16="http://schemas.microsoft.com/office/drawing/2014/main" id="{B7965C82-52B2-4837-A49A-807EAE4F20E8}"/>
+              </a:ext>
+            </a:extLst>
+          </p:cNvPr>
+          <p:cNvCxnSpPr>
+            <a:stCxn id="52" idx="3"/>
+            <a:endCxn id="9" idx="1"/>
+          </p:cNvCxnSpPr>
+          <p:nvPr/>
+        </p:nvCxnSpPr>
+        <p:spPr>
+          <a:xfrm>
+            <a:off x="2170918" y="2002958"/>
+            <a:ext cx="1293849" cy="0"/>
+          </a:xfrm>
+          <a:prstGeom prst="straightConnector1">
+            <a:avLst/>
+          </a:prstGeom>
+          <a:ln>
+            <a:tailEnd type="triangle"/>
+          </a:ln>
+        </p:spPr>
+        <p:style>
+          <a:lnRef idx="3">
+            <a:schemeClr val="dk1"/>
+          </a:lnRef>
+          <a:fillRef idx="0">
+            <a:schemeClr val="dk1"/>
+          </a:fillRef>
+          <a:effectRef idx="2">
+            <a:schemeClr val="dk1"/>
+          </a:effectRef>
+          <a:fontRef idx="minor">
+            <a:schemeClr val="tx1"/>
+          </a:fontRef>
+        </p:style>
+      </p:cxnSp>
+      <p:sp>
+        <p:nvSpPr>
+          <p:cNvPr id="57" name="Cylinder 56">
+            <a:extLst>
+              <a:ext uri="{FF2B5EF4-FFF2-40B4-BE49-F238E27FC236}">
+                <a16:creationId xmlns:a16="http://schemas.microsoft.com/office/drawing/2014/main" id="{F5E138B2-CEB1-4052-9FEB-3AE0DD52152D}"/>
+              </a:ext>
+            </a:extLst>
+          </p:cNvPr>
+          <p:cNvSpPr/>
+          <p:nvPr/>
+        </p:nvSpPr>
+        <p:spPr>
+          <a:xfrm>
+            <a:off x="7122358" y="1496011"/>
+            <a:ext cx="709128" cy="845967"/>
+          </a:xfrm>
+          <a:prstGeom prst="can">
+            <a:avLst/>
+          </a:prstGeom>
+        </p:spPr>
+        <p:style>
+          <a:lnRef idx="2">
+            <a:schemeClr val="accent1">
+              <a:shade val="50000"/>
+            </a:schemeClr>
+          </a:lnRef>
+          <a:fillRef idx="1">
+            <a:schemeClr val="accent1"/>
+          </a:fillRef>
+          <a:effectRef idx="0">
+            <a:schemeClr val="accent1"/>
+          </a:effectRef>
+          <a:fontRef idx="minor">
+            <a:schemeClr val="lt1"/>
+          </a:fontRef>
+        </p:style>
+        <p:txBody>
+          <a:bodyPr rtlCol="0" anchor="ctr"/>
+          <a:lstStyle/>
+          <a:p>
+            <a:pPr algn="ctr"/>
+            <a:r>
+              <a:rPr lang="en-US" dirty="0" err="1"/>
+              <a:t>etcd</a:t>
+            </a:r>
+            <a:endParaRPr lang="en-US" dirty="0"/>
+          </a:p>
+        </p:txBody>
+      </p:sp>
+      <p:cxnSp>
+        <p:nvCxnSpPr>
+          <p:cNvPr id="59" name="Connector: Elbow 58">
+            <a:extLst>
+              <a:ext uri="{FF2B5EF4-FFF2-40B4-BE49-F238E27FC236}">
+                <a16:creationId xmlns:a16="http://schemas.microsoft.com/office/drawing/2014/main" id="{8B4C2620-6AF0-494D-AF89-0653424C6B46}"/>
+              </a:ext>
+            </a:extLst>
+          </p:cNvPr>
+          <p:cNvCxnSpPr>
+            <a:stCxn id="9" idx="0"/>
+            <a:endCxn id="57" idx="1"/>
+          </p:cNvCxnSpPr>
+          <p:nvPr/>
+        </p:nvCxnSpPr>
+        <p:spPr>
+          <a:xfrm rot="5400000" flipH="1" flipV="1">
+            <a:off x="5627911" y="-125957"/>
+            <a:ext cx="227042" cy="3470979"/>
+          </a:xfrm>
+          <a:prstGeom prst="bentConnector3">
+            <a:avLst>
+              <a:gd name="adj1" fmla="val 244522"/>
+            </a:avLst>
+          </a:prstGeom>
+          <a:ln>
+            <a:tailEnd type="triangle"/>
+          </a:ln>
+        </p:spPr>
+        <p:style>
+          <a:lnRef idx="3">
+            <a:schemeClr val="dk1"/>
+          </a:lnRef>
+          <a:fillRef idx="0">
+            <a:schemeClr val="dk1"/>
+          </a:fillRef>
+          <a:effectRef idx="2">
+            <a:schemeClr val="dk1"/>
+          </a:effectRef>
+          <a:fontRef idx="minor">
+            <a:schemeClr val="tx1"/>
+          </a:fontRef>
+        </p:style>
+      </p:cxnSp>
+      <p:sp>
+        <p:nvSpPr>
+          <p:cNvPr id="61" name="TextBox 60">
+            <a:extLst>
+              <a:ext uri="{FF2B5EF4-FFF2-40B4-BE49-F238E27FC236}">
+                <a16:creationId xmlns:a16="http://schemas.microsoft.com/office/drawing/2014/main" id="{C0978EBC-9FC4-4A44-9011-010CEEBAFD51}"/>
+              </a:ext>
+            </a:extLst>
+          </p:cNvPr>
+          <p:cNvSpPr txBox="1"/>
+          <p:nvPr/>
+        </p:nvSpPr>
+        <p:spPr>
+          <a:xfrm>
+            <a:off x="273698" y="3219816"/>
+            <a:ext cx="1192827" cy="369332"/>
+          </a:xfrm>
+          <a:prstGeom prst="rect">
+            <a:avLst/>
+          </a:prstGeom>
+          <a:noFill/>
+        </p:spPr>
+        <p:txBody>
+          <a:bodyPr wrap="none" rtlCol="0">
+            <a:spAutoFit/>
+          </a:bodyPr>
+          <a:lstStyle/>
+          <a:p>
+            <a:r>
+              <a:rPr lang="en-US" dirty="0"/>
+              <a:t>Data Plane</a:t>
+            </a:r>
+          </a:p>
+        </p:txBody>
+      </p:sp>
+    </p:spTree>
+    <p:extLst>
+      <p:ext uri="{BB962C8B-B14F-4D97-AF65-F5344CB8AC3E}">
+        <p14:creationId xmlns:p14="http://schemas.microsoft.com/office/powerpoint/2010/main" val="3194504562"/>
+      </p:ext>
+    </p:extLst>
+  </p:cSld>
+  <p:clrMapOvr>
+    <a:masterClrMapping/>
+  </p:clrMapOvr>
+</p:sld>
+</file>
+
+<file path=ppt/slides/slide21.xml><?xml version="1.0" encoding="utf-8"?>
+<p:sld xmlns:a="http://schemas.openxmlformats.org/drawingml/2006/main" xmlns:r="http://schemas.openxmlformats.org/officeDocument/2006/relationships" xmlns:p="http://schemas.openxmlformats.org/presentationml/2006/main">
+  <p:cSld>
+    <p:spTree>
+      <p:nvGrpSpPr>
+        <p:cNvPr id="1" name=""/>
+        <p:cNvGrpSpPr/>
+        <p:nvPr/>
+      </p:nvGrpSpPr>
+      <p:grpSpPr>
+        <a:xfrm>
+          <a:off x="0" y="0"/>
+          <a:ext cx="0" cy="0"/>
+          <a:chOff x="0" y="0"/>
+          <a:chExt cx="0" cy="0"/>
+        </a:xfrm>
+      </p:grpSpPr>
+      <p:sp>
+        <p:nvSpPr>
+          <p:cNvPr id="2" name="Title 1">
+            <a:extLst>
+              <a:ext uri="{FF2B5EF4-FFF2-40B4-BE49-F238E27FC236}">
+                <a16:creationId xmlns:a16="http://schemas.microsoft.com/office/drawing/2014/main" id="{73E418B7-F255-4C78-869E-9335AF04FEE5}"/>
+              </a:ext>
+            </a:extLst>
+          </p:cNvPr>
+          <p:cNvSpPr>
+            <a:spLocks noGrp="1"/>
+          </p:cNvSpPr>
+          <p:nvPr>
+            <p:ph type="title"/>
+          </p:nvPr>
+        </p:nvSpPr>
+        <p:spPr/>
+        <p:txBody>
+          <a:bodyPr/>
+          <a:lstStyle/>
+          <a:p>
+            <a:r>
+              <a:rPr lang="en-US" dirty="0"/>
+              <a:t>Master Node Components</a:t>
+            </a:r>
+          </a:p>
+        </p:txBody>
+      </p:sp>
+      <p:sp>
+        <p:nvSpPr>
+          <p:cNvPr id="3" name="Content Placeholder 2">
+            <a:extLst>
+              <a:ext uri="{FF2B5EF4-FFF2-40B4-BE49-F238E27FC236}">
+                <a16:creationId xmlns:a16="http://schemas.microsoft.com/office/drawing/2014/main" id="{0E61258F-6C80-47AE-B78D-D153D5444C88}"/>
+              </a:ext>
+            </a:extLst>
+          </p:cNvPr>
+          <p:cNvSpPr>
+            <a:spLocks noGrp="1"/>
+          </p:cNvSpPr>
+          <p:nvPr>
+            <p:ph idx="1"/>
+          </p:nvPr>
+        </p:nvSpPr>
+        <p:spPr/>
+        <p:txBody>
+          <a:bodyPr>
+            <a:normAutofit fontScale="55000" lnSpcReduction="20000"/>
+          </a:bodyPr>
+          <a:lstStyle/>
+          <a:p>
+            <a:r>
+              <a:rPr lang="en-US" b="1" dirty="0" err="1">
+                <a:hlinkClick r:id="rId2"/>
+              </a:rPr>
+              <a:t>etcd</a:t>
+            </a:r>
+            <a:r>
+              <a:rPr lang="en-US" b="1" dirty="0">
+                <a:hlinkClick r:id="rId2"/>
+              </a:rPr>
+              <a:t> cluster</a:t>
+            </a:r>
+            <a:r>
+              <a:rPr lang="en-US" b="1" dirty="0"/>
+              <a:t> </a:t>
+            </a:r>
+            <a:r>
+              <a:rPr lang="en-US" dirty="0"/>
+              <a:t>-</a:t>
+            </a:r>
+            <a:r>
+              <a:rPr lang="en-US" b="1" dirty="0"/>
+              <a:t> </a:t>
+            </a:r>
+            <a:r>
+              <a:rPr lang="en-US" dirty="0"/>
+              <a:t>a simple, distributed key value storage which is used to store the </a:t>
+            </a:r>
+            <a:r>
+              <a:rPr lang="en-US" dirty="0">
+                <a:hlinkClick r:id="rId3"/>
+              </a:rPr>
+              <a:t>Kubernetes cluster</a:t>
+            </a:r>
+            <a:r>
+              <a:rPr lang="en-US" dirty="0"/>
+              <a:t> data (such as number of pods, their state, namespace, </a:t>
+            </a:r>
+            <a:r>
+              <a:rPr lang="en-US" dirty="0" err="1"/>
+              <a:t>etc</a:t>
+            </a:r>
+            <a:r>
+              <a:rPr lang="en-US" dirty="0"/>
+              <a:t>), API objects and service discovery details. It is only accessible from the API server for security reasons. </a:t>
+            </a:r>
+            <a:r>
+              <a:rPr lang="en-US" dirty="0" err="1"/>
+              <a:t>etcd</a:t>
+            </a:r>
+            <a:r>
+              <a:rPr lang="en-US" dirty="0"/>
+              <a:t> enables notifications to the cluster about configuration changes with the help of watchers. Notifications are API requests on each </a:t>
+            </a:r>
+            <a:r>
+              <a:rPr lang="en-US" dirty="0" err="1"/>
+              <a:t>etcd</a:t>
+            </a:r>
+            <a:r>
+              <a:rPr lang="en-US" dirty="0"/>
+              <a:t> cluster node to trigger the update of information in the node’s storage.</a:t>
+            </a:r>
+          </a:p>
+          <a:p>
+            <a:r>
+              <a:rPr lang="en-US" b="1" dirty="0" err="1">
+                <a:hlinkClick r:id="rId4"/>
+              </a:rPr>
+              <a:t>kube-apiserver</a:t>
+            </a:r>
+            <a:r>
+              <a:rPr lang="en-US" b="1" dirty="0"/>
+              <a:t> </a:t>
+            </a:r>
+            <a:r>
+              <a:rPr lang="en-US" dirty="0"/>
+              <a:t>-</a:t>
+            </a:r>
+            <a:r>
+              <a:rPr lang="en-US" b="1" dirty="0"/>
+              <a:t> </a:t>
+            </a:r>
+            <a:r>
+              <a:rPr lang="en-US" dirty="0"/>
+              <a:t>Kubernetes API server is the central management entity that receives all REST requests for modifications (to pods, services, replication sets/controllers and others), serving as frontend to the cluster. Also, this is the only component that communicates with the </a:t>
+            </a:r>
+            <a:r>
+              <a:rPr lang="en-US" dirty="0" err="1"/>
+              <a:t>etcd</a:t>
+            </a:r>
+            <a:r>
+              <a:rPr lang="en-US" dirty="0"/>
+              <a:t> cluster, making sure data is stored in </a:t>
+            </a:r>
+            <a:r>
+              <a:rPr lang="en-US" dirty="0" err="1"/>
+              <a:t>etcd</a:t>
+            </a:r>
+            <a:r>
+              <a:rPr lang="en-US" dirty="0"/>
+              <a:t> and is in agreement with the service details of the deployed pods.</a:t>
+            </a:r>
+          </a:p>
+          <a:p>
+            <a:r>
+              <a:rPr lang="en-US" b="1" dirty="0" err="1">
+                <a:hlinkClick r:id="rId5"/>
+              </a:rPr>
+              <a:t>kube</a:t>
+            </a:r>
+            <a:r>
+              <a:rPr lang="en-US" b="1" dirty="0">
+                <a:hlinkClick r:id="rId5"/>
+              </a:rPr>
+              <a:t>-controller-manager</a:t>
+            </a:r>
+            <a:r>
+              <a:rPr lang="en-US" b="1" dirty="0"/>
+              <a:t> </a:t>
+            </a:r>
+            <a:r>
+              <a:rPr lang="en-US" dirty="0"/>
+              <a:t>-</a:t>
+            </a:r>
+            <a:r>
+              <a:rPr lang="en-US" b="1" dirty="0"/>
+              <a:t> </a:t>
+            </a:r>
+            <a:r>
+              <a:rPr lang="en-US" dirty="0"/>
+              <a:t>runs a number of distinct controller processes in the background (for example, replication controller controls number of replicas in a pod, endpoints controller populates endpoint objects like services and pods, and others) to regulate the shared state of the cluster and perform routine tasks. When a change in a service configuration occurs (for example, replacing the image from which the pods are running, or changing parameters in the configuration </a:t>
+            </a:r>
+            <a:r>
+              <a:rPr lang="en-US" dirty="0" err="1"/>
+              <a:t>yaml</a:t>
+            </a:r>
+            <a:r>
+              <a:rPr lang="en-US" dirty="0"/>
+              <a:t> file), the controller spots the change and starts working towards the new desired state.</a:t>
+            </a:r>
+          </a:p>
+          <a:p>
+            <a:r>
+              <a:rPr lang="en-US" b="1" dirty="0">
+                <a:hlinkClick r:id="rId6"/>
+              </a:rPr>
+              <a:t>cloud-controller-manager</a:t>
+            </a:r>
+            <a:r>
+              <a:rPr lang="en-US" b="1" dirty="0"/>
+              <a:t> </a:t>
+            </a:r>
+            <a:r>
+              <a:rPr lang="en-US" dirty="0"/>
+              <a:t>-</a:t>
+            </a:r>
+            <a:r>
+              <a:rPr lang="en-US" b="1" dirty="0"/>
+              <a:t> </a:t>
+            </a:r>
+            <a:r>
+              <a:rPr lang="en-US" dirty="0"/>
+              <a:t>is responsible for managing controller processes with dependencies on the underlying cloud provider (if applicable). For example, when a controller needs to check if a node was terminated or set up routes, load balancers or volumes in the cloud infrastructure, all that is handled by the cloud-controller-manager.</a:t>
+            </a:r>
+          </a:p>
+          <a:p>
+            <a:r>
+              <a:rPr lang="en-US" b="1" dirty="0" err="1">
+                <a:hlinkClick r:id="rId7"/>
+              </a:rPr>
+              <a:t>kube</a:t>
+            </a:r>
+            <a:r>
+              <a:rPr lang="en-US" b="1" dirty="0">
+                <a:hlinkClick r:id="rId7"/>
+              </a:rPr>
+              <a:t>-scheduler</a:t>
+            </a:r>
+            <a:r>
+              <a:rPr lang="en-US" b="1" dirty="0"/>
+              <a:t> </a:t>
+            </a:r>
+            <a:r>
+              <a:rPr lang="en-US" dirty="0"/>
+              <a:t>-</a:t>
+            </a:r>
+            <a:r>
+              <a:rPr lang="en-US" b="1" dirty="0"/>
+              <a:t> </a:t>
+            </a:r>
+            <a:r>
+              <a:rPr lang="en-US" dirty="0"/>
+              <a:t>helps schedule the pods (a co-located group of containers inside which our application processes are running) on the various nodes based on resource utilization. It reads the service’s operational requirements and schedules it on the best fit node. For example, if the application needs 1GB of memory and 2 CPU cores, then the pods for that application will be scheduled on a node with at least those resources. The scheduler runs each time there is a need to schedule pods. The scheduler must know the total resources available as well as resources allocated to existing workloads on each node.</a:t>
+            </a:r>
+          </a:p>
+          <a:p>
+            <a:pPr marL="0" indent="0" algn="r">
+              <a:buNone/>
+            </a:pPr>
+            <a:r>
+              <a:rPr lang="en-US" dirty="0">
+                <a:hlinkClick r:id="rId8"/>
+              </a:rPr>
+              <a:t>https://www.aquasec.com/wiki/display/containers/Kubernetes+Architecture+101</a:t>
+            </a:r>
+            <a:endParaRPr lang="en-US" dirty="0"/>
+          </a:p>
+          <a:p>
+            <a:endParaRPr lang="en-US" dirty="0"/>
+          </a:p>
+        </p:txBody>
+      </p:sp>
+      <p:sp>
+        <p:nvSpPr>
+          <p:cNvPr id="4" name="Slide Number Placeholder 3">
+            <a:extLst>
+              <a:ext uri="{FF2B5EF4-FFF2-40B4-BE49-F238E27FC236}">
+                <a16:creationId xmlns:a16="http://schemas.microsoft.com/office/drawing/2014/main" id="{40C1A036-F299-4ACC-9178-5693FAAAB316}"/>
+              </a:ext>
+            </a:extLst>
+          </p:cNvPr>
+          <p:cNvSpPr>
+            <a:spLocks noGrp="1"/>
+          </p:cNvSpPr>
+          <p:nvPr>
+            <p:ph type="sldNum" sz="quarter" idx="12"/>
+          </p:nvPr>
+        </p:nvSpPr>
+        <p:spPr/>
+        <p:txBody>
+          <a:bodyPr/>
+          <a:lstStyle/>
+          <a:p>
+            <a:fld id="{945DE137-1981-4A6E-942B-1AACE1746372}" type="slidenum">
+              <a:rPr lang="en-US" smtClean="0"/>
+              <a:t>21</a:t>
+            </a:fld>
+            <a:endParaRPr lang="en-US"/>
+          </a:p>
+        </p:txBody>
+      </p:sp>
+    </p:spTree>
+    <p:extLst>
+      <p:ext uri="{BB962C8B-B14F-4D97-AF65-F5344CB8AC3E}">
+        <p14:creationId xmlns:p14="http://schemas.microsoft.com/office/powerpoint/2010/main" val="4011331389"/>
+      </p:ext>
+    </p:extLst>
+  </p:cSld>
+  <p:clrMapOvr>
+    <a:masterClrMapping/>
+  </p:clrMapOvr>
+</p:sld>
+</file>
+
+<file path=ppt/slides/slide22.xml><?xml version="1.0" encoding="utf-8"?>
+<p:sld xmlns:a="http://schemas.openxmlformats.org/drawingml/2006/main" xmlns:r="http://schemas.openxmlformats.org/officeDocument/2006/relationships" xmlns:p="http://schemas.openxmlformats.org/presentationml/2006/main">
+  <p:cSld>
+    <p:spTree>
+      <p:nvGrpSpPr>
+        <p:cNvPr id="1" name=""/>
+        <p:cNvGrpSpPr/>
+        <p:nvPr/>
+      </p:nvGrpSpPr>
+      <p:grpSpPr>
+        <a:xfrm>
+          <a:off x="0" y="0"/>
+          <a:ext cx="0" cy="0"/>
+          <a:chOff x="0" y="0"/>
+          <a:chExt cx="0" cy="0"/>
+        </a:xfrm>
+      </p:grpSpPr>
+      <p:sp>
+        <p:nvSpPr>
+          <p:cNvPr id="2" name="Title 1">
+            <a:extLst>
+              <a:ext uri="{FF2B5EF4-FFF2-40B4-BE49-F238E27FC236}">
+                <a16:creationId xmlns:a16="http://schemas.microsoft.com/office/drawing/2014/main" id="{2AEB46DF-5EFE-4C89-9428-EE8D1FAEEFB8}"/>
+              </a:ext>
+            </a:extLst>
+          </p:cNvPr>
+          <p:cNvSpPr>
+            <a:spLocks noGrp="1"/>
+          </p:cNvSpPr>
+          <p:nvPr>
+            <p:ph type="title"/>
+          </p:nvPr>
+        </p:nvSpPr>
+        <p:spPr/>
+        <p:txBody>
+          <a:bodyPr/>
+          <a:lstStyle/>
+          <a:p>
+            <a:r>
+              <a:rPr lang="en-US" dirty="0"/>
+              <a:t>Worker Node Components</a:t>
+            </a:r>
+          </a:p>
+        </p:txBody>
+      </p:sp>
+      <p:sp>
+        <p:nvSpPr>
+          <p:cNvPr id="3" name="Content Placeholder 2">
+            <a:extLst>
+              <a:ext uri="{FF2B5EF4-FFF2-40B4-BE49-F238E27FC236}">
+                <a16:creationId xmlns:a16="http://schemas.microsoft.com/office/drawing/2014/main" id="{460578AA-E1D4-4497-A5E5-7B1A0729AD7E}"/>
+              </a:ext>
+            </a:extLst>
+          </p:cNvPr>
+          <p:cNvSpPr>
+            <a:spLocks noGrp="1"/>
+          </p:cNvSpPr>
+          <p:nvPr>
+            <p:ph idx="1"/>
+          </p:nvPr>
+        </p:nvSpPr>
+        <p:spPr/>
+        <p:txBody>
+          <a:bodyPr/>
+          <a:lstStyle/>
+          <a:p>
+            <a:r>
+              <a:rPr lang="en-US" b="1" dirty="0" err="1">
+                <a:hlinkClick r:id="rId2"/>
+              </a:rPr>
+              <a:t>kubelet</a:t>
+            </a:r>
+            <a:r>
+              <a:rPr lang="en-US" dirty="0">
+                <a:hlinkClick r:id="rId2"/>
+              </a:rPr>
+              <a:t> </a:t>
+            </a:r>
+            <a:r>
+              <a:rPr lang="en-US" dirty="0"/>
+              <a:t>- the main service on a node, regularly taking in new or modified pod specifications (primarily through the </a:t>
+            </a:r>
+            <a:r>
+              <a:rPr lang="en-US" dirty="0" err="1"/>
+              <a:t>kube-apiserver</a:t>
+            </a:r>
+            <a:r>
+              <a:rPr lang="en-US" dirty="0"/>
+              <a:t>) and ensuring that pods and their containers are healthy and running in the desired state. This component also reports to the master on the health of the host where it is running.</a:t>
+            </a:r>
+          </a:p>
+          <a:p>
+            <a:r>
+              <a:rPr lang="en-US" b="1" dirty="0" err="1">
+                <a:hlinkClick r:id="rId3"/>
+              </a:rPr>
+              <a:t>kube</a:t>
+            </a:r>
+            <a:r>
+              <a:rPr lang="en-US" b="1" dirty="0">
+                <a:hlinkClick r:id="rId3"/>
+              </a:rPr>
+              <a:t>-proxy</a:t>
+            </a:r>
+            <a:r>
+              <a:rPr lang="en-US" b="1" dirty="0"/>
+              <a:t> </a:t>
+            </a:r>
+            <a:r>
+              <a:rPr lang="en-US" dirty="0"/>
+              <a:t>- a proxy service that runs on each worker node to deal with individual host subnetting and expose services to the external world. It performs request forwarding to the correct pods/containers across the various isolated networks in a cluster.</a:t>
+            </a:r>
+          </a:p>
+          <a:p>
+            <a:endParaRPr lang="en-US" dirty="0"/>
+          </a:p>
+        </p:txBody>
+      </p:sp>
+      <p:sp>
+        <p:nvSpPr>
+          <p:cNvPr id="4" name="Slide Number Placeholder 3">
+            <a:extLst>
+              <a:ext uri="{FF2B5EF4-FFF2-40B4-BE49-F238E27FC236}">
+                <a16:creationId xmlns:a16="http://schemas.microsoft.com/office/drawing/2014/main" id="{FC723A10-4F1F-4884-9A1E-F22E96180020}"/>
+              </a:ext>
+            </a:extLst>
+          </p:cNvPr>
+          <p:cNvSpPr>
+            <a:spLocks noGrp="1"/>
+          </p:cNvSpPr>
+          <p:nvPr>
+            <p:ph type="sldNum" sz="quarter" idx="12"/>
+          </p:nvPr>
+        </p:nvSpPr>
+        <p:spPr/>
+        <p:txBody>
+          <a:bodyPr/>
+          <a:lstStyle/>
+          <a:p>
+            <a:fld id="{945DE137-1981-4A6E-942B-1AACE1746372}" type="slidenum">
+              <a:rPr lang="en-US" smtClean="0"/>
+              <a:t>22</a:t>
+            </a:fld>
+            <a:endParaRPr lang="en-US"/>
+          </a:p>
+        </p:txBody>
+      </p:sp>
+    </p:spTree>
+    <p:extLst>
+      <p:ext uri="{BB962C8B-B14F-4D97-AF65-F5344CB8AC3E}">
+        <p14:creationId xmlns:p14="http://schemas.microsoft.com/office/powerpoint/2010/main" val="3693633322"/>
+      </p:ext>
+    </p:extLst>
+  </p:cSld>
+  <p:clrMapOvr>
+    <a:masterClrMapping/>
+  </p:clrMapOvr>
+</p:sld>
+</file>
+
+<file path=ppt/slides/slide23.xml><?xml version="1.0" encoding="utf-8"?>
+<p:sld xmlns:a="http://schemas.openxmlformats.org/drawingml/2006/main" xmlns:r="http://schemas.openxmlformats.org/officeDocument/2006/relationships" xmlns:p="http://schemas.openxmlformats.org/presentationml/2006/main">
+  <p:cSld>
+    <p:spTree>
+      <p:nvGrpSpPr>
+        <p:cNvPr id="1" name=""/>
+        <p:cNvGrpSpPr/>
+        <p:nvPr/>
+      </p:nvGrpSpPr>
+      <p:grpSpPr>
+        <a:xfrm>
+          <a:off x="0" y="0"/>
+          <a:ext cx="0" cy="0"/>
+          <a:chOff x="0" y="0"/>
+          <a:chExt cx="0" cy="0"/>
+        </a:xfrm>
+      </p:grpSpPr>
+      <p:sp>
+        <p:nvSpPr>
+          <p:cNvPr id="2" name="Title 1">
+            <a:extLst>
+              <a:ext uri="{FF2B5EF4-FFF2-40B4-BE49-F238E27FC236}">
+                <a16:creationId xmlns:a16="http://schemas.microsoft.com/office/drawing/2014/main" id="{D7C1D835-4986-4F8E-879A-95E1450C5020}"/>
+              </a:ext>
+            </a:extLst>
+          </p:cNvPr>
+          <p:cNvSpPr>
+            <a:spLocks noGrp="1"/>
+          </p:cNvSpPr>
+          <p:nvPr>
+            <p:ph type="title"/>
+          </p:nvPr>
+        </p:nvSpPr>
+        <p:spPr/>
+        <p:txBody>
+          <a:bodyPr/>
+          <a:lstStyle/>
+          <a:p>
+            <a:r>
+              <a:rPr lang="en-US" dirty="0"/>
+              <a:t>Kubernetes Concepts</a:t>
+            </a:r>
+          </a:p>
+        </p:txBody>
+      </p:sp>
+      <p:sp>
+        <p:nvSpPr>
+          <p:cNvPr id="3" name="Content Placeholder 2">
+            <a:extLst>
+              <a:ext uri="{FF2B5EF4-FFF2-40B4-BE49-F238E27FC236}">
+                <a16:creationId xmlns:a16="http://schemas.microsoft.com/office/drawing/2014/main" id="{211D09D8-8EC0-42E4-A735-D2031FAFC072}"/>
+              </a:ext>
+            </a:extLst>
+          </p:cNvPr>
+          <p:cNvSpPr>
+            <a:spLocks noGrp="1"/>
+          </p:cNvSpPr>
+          <p:nvPr>
+            <p:ph idx="1"/>
+          </p:nvPr>
+        </p:nvSpPr>
+        <p:spPr/>
+        <p:txBody>
+          <a:bodyPr>
+            <a:normAutofit fontScale="55000" lnSpcReduction="20000"/>
+          </a:bodyPr>
+          <a:lstStyle/>
+          <a:p>
+            <a:r>
+              <a:rPr lang="en-US" b="1" dirty="0">
+                <a:hlinkClick r:id="rId2"/>
+              </a:rPr>
+              <a:t>Pod</a:t>
+            </a:r>
+            <a:r>
+              <a:rPr lang="en-US" dirty="0">
+                <a:hlinkClick r:id="rId2"/>
+              </a:rPr>
+              <a:t> </a:t>
+            </a:r>
+            <a:r>
+              <a:rPr lang="en-US" dirty="0"/>
+              <a:t>-</a:t>
+            </a:r>
+            <a:r>
+              <a:rPr lang="en-US" b="1" dirty="0"/>
+              <a:t> </a:t>
+            </a:r>
+            <a:r>
+              <a:rPr lang="en-US" dirty="0"/>
+              <a:t>generally refers to one or more containers that should be controlled as a single application. A pod encapsulates application containers, storage resources, a unique network ID and other configuration on how to run the containers.</a:t>
+            </a:r>
+          </a:p>
+          <a:p>
+            <a:r>
+              <a:rPr lang="en-US" b="1" dirty="0">
+                <a:hlinkClick r:id="rId3"/>
+              </a:rPr>
+              <a:t>Service</a:t>
+            </a:r>
+            <a:r>
+              <a:rPr lang="en-US" b="1" dirty="0"/>
+              <a:t> </a:t>
+            </a:r>
+            <a:r>
+              <a:rPr lang="en-US" dirty="0"/>
+              <a:t>- pods are volatile, that is Kubernetes does not guarantee a given physical pod will be kept alive (for instance, the replication controller might kill and start a new set of pods). Instead, a service represents a logical set of pods and acts as a gateway, allowing (client) pods to send requests to the service without needing to keep track of which physical pods actually make up the service.</a:t>
+            </a:r>
+          </a:p>
+          <a:p>
+            <a:r>
+              <a:rPr lang="en-US" b="1" dirty="0">
+                <a:hlinkClick r:id="rId4"/>
+              </a:rPr>
+              <a:t>Volume</a:t>
+            </a:r>
+            <a:r>
+              <a:rPr lang="en-US" b="1" dirty="0"/>
+              <a:t> </a:t>
+            </a:r>
+            <a:r>
+              <a:rPr lang="en-US" dirty="0"/>
+              <a:t>-</a:t>
+            </a:r>
+            <a:r>
+              <a:rPr lang="en-US" b="1" dirty="0"/>
+              <a:t> </a:t>
+            </a:r>
+            <a:r>
+              <a:rPr lang="en-US" dirty="0"/>
+              <a:t>similar to a container volume in Docker, but a Kubernetes volume applies to a whole pod and is mounted on all containers in the pod. Kubernetes guarantees data is preserved across container restarts. The volume will be removed only when the pod gets destroyed. Also, a pod can have multiple volumes (possibly of different types) associated.</a:t>
+            </a:r>
+          </a:p>
+          <a:p>
+            <a:r>
+              <a:rPr lang="en-US" b="1" dirty="0">
+                <a:hlinkClick r:id="rId5"/>
+              </a:rPr>
+              <a:t>Namespace</a:t>
+            </a:r>
+            <a:r>
+              <a:rPr lang="en-US" b="1" dirty="0"/>
+              <a:t> </a:t>
+            </a:r>
+            <a:r>
+              <a:rPr lang="en-US" dirty="0"/>
+              <a:t>-</a:t>
+            </a:r>
+            <a:r>
+              <a:rPr lang="en-US" b="1" dirty="0"/>
+              <a:t> </a:t>
+            </a:r>
+            <a:r>
+              <a:rPr lang="en-US" dirty="0"/>
+              <a:t>a virtual cluster (a single physical cluster can run multiple virtual ones) intended for environments with many users spread across multiple teams or projects, for isolation of concerns. Resources inside a namespace must be unique and cannot access resources in a different namespace. Also, a namespace can be allocated a </a:t>
+            </a:r>
+            <a:r>
+              <a:rPr lang="en-US" dirty="0">
+                <a:hlinkClick r:id="rId6"/>
+              </a:rPr>
+              <a:t>resource quota</a:t>
+            </a:r>
+            <a:r>
+              <a:rPr lang="en-US" dirty="0"/>
+              <a:t> to avoid consuming more than its share of the physical cluster’s overall resources.</a:t>
+            </a:r>
+          </a:p>
+          <a:p>
+            <a:r>
+              <a:rPr lang="en-US" b="1" dirty="0">
+                <a:hlinkClick r:id="rId7"/>
+              </a:rPr>
+              <a:t>Deployment</a:t>
+            </a:r>
+            <a:r>
+              <a:rPr lang="en-US" b="1" dirty="0"/>
+              <a:t> </a:t>
+            </a:r>
+            <a:r>
+              <a:rPr lang="en-US" dirty="0"/>
+              <a:t>-</a:t>
+            </a:r>
+            <a:r>
+              <a:rPr lang="en-US" b="1" dirty="0"/>
+              <a:t> </a:t>
+            </a:r>
+            <a:r>
+              <a:rPr lang="en-US" dirty="0"/>
+              <a:t>describes the desired state of a pod or a replica set, in a </a:t>
+            </a:r>
+            <a:r>
+              <a:rPr lang="en-US" dirty="0" err="1"/>
+              <a:t>yaml</a:t>
+            </a:r>
+            <a:r>
+              <a:rPr lang="en-US" dirty="0"/>
+              <a:t> file. The deployment controller then gradually updates the environment (for example, creating or deleting replicas) until the current state matches the desired state specified in the deployment file. For example, if the </a:t>
+            </a:r>
+            <a:r>
+              <a:rPr lang="en-US" dirty="0" err="1"/>
+              <a:t>yaml</a:t>
+            </a:r>
+            <a:r>
+              <a:rPr lang="en-US" dirty="0"/>
+              <a:t> file defines 2 replicas for a pod but only one is currently running, an extra one will get created. Note that replicas managed via a deployment should not be manipulated directly, only via new deployments.</a:t>
+            </a:r>
+          </a:p>
+          <a:p>
+            <a:endParaRPr lang="en-US" dirty="0"/>
+          </a:p>
+        </p:txBody>
+      </p:sp>
+      <p:sp>
+        <p:nvSpPr>
+          <p:cNvPr id="4" name="Slide Number Placeholder 3">
+            <a:extLst>
+              <a:ext uri="{FF2B5EF4-FFF2-40B4-BE49-F238E27FC236}">
+                <a16:creationId xmlns:a16="http://schemas.microsoft.com/office/drawing/2014/main" id="{A150F896-F961-4060-9E3A-195FBBE08EEE}"/>
+              </a:ext>
+            </a:extLst>
+          </p:cNvPr>
+          <p:cNvSpPr>
+            <a:spLocks noGrp="1"/>
+          </p:cNvSpPr>
+          <p:nvPr>
+            <p:ph type="sldNum" sz="quarter" idx="12"/>
+          </p:nvPr>
+        </p:nvSpPr>
+        <p:spPr/>
+        <p:txBody>
+          <a:bodyPr/>
+          <a:lstStyle/>
+          <a:p>
+            <a:fld id="{945DE137-1981-4A6E-942B-1AACE1746372}" type="slidenum">
+              <a:rPr lang="en-US" smtClean="0"/>
+              <a:t>23</a:t>
+            </a:fld>
+            <a:endParaRPr lang="en-US"/>
+          </a:p>
+        </p:txBody>
+      </p:sp>
+    </p:spTree>
+    <p:extLst>
+      <p:ext uri="{BB962C8B-B14F-4D97-AF65-F5344CB8AC3E}">
+        <p14:creationId xmlns:p14="http://schemas.microsoft.com/office/powerpoint/2010/main" val="979770854"/>
+      </p:ext>
+    </p:extLst>
+  </p:cSld>
+  <p:clrMapOvr>
+    <a:masterClrMapping/>
+  </p:clrMapOvr>
+</p:sld>
+</file>
+
+<file path=ppt/slides/slide24.xml><?xml version="1.0" encoding="utf-8"?>
+<p:sld xmlns:a="http://schemas.openxmlformats.org/drawingml/2006/main" xmlns:r="http://schemas.openxmlformats.org/officeDocument/2006/relationships" xmlns:p="http://schemas.openxmlformats.org/presentationml/2006/main">
+  <p:cSld>
+    <p:spTree>
+      <p:nvGrpSpPr>
+        <p:cNvPr id="1" name=""/>
+        <p:cNvGrpSpPr/>
+        <p:nvPr/>
+      </p:nvGrpSpPr>
+      <p:grpSpPr>
+        <a:xfrm>
+          <a:off x="0" y="0"/>
+          <a:ext cx="0" cy="0"/>
+          <a:chOff x="0" y="0"/>
+          <a:chExt cx="0" cy="0"/>
+        </a:xfrm>
+      </p:grpSpPr>
+      <p:sp>
+        <p:nvSpPr>
+          <p:cNvPr id="2" name="Title 1">
+            <a:extLst>
+              <a:ext uri="{FF2B5EF4-FFF2-40B4-BE49-F238E27FC236}">
+                <a16:creationId xmlns:a16="http://schemas.microsoft.com/office/drawing/2014/main" id="{6FB19B5A-EDCF-421F-860B-BB3C9879DDF9}"/>
+              </a:ext>
+            </a:extLst>
+          </p:cNvPr>
+          <p:cNvSpPr>
+            <a:spLocks noGrp="1"/>
+          </p:cNvSpPr>
+          <p:nvPr>
+            <p:ph type="title"/>
+          </p:nvPr>
+        </p:nvSpPr>
+        <p:spPr/>
+        <p:txBody>
+          <a:bodyPr/>
+          <a:lstStyle/>
+          <a:p>
+            <a:r>
+              <a:rPr lang="en-US" dirty="0"/>
+              <a:t>Deployment Concepts</a:t>
+            </a:r>
+          </a:p>
+        </p:txBody>
+      </p:sp>
+      <p:sp>
+        <p:nvSpPr>
+          <p:cNvPr id="3" name="Content Placeholder 2">
+            <a:extLst>
+              <a:ext uri="{FF2B5EF4-FFF2-40B4-BE49-F238E27FC236}">
+                <a16:creationId xmlns:a16="http://schemas.microsoft.com/office/drawing/2014/main" id="{C61E2F75-DCB1-44A4-8219-716376BF63D7}"/>
+              </a:ext>
+            </a:extLst>
+          </p:cNvPr>
+          <p:cNvSpPr>
+            <a:spLocks noGrp="1"/>
+          </p:cNvSpPr>
+          <p:nvPr>
+            <p:ph idx="1"/>
+          </p:nvPr>
+        </p:nvSpPr>
+        <p:spPr/>
+        <p:txBody>
+          <a:bodyPr>
+            <a:normAutofit/>
+          </a:bodyPr>
+          <a:lstStyle/>
+          <a:p>
+            <a:r>
+              <a:rPr lang="en-US" b="1" dirty="0" err="1"/>
+              <a:t>ReplicaSet</a:t>
+            </a:r>
+            <a:r>
+              <a:rPr lang="en-US" dirty="0"/>
+              <a:t> - ensures that all pods have a required number of replicas running at any given time.</a:t>
+            </a:r>
+          </a:p>
+          <a:p>
+            <a:r>
+              <a:rPr lang="en-US" b="1" dirty="0" err="1"/>
+              <a:t>DaemonSet</a:t>
+            </a:r>
+            <a:r>
+              <a:rPr lang="en-US" dirty="0"/>
+              <a:t> - ensures that all active nodes are running at least one pod. It dynamically allocates pods on nodes as they are created and removed.</a:t>
+            </a:r>
+          </a:p>
+          <a:p>
+            <a:r>
+              <a:rPr lang="en-US" b="1" dirty="0"/>
+              <a:t>Deployment</a:t>
+            </a:r>
+            <a:r>
+              <a:rPr lang="en-US" dirty="0"/>
+              <a:t> - In Kubernetes, a </a:t>
+            </a:r>
+            <a:r>
+              <a:rPr lang="en-US" dirty="0">
+                <a:hlinkClick r:id="rId2"/>
+              </a:rPr>
+              <a:t>deployment</a:t>
+            </a:r>
+            <a:r>
+              <a:rPr lang="en-US" dirty="0"/>
+              <a:t> is a feature that manages pods and </a:t>
+            </a:r>
+            <a:r>
+              <a:rPr lang="en-US" dirty="0" err="1"/>
+              <a:t>ReplicaSets</a:t>
+            </a:r>
+            <a:r>
+              <a:rPr lang="en-US" dirty="0"/>
+              <a:t>. In other words, as you trigger a release the Deployment controller updates the pods and </a:t>
+            </a:r>
+            <a:r>
+              <a:rPr lang="en-US" dirty="0" err="1"/>
+              <a:t>ReplicaSets</a:t>
+            </a:r>
+            <a:r>
+              <a:rPr lang="en-US" dirty="0"/>
+              <a:t> by making changes to them or replacing them with newly updated pods and </a:t>
+            </a:r>
+            <a:r>
+              <a:rPr lang="en-US" dirty="0" err="1"/>
+              <a:t>ReplicaSets</a:t>
+            </a:r>
+            <a:r>
+              <a:rPr lang="en-US" dirty="0"/>
+              <a:t>.</a:t>
+            </a:r>
+          </a:p>
+          <a:p>
+            <a:endParaRPr lang="en-US" dirty="0"/>
+          </a:p>
+        </p:txBody>
+      </p:sp>
+      <p:sp>
+        <p:nvSpPr>
+          <p:cNvPr id="4" name="Slide Number Placeholder 3">
+            <a:extLst>
+              <a:ext uri="{FF2B5EF4-FFF2-40B4-BE49-F238E27FC236}">
+                <a16:creationId xmlns:a16="http://schemas.microsoft.com/office/drawing/2014/main" id="{DBDBFDC4-59A0-4EE0-B2FC-7F93B27897D6}"/>
+              </a:ext>
+            </a:extLst>
+          </p:cNvPr>
+          <p:cNvSpPr>
+            <a:spLocks noGrp="1"/>
+          </p:cNvSpPr>
+          <p:nvPr>
+            <p:ph type="sldNum" sz="quarter" idx="12"/>
+          </p:nvPr>
+        </p:nvSpPr>
+        <p:spPr/>
+        <p:txBody>
+          <a:bodyPr/>
+          <a:lstStyle/>
+          <a:p>
+            <a:fld id="{945DE137-1981-4A6E-942B-1AACE1746372}" type="slidenum">
+              <a:rPr lang="en-US" smtClean="0"/>
+              <a:t>24</a:t>
+            </a:fld>
+            <a:endParaRPr lang="en-US"/>
+          </a:p>
+        </p:txBody>
+      </p:sp>
+    </p:spTree>
+    <p:extLst>
+      <p:ext uri="{BB962C8B-B14F-4D97-AF65-F5344CB8AC3E}">
+        <p14:creationId xmlns:p14="http://schemas.microsoft.com/office/powerpoint/2010/main" val="355339749"/>
+      </p:ext>
+    </p:extLst>
+  </p:cSld>
+  <p:clrMapOvr>
+    <a:masterClrMapping/>
+  </p:clrMapOvr>
+</p:sld>
+</file>
+
+<file path=ppt/slides/slide25.xml><?xml version="1.0" encoding="utf-8"?>
+<p:sld xmlns:a="http://schemas.openxmlformats.org/drawingml/2006/main" xmlns:r="http://schemas.openxmlformats.org/officeDocument/2006/relationships" xmlns:p="http://schemas.openxmlformats.org/presentationml/2006/main">
+  <p:cSld>
+    <p:spTree>
+      <p:nvGrpSpPr>
+        <p:cNvPr id="1" name=""/>
+        <p:cNvGrpSpPr/>
+        <p:nvPr/>
+      </p:nvGrpSpPr>
+      <p:grpSpPr>
+        <a:xfrm>
+          <a:off x="0" y="0"/>
+          <a:ext cx="0" cy="0"/>
+          <a:chOff x="0" y="0"/>
+          <a:chExt cx="0" cy="0"/>
+        </a:xfrm>
+      </p:grpSpPr>
+      <p:sp>
+        <p:nvSpPr>
+          <p:cNvPr id="2" name="Title 1">
+            <a:extLst>
+              <a:ext uri="{FF2B5EF4-FFF2-40B4-BE49-F238E27FC236}">
+                <a16:creationId xmlns:a16="http://schemas.microsoft.com/office/drawing/2014/main" id="{39976487-81DA-41D8-8B9C-13F954F0EAC2}"/>
+              </a:ext>
+            </a:extLst>
+          </p:cNvPr>
+          <p:cNvSpPr>
+            <a:spLocks noGrp="1"/>
+          </p:cNvSpPr>
+          <p:nvPr>
+            <p:ph type="title"/>
+          </p:nvPr>
+        </p:nvSpPr>
+        <p:spPr/>
+        <p:txBody>
+          <a:bodyPr/>
+          <a:lstStyle/>
+          <a:p>
+            <a:r>
+              <a:rPr lang="en-US" dirty="0"/>
+              <a:t>Creating a deployment</a:t>
+            </a:r>
+          </a:p>
+        </p:txBody>
+      </p:sp>
+      <p:sp>
+        <p:nvSpPr>
+          <p:cNvPr id="3" name="Content Placeholder 2">
+            <a:extLst>
+              <a:ext uri="{FF2B5EF4-FFF2-40B4-BE49-F238E27FC236}">
+                <a16:creationId xmlns:a16="http://schemas.microsoft.com/office/drawing/2014/main" id="{28E7FFA9-3C7E-47F7-98A3-FB922FF3EA5C}"/>
+              </a:ext>
+            </a:extLst>
+          </p:cNvPr>
+          <p:cNvSpPr>
+            <a:spLocks noGrp="1"/>
+          </p:cNvSpPr>
+          <p:nvPr>
+            <p:ph idx="1"/>
+          </p:nvPr>
+        </p:nvSpPr>
+        <p:spPr>
+          <a:xfrm>
+            <a:off x="838199" y="1825624"/>
+            <a:ext cx="7192348" cy="2174097"/>
+          </a:xfrm>
+        </p:spPr>
+        <p:txBody>
+          <a:bodyPr>
+            <a:normAutofit fontScale="92500"/>
+          </a:bodyPr>
+          <a:lstStyle/>
+          <a:p>
+            <a:r>
+              <a:rPr lang="en-US" dirty="0"/>
+              <a:t>Similar to docker-compose, k8s uses a YAML file to describe a deployment</a:t>
+            </a:r>
+          </a:p>
+          <a:p>
+            <a:pPr marL="0" indent="0">
+              <a:buNone/>
+            </a:pPr>
+            <a:endParaRPr lang="en-US" dirty="0">
+              <a:latin typeface="Consolas" panose="020B0609020204030204" pitchFamily="49" charset="0"/>
+            </a:endParaRPr>
+          </a:p>
+          <a:p>
+            <a:pPr marL="0" indent="0">
+              <a:buNone/>
+            </a:pPr>
+            <a:r>
+              <a:rPr lang="en-US" dirty="0" err="1">
+                <a:latin typeface="Consolas" panose="020B0609020204030204" pitchFamily="49" charset="0"/>
+              </a:rPr>
+              <a:t>kubectl</a:t>
+            </a:r>
+            <a:r>
+              <a:rPr lang="en-US" dirty="0">
+                <a:latin typeface="Consolas" panose="020B0609020204030204" pitchFamily="49" charset="0"/>
+              </a:rPr>
+              <a:t> apply -f </a:t>
+            </a:r>
+            <a:r>
+              <a:rPr lang="en-US" dirty="0" err="1">
+                <a:latin typeface="Consolas" panose="020B0609020204030204" pitchFamily="49" charset="0"/>
+              </a:rPr>
+              <a:t>nginx-deployment.yml</a:t>
+            </a:r>
+            <a:endParaRPr lang="en-US" dirty="0"/>
+          </a:p>
+          <a:p>
+            <a:pPr marL="0" indent="0">
+              <a:buNone/>
+            </a:pPr>
+            <a:r>
+              <a:rPr lang="en-US" sz="1700" dirty="0">
+                <a:hlinkClick r:id="rId2"/>
+              </a:rPr>
+              <a:t>https://kubernetes.io/docs/concepts/workloads/controllers/deployment/</a:t>
+            </a:r>
+            <a:endParaRPr lang="en-US" sz="1700" dirty="0"/>
+          </a:p>
+          <a:p>
+            <a:endParaRPr lang="en-US" dirty="0"/>
+          </a:p>
+        </p:txBody>
+      </p:sp>
+      <p:sp>
+        <p:nvSpPr>
+          <p:cNvPr id="4" name="Slide Number Placeholder 3">
+            <a:extLst>
+              <a:ext uri="{FF2B5EF4-FFF2-40B4-BE49-F238E27FC236}">
+                <a16:creationId xmlns:a16="http://schemas.microsoft.com/office/drawing/2014/main" id="{9CCCDEE6-07E0-4CA9-9C25-F67485117AF8}"/>
+              </a:ext>
+            </a:extLst>
+          </p:cNvPr>
+          <p:cNvSpPr>
+            <a:spLocks noGrp="1"/>
+          </p:cNvSpPr>
+          <p:nvPr>
+            <p:ph type="sldNum" sz="quarter" idx="12"/>
+          </p:nvPr>
+        </p:nvSpPr>
+        <p:spPr/>
+        <p:txBody>
+          <a:bodyPr/>
+          <a:lstStyle/>
+          <a:p>
+            <a:fld id="{945DE137-1981-4A6E-942B-1AACE1746372}" type="slidenum">
+              <a:rPr lang="en-US" smtClean="0"/>
+              <a:t>25</a:t>
+            </a:fld>
+            <a:endParaRPr lang="en-US"/>
+          </a:p>
+        </p:txBody>
+      </p:sp>
+      <p:sp>
+        <p:nvSpPr>
+          <p:cNvPr id="5" name="Rectangle 4">
+            <a:extLst>
+              <a:ext uri="{FF2B5EF4-FFF2-40B4-BE49-F238E27FC236}">
+                <a16:creationId xmlns:a16="http://schemas.microsoft.com/office/drawing/2014/main" id="{E4380079-800E-4CE3-B47D-5215A9061384}"/>
+              </a:ext>
+            </a:extLst>
+          </p:cNvPr>
+          <p:cNvSpPr/>
+          <p:nvPr/>
+        </p:nvSpPr>
+        <p:spPr>
+          <a:xfrm>
+            <a:off x="8210939" y="1027906"/>
+            <a:ext cx="3197290" cy="5262979"/>
+          </a:xfrm>
+          <a:prstGeom prst="rect">
+            <a:avLst/>
+          </a:prstGeom>
+        </p:spPr>
+        <p:txBody>
+          <a:bodyPr wrap="square">
+            <a:spAutoFit/>
+          </a:bodyPr>
+          <a:lstStyle/>
+          <a:p>
+            <a:r>
+              <a:rPr lang="en-US" sz="1600" dirty="0" err="1">
+                <a:latin typeface="Consolas" panose="020B0609020204030204" pitchFamily="49" charset="0"/>
+              </a:rPr>
+              <a:t>apiVersion</a:t>
+            </a:r>
+            <a:r>
+              <a:rPr lang="en-US" sz="1600" dirty="0">
+                <a:latin typeface="Consolas" panose="020B0609020204030204" pitchFamily="49" charset="0"/>
+              </a:rPr>
+              <a:t>: apps/v1</a:t>
+            </a:r>
+          </a:p>
+          <a:p>
+            <a:r>
+              <a:rPr lang="en-US" sz="1600" dirty="0">
+                <a:latin typeface="Consolas" panose="020B0609020204030204" pitchFamily="49" charset="0"/>
+              </a:rPr>
+              <a:t>kind: Deployment</a:t>
+            </a:r>
+          </a:p>
+          <a:p>
+            <a:r>
+              <a:rPr lang="en-US" sz="1600" dirty="0">
+                <a:latin typeface="Consolas" panose="020B0609020204030204" pitchFamily="49" charset="0"/>
+              </a:rPr>
+              <a:t>metadata:</a:t>
+            </a:r>
+          </a:p>
+          <a:p>
+            <a:r>
+              <a:rPr lang="en-US" sz="1600" dirty="0">
+                <a:latin typeface="Consolas" panose="020B0609020204030204" pitchFamily="49" charset="0"/>
+              </a:rPr>
+              <a:t>  name: </a:t>
+            </a:r>
+            <a:r>
+              <a:rPr lang="en-US" sz="1600" dirty="0" err="1">
+                <a:latin typeface="Consolas" panose="020B0609020204030204" pitchFamily="49" charset="0"/>
+              </a:rPr>
+              <a:t>nginx</a:t>
+            </a:r>
+            <a:r>
+              <a:rPr lang="en-US" sz="1600" dirty="0">
+                <a:latin typeface="Consolas" panose="020B0609020204030204" pitchFamily="49" charset="0"/>
+              </a:rPr>
+              <a:t>-deployment</a:t>
+            </a:r>
+          </a:p>
+          <a:p>
+            <a:r>
+              <a:rPr lang="en-US" sz="1600" dirty="0">
+                <a:latin typeface="Consolas" panose="020B0609020204030204" pitchFamily="49" charset="0"/>
+              </a:rPr>
+              <a:t>  labels:</a:t>
+            </a:r>
+          </a:p>
+          <a:p>
+            <a:r>
+              <a:rPr lang="en-US" sz="1600" dirty="0">
+                <a:latin typeface="Consolas" panose="020B0609020204030204" pitchFamily="49" charset="0"/>
+              </a:rPr>
+              <a:t>    app: </a:t>
+            </a:r>
+            <a:r>
+              <a:rPr lang="en-US" sz="1600" dirty="0" err="1">
+                <a:latin typeface="Consolas" panose="020B0609020204030204" pitchFamily="49" charset="0"/>
+              </a:rPr>
+              <a:t>nginx</a:t>
+            </a:r>
+            <a:endParaRPr lang="en-US" sz="1600" dirty="0">
+              <a:latin typeface="Consolas" panose="020B0609020204030204" pitchFamily="49" charset="0"/>
+            </a:endParaRPr>
+          </a:p>
+          <a:p>
+            <a:r>
+              <a:rPr lang="en-US" sz="1600" dirty="0">
+                <a:latin typeface="Consolas" panose="020B0609020204030204" pitchFamily="49" charset="0"/>
+              </a:rPr>
+              <a:t>spec:</a:t>
+            </a:r>
+          </a:p>
+          <a:p>
+            <a:r>
+              <a:rPr lang="en-US" sz="1600" dirty="0">
+                <a:latin typeface="Consolas" panose="020B0609020204030204" pitchFamily="49" charset="0"/>
+              </a:rPr>
+              <a:t>  replicas: 3</a:t>
+            </a:r>
+          </a:p>
+          <a:p>
+            <a:r>
+              <a:rPr lang="en-US" sz="1600" dirty="0">
+                <a:latin typeface="Consolas" panose="020B0609020204030204" pitchFamily="49" charset="0"/>
+              </a:rPr>
+              <a:t>  selector:</a:t>
+            </a:r>
+          </a:p>
+          <a:p>
+            <a:r>
+              <a:rPr lang="en-US" sz="1600" dirty="0">
+                <a:latin typeface="Consolas" panose="020B0609020204030204" pitchFamily="49" charset="0"/>
+              </a:rPr>
+              <a:t>    </a:t>
+            </a:r>
+            <a:r>
+              <a:rPr lang="en-US" sz="1600" dirty="0" err="1">
+                <a:latin typeface="Consolas" panose="020B0609020204030204" pitchFamily="49" charset="0"/>
+              </a:rPr>
+              <a:t>matchLabels</a:t>
+            </a:r>
+            <a:r>
+              <a:rPr lang="en-US" sz="1600" dirty="0">
+                <a:latin typeface="Consolas" panose="020B0609020204030204" pitchFamily="49" charset="0"/>
+              </a:rPr>
+              <a:t>:</a:t>
+            </a:r>
+          </a:p>
+          <a:p>
+            <a:r>
+              <a:rPr lang="en-US" sz="1600" dirty="0">
+                <a:latin typeface="Consolas" panose="020B0609020204030204" pitchFamily="49" charset="0"/>
+              </a:rPr>
+              <a:t>      app: </a:t>
+            </a:r>
+            <a:r>
+              <a:rPr lang="en-US" sz="1600" dirty="0" err="1">
+                <a:latin typeface="Consolas" panose="020B0609020204030204" pitchFamily="49" charset="0"/>
+              </a:rPr>
+              <a:t>nginx</a:t>
+            </a:r>
+            <a:endParaRPr lang="en-US" sz="1600" dirty="0">
+              <a:latin typeface="Consolas" panose="020B0609020204030204" pitchFamily="49" charset="0"/>
+            </a:endParaRPr>
+          </a:p>
+          <a:p>
+            <a:r>
+              <a:rPr lang="en-US" sz="1600" dirty="0">
+                <a:latin typeface="Consolas" panose="020B0609020204030204" pitchFamily="49" charset="0"/>
+              </a:rPr>
+              <a:t>  template:</a:t>
+            </a:r>
+          </a:p>
+          <a:p>
+            <a:r>
+              <a:rPr lang="en-US" sz="1600" dirty="0">
+                <a:latin typeface="Consolas" panose="020B0609020204030204" pitchFamily="49" charset="0"/>
+              </a:rPr>
+              <a:t>    metadata:</a:t>
+            </a:r>
+          </a:p>
+          <a:p>
+            <a:r>
+              <a:rPr lang="en-US" sz="1600" dirty="0">
+                <a:latin typeface="Consolas" panose="020B0609020204030204" pitchFamily="49" charset="0"/>
+              </a:rPr>
+              <a:t>      labels:</a:t>
+            </a:r>
+          </a:p>
+          <a:p>
+            <a:r>
+              <a:rPr lang="en-US" sz="1600" dirty="0">
+                <a:latin typeface="Consolas" panose="020B0609020204030204" pitchFamily="49" charset="0"/>
+              </a:rPr>
+              <a:t>        app: </a:t>
+            </a:r>
+            <a:r>
+              <a:rPr lang="en-US" sz="1600" dirty="0" err="1">
+                <a:latin typeface="Consolas" panose="020B0609020204030204" pitchFamily="49" charset="0"/>
+              </a:rPr>
+              <a:t>nginx</a:t>
+            </a:r>
+            <a:endParaRPr lang="en-US" sz="1600" dirty="0">
+              <a:latin typeface="Consolas" panose="020B0609020204030204" pitchFamily="49" charset="0"/>
+            </a:endParaRPr>
+          </a:p>
+          <a:p>
+            <a:r>
+              <a:rPr lang="en-US" sz="1600" dirty="0">
+                <a:latin typeface="Consolas" panose="020B0609020204030204" pitchFamily="49" charset="0"/>
+              </a:rPr>
+              <a:t>    spec:</a:t>
+            </a:r>
+          </a:p>
+          <a:p>
+            <a:r>
+              <a:rPr lang="en-US" sz="1600" dirty="0">
+                <a:latin typeface="Consolas" panose="020B0609020204030204" pitchFamily="49" charset="0"/>
+              </a:rPr>
+              <a:t>      containers:</a:t>
+            </a:r>
+          </a:p>
+          <a:p>
+            <a:r>
+              <a:rPr lang="en-US" sz="1600" dirty="0">
+                <a:latin typeface="Consolas" panose="020B0609020204030204" pitchFamily="49" charset="0"/>
+              </a:rPr>
+              <a:t>      - name: </a:t>
+            </a:r>
+            <a:r>
+              <a:rPr lang="en-US" sz="1600" dirty="0" err="1">
+                <a:latin typeface="Consolas" panose="020B0609020204030204" pitchFamily="49" charset="0"/>
+              </a:rPr>
+              <a:t>nginx</a:t>
+            </a:r>
+            <a:endParaRPr lang="en-US" sz="1600" dirty="0">
+              <a:latin typeface="Consolas" panose="020B0609020204030204" pitchFamily="49" charset="0"/>
+            </a:endParaRPr>
+          </a:p>
+          <a:p>
+            <a:r>
+              <a:rPr lang="en-US" sz="1600" dirty="0">
+                <a:latin typeface="Consolas" panose="020B0609020204030204" pitchFamily="49" charset="0"/>
+              </a:rPr>
+              <a:t>        image: nginx:1.7.9</a:t>
+            </a:r>
+          </a:p>
+          <a:p>
+            <a:r>
+              <a:rPr lang="en-US" sz="1600" dirty="0">
+                <a:latin typeface="Consolas" panose="020B0609020204030204" pitchFamily="49" charset="0"/>
+              </a:rPr>
+              <a:t>        ports:</a:t>
+            </a:r>
+          </a:p>
+          <a:p>
+            <a:r>
+              <a:rPr lang="en-US" sz="1600" dirty="0">
+                <a:latin typeface="Consolas" panose="020B0609020204030204" pitchFamily="49" charset="0"/>
+              </a:rPr>
+              <a:t>        - </a:t>
+            </a:r>
+            <a:r>
+              <a:rPr lang="en-US" sz="1600" dirty="0" err="1">
+                <a:latin typeface="Consolas" panose="020B0609020204030204" pitchFamily="49" charset="0"/>
+              </a:rPr>
+              <a:t>containerPort</a:t>
+            </a:r>
+            <a:r>
+              <a:rPr lang="en-US" sz="1600" dirty="0">
+                <a:latin typeface="Consolas" panose="020B0609020204030204" pitchFamily="49" charset="0"/>
+              </a:rPr>
+              <a:t>: 80</a:t>
+            </a:r>
+          </a:p>
+        </p:txBody>
+      </p:sp>
+    </p:spTree>
+    <p:extLst>
+      <p:ext uri="{BB962C8B-B14F-4D97-AF65-F5344CB8AC3E}">
+        <p14:creationId xmlns:p14="http://schemas.microsoft.com/office/powerpoint/2010/main" val="2392246234"/>
+      </p:ext>
+    </p:extLst>
+  </p:cSld>
+  <p:clrMapOvr>
+    <a:masterClrMapping/>
+  </p:clrMapOvr>
+</p:sld>
+</file>
+
+<file path=ppt/slides/slide26.xml><?xml version="1.0" encoding="utf-8"?>
+<p:sld xmlns:a="http://schemas.openxmlformats.org/drawingml/2006/main" xmlns:r="http://schemas.openxmlformats.org/officeDocument/2006/relationships" xmlns:p="http://schemas.openxmlformats.org/presentationml/2006/main">
+  <p:cSld>
+    <p:spTree>
+      <p:nvGrpSpPr>
+        <p:cNvPr id="1" name=""/>
+        <p:cNvGrpSpPr/>
+        <p:nvPr/>
+      </p:nvGrpSpPr>
+      <p:grpSpPr>
+        <a:xfrm>
+          <a:off x="0" y="0"/>
+          <a:ext cx="0" cy="0"/>
+          <a:chOff x="0" y="0"/>
+          <a:chExt cx="0" cy="0"/>
+        </a:xfrm>
+      </p:grpSpPr>
+      <p:sp>
+        <p:nvSpPr>
+          <p:cNvPr id="2" name="Title 1">
+            <a:extLst>
+              <a:ext uri="{FF2B5EF4-FFF2-40B4-BE49-F238E27FC236}">
+                <a16:creationId xmlns:a16="http://schemas.microsoft.com/office/drawing/2014/main" id="{7324BA08-8EC6-41D1-AF44-ABAB5959AA30}"/>
+              </a:ext>
+            </a:extLst>
+          </p:cNvPr>
+          <p:cNvSpPr>
+            <a:spLocks noGrp="1"/>
+          </p:cNvSpPr>
+          <p:nvPr>
+            <p:ph type="title"/>
+          </p:nvPr>
+        </p:nvSpPr>
+        <p:spPr/>
+        <p:txBody>
+          <a:bodyPr/>
+          <a:lstStyle/>
+          <a:p>
+            <a:endParaRPr lang="en-US" dirty="0"/>
+          </a:p>
+        </p:txBody>
+      </p:sp>
+      <p:sp>
+        <p:nvSpPr>
+          <p:cNvPr id="3" name="Content Placeholder 2">
+            <a:extLst>
+              <a:ext uri="{FF2B5EF4-FFF2-40B4-BE49-F238E27FC236}">
+                <a16:creationId xmlns:a16="http://schemas.microsoft.com/office/drawing/2014/main" id="{2DE9B5B9-CF55-4EEB-96F8-ADE363B77E21}"/>
+              </a:ext>
+            </a:extLst>
+          </p:cNvPr>
+          <p:cNvSpPr>
+            <a:spLocks noGrp="1"/>
+          </p:cNvSpPr>
+          <p:nvPr>
+            <p:ph idx="1"/>
+          </p:nvPr>
+        </p:nvSpPr>
+        <p:spPr>
+          <a:xfrm>
+            <a:off x="838200" y="1825625"/>
+            <a:ext cx="10515600" cy="457265"/>
+          </a:xfrm>
+        </p:spPr>
+        <p:txBody>
+          <a:bodyPr>
+            <a:normAutofit/>
+          </a:bodyPr>
+          <a:lstStyle/>
+          <a:p>
+            <a:pPr marL="0" indent="0">
+              <a:buNone/>
+            </a:pPr>
+            <a:endParaRPr lang="en-US" sz="2400" dirty="0">
+              <a:latin typeface="Consolas" panose="020B0609020204030204" pitchFamily="49" charset="0"/>
+            </a:endParaRPr>
+          </a:p>
+        </p:txBody>
+      </p:sp>
+      <p:sp>
+        <p:nvSpPr>
+          <p:cNvPr id="4" name="Slide Number Placeholder 3">
+            <a:extLst>
+              <a:ext uri="{FF2B5EF4-FFF2-40B4-BE49-F238E27FC236}">
+                <a16:creationId xmlns:a16="http://schemas.microsoft.com/office/drawing/2014/main" id="{08F10D91-AA29-4847-98C1-2808FE89A51A}"/>
+              </a:ext>
+            </a:extLst>
+          </p:cNvPr>
+          <p:cNvSpPr>
+            <a:spLocks noGrp="1"/>
+          </p:cNvSpPr>
+          <p:nvPr>
+            <p:ph type="sldNum" sz="quarter" idx="12"/>
+          </p:nvPr>
+        </p:nvSpPr>
+        <p:spPr/>
+        <p:txBody>
+          <a:bodyPr/>
+          <a:lstStyle/>
+          <a:p>
+            <a:fld id="{945DE137-1981-4A6E-942B-1AACE1746372}" type="slidenum">
+              <a:rPr lang="en-US" smtClean="0"/>
+              <a:t>26</a:t>
+            </a:fld>
+            <a:endParaRPr lang="en-US"/>
+          </a:p>
+        </p:txBody>
+      </p:sp>
+    </p:spTree>
+    <p:extLst>
+      <p:ext uri="{BB962C8B-B14F-4D97-AF65-F5344CB8AC3E}">
+        <p14:creationId xmlns:p14="http://schemas.microsoft.com/office/powerpoint/2010/main" val="2073467690"/>
+      </p:ext>
+    </p:extLst>
+  </p:cSld>
+  <p:clrMapOvr>
+    <a:masterClrMapping/>
+  </p:clrMapOvr>
+</p:sld>
+</file>
+
+<file path=ppt/slides/slide27.xml><?xml version="1.0" encoding="utf-8"?>
+<p:sld xmlns:a="http://schemas.openxmlformats.org/drawingml/2006/main" xmlns:r="http://schemas.openxmlformats.org/officeDocument/2006/relationships" xmlns:p="http://schemas.openxmlformats.org/presentationml/2006/main">
+  <p:cSld>
+    <p:spTree>
+      <p:nvGrpSpPr>
+        <p:cNvPr id="1" name=""/>
+        <p:cNvGrpSpPr/>
+        <p:nvPr/>
+      </p:nvGrpSpPr>
+      <p:grpSpPr>
+        <a:xfrm>
+          <a:off x="0" y="0"/>
+          <a:ext cx="0" cy="0"/>
+          <a:chOff x="0" y="0"/>
+          <a:chExt cx="0" cy="0"/>
+        </a:xfrm>
+      </p:grpSpPr>
+      <p:sp>
+        <p:nvSpPr>
+          <p:cNvPr id="5" name="Title 4">
+            <a:extLst>
+              <a:ext uri="{FF2B5EF4-FFF2-40B4-BE49-F238E27FC236}">
+                <a16:creationId xmlns:a16="http://schemas.microsoft.com/office/drawing/2014/main" id="{3451DC19-7301-4A76-B7B6-014CEED408FB}"/>
+              </a:ext>
+            </a:extLst>
+          </p:cNvPr>
+          <p:cNvSpPr>
+            <a:spLocks noGrp="1"/>
+          </p:cNvSpPr>
+          <p:nvPr>
+            <p:ph type="title"/>
+          </p:nvPr>
+        </p:nvSpPr>
         <p:spPr/>
         <p:txBody>
           <a:bodyPr/>
@@ -8622,7 +11405,7 @@
           <a:p>
             <a:fld id="{945DE137-1981-4A6E-942B-1AACE1746372}" type="slidenum">
               <a:rPr lang="en-US" smtClean="0"/>
-              <a:t>20</a:t>
+              <a:t>27</a:t>
             </a:fld>
             <a:endParaRPr lang="en-US"/>
           </a:p>
@@ -9158,7 +11941,12 @@
             <p:ph type="title"/>
           </p:nvPr>
         </p:nvSpPr>
-        <p:spPr/>
+        <p:spPr>
+          <a:xfrm>
+            <a:off x="838200" y="365125"/>
+            <a:ext cx="10515600" cy="1325563"/>
+          </a:xfrm>
+        </p:spPr>
         <p:txBody>
           <a:bodyPr/>
           <a:lstStyle/>
@@ -9667,1001 +12455,763 @@
           </p:txBody>
         </p:sp>
       </p:grpSp>
-      <p:grpSp>
-        <p:nvGrpSpPr>
-          <p:cNvPr id="37" name="Group 36">
-            <a:extLst>
-              <a:ext uri="{FF2B5EF4-FFF2-40B4-BE49-F238E27FC236}">
-                <a16:creationId xmlns:a16="http://schemas.microsoft.com/office/drawing/2014/main" id="{D0F3644A-B1DF-46C9-9117-D672760B1A2A}"/>
-              </a:ext>
-            </a:extLst>
-          </p:cNvPr>
-          <p:cNvGrpSpPr/>
+      <p:sp>
+        <p:nvSpPr>
+          <p:cNvPr id="18" name="Rectangle 17">
+            <a:extLst>
+              <a:ext uri="{FF2B5EF4-FFF2-40B4-BE49-F238E27FC236}">
+                <a16:creationId xmlns:a16="http://schemas.microsoft.com/office/drawing/2014/main" id="{626299C7-1408-479C-A94A-B02C4C6D03F7}"/>
+              </a:ext>
+            </a:extLst>
+          </p:cNvPr>
+          <p:cNvSpPr/>
           <p:nvPr/>
-        </p:nvGrpSpPr>
-        <p:grpSpPr>
+        </p:nvSpPr>
+        <p:spPr>
           <a:xfrm>
-            <a:off x="4387515" y="2671921"/>
-            <a:ext cx="3429412" cy="3374433"/>
-            <a:chOff x="4387515" y="2671921"/>
-            <a:chExt cx="3429412" cy="3374433"/>
+            <a:off x="4387516" y="5501748"/>
+            <a:ext cx="3429411" cy="544606"/>
           </a:xfrm>
-        </p:grpSpPr>
-        <p:sp>
-          <p:nvSpPr>
-            <p:cNvPr id="18" name="Rectangle 17">
-              <a:extLst>
-                <a:ext uri="{FF2B5EF4-FFF2-40B4-BE49-F238E27FC236}">
-                  <a16:creationId xmlns:a16="http://schemas.microsoft.com/office/drawing/2014/main" id="{626299C7-1408-479C-A94A-B02C4C6D03F7}"/>
-                </a:ext>
-              </a:extLst>
-            </p:cNvPr>
-            <p:cNvSpPr/>
-            <p:nvPr/>
-          </p:nvSpPr>
-          <p:spPr>
-            <a:xfrm>
-              <a:off x="4387516" y="5501748"/>
-              <a:ext cx="3429411" cy="544606"/>
-            </a:xfrm>
-            <a:prstGeom prst="rect">
-              <a:avLst/>
-            </a:prstGeom>
-          </p:spPr>
-          <p:style>
-            <a:lnRef idx="2">
-              <a:schemeClr val="accent3">
-                <a:shade val="50000"/>
-              </a:schemeClr>
-            </a:lnRef>
-            <a:fillRef idx="1">
-              <a:schemeClr val="accent3"/>
-            </a:fillRef>
-            <a:effectRef idx="0">
-              <a:schemeClr val="accent3"/>
-            </a:effectRef>
-            <a:fontRef idx="minor">
-              <a:schemeClr val="lt1"/>
-            </a:fontRef>
-          </p:style>
-          <p:txBody>
-            <a:bodyPr rtlCol="0" anchor="ctr"/>
-            <a:lstStyle/>
-            <a:p>
-              <a:pPr algn="ctr"/>
-              <a:r>
-                <a:rPr lang="en-US" dirty="0"/>
-                <a:t>Bare Metal</a:t>
-              </a:r>
-            </a:p>
-          </p:txBody>
-        </p:sp>
-        <p:sp>
-          <p:nvSpPr>
-            <p:cNvPr id="19" name="Rectangle 18">
-              <a:extLst>
-                <a:ext uri="{FF2B5EF4-FFF2-40B4-BE49-F238E27FC236}">
-                  <a16:creationId xmlns:a16="http://schemas.microsoft.com/office/drawing/2014/main" id="{470996AF-87FA-44F5-87CC-E86091BB032E}"/>
-                </a:ext>
-              </a:extLst>
-            </p:cNvPr>
-            <p:cNvSpPr/>
-            <p:nvPr/>
-          </p:nvSpPr>
-          <p:spPr>
-            <a:xfrm>
-              <a:off x="4387516" y="4957142"/>
-              <a:ext cx="3429411" cy="544606"/>
-            </a:xfrm>
-            <a:prstGeom prst="rect">
-              <a:avLst/>
-            </a:prstGeom>
-          </p:spPr>
-          <p:style>
-            <a:lnRef idx="2">
-              <a:schemeClr val="accent1">
-                <a:shade val="50000"/>
-              </a:schemeClr>
-            </a:lnRef>
-            <a:fillRef idx="1">
-              <a:schemeClr val="accent1"/>
-            </a:fillRef>
-            <a:effectRef idx="0">
-              <a:schemeClr val="accent1"/>
-            </a:effectRef>
-            <a:fontRef idx="minor">
-              <a:schemeClr val="lt1"/>
-            </a:fontRef>
-          </p:style>
-          <p:txBody>
-            <a:bodyPr rtlCol="0" anchor="ctr"/>
-            <a:lstStyle/>
-            <a:p>
-              <a:pPr algn="ctr"/>
-              <a:r>
-                <a:rPr lang="en-US" dirty="0"/>
-                <a:t>Host OS</a:t>
-              </a:r>
-            </a:p>
-          </p:txBody>
-        </p:sp>
-        <p:sp>
-          <p:nvSpPr>
-            <p:cNvPr id="20" name="Rectangle 19">
-              <a:extLst>
-                <a:ext uri="{FF2B5EF4-FFF2-40B4-BE49-F238E27FC236}">
-                  <a16:creationId xmlns:a16="http://schemas.microsoft.com/office/drawing/2014/main" id="{A1838460-ACBC-4878-8796-540EC752B570}"/>
-                </a:ext>
-              </a:extLst>
-            </p:cNvPr>
-            <p:cNvSpPr/>
-            <p:nvPr/>
-          </p:nvSpPr>
-          <p:spPr>
-            <a:xfrm>
-              <a:off x="4387515" y="4412536"/>
-              <a:ext cx="3429411" cy="544606"/>
-            </a:xfrm>
-            <a:prstGeom prst="rect">
-              <a:avLst/>
-            </a:prstGeom>
-            <a:solidFill>
-              <a:schemeClr val="accent1">
-                <a:lumMod val="50000"/>
-              </a:schemeClr>
-            </a:solidFill>
-          </p:spPr>
-          <p:style>
-            <a:lnRef idx="2">
-              <a:schemeClr val="accent6">
-                <a:shade val="50000"/>
-              </a:schemeClr>
-            </a:lnRef>
-            <a:fillRef idx="1">
-              <a:schemeClr val="accent6"/>
-            </a:fillRef>
-            <a:effectRef idx="0">
-              <a:schemeClr val="accent6"/>
-            </a:effectRef>
-            <a:fontRef idx="minor">
-              <a:schemeClr val="lt1"/>
-            </a:fontRef>
-          </p:style>
-          <p:txBody>
-            <a:bodyPr rtlCol="0" anchor="ctr"/>
-            <a:lstStyle/>
-            <a:p>
-              <a:pPr algn="ctr"/>
-              <a:r>
-                <a:rPr lang="en-US" dirty="0"/>
-                <a:t>Container Runtime (Docker)</a:t>
-              </a:r>
-            </a:p>
-          </p:txBody>
-        </p:sp>
-        <p:sp>
-          <p:nvSpPr>
-            <p:cNvPr id="21" name="Rectangle 20">
-              <a:extLst>
-                <a:ext uri="{FF2B5EF4-FFF2-40B4-BE49-F238E27FC236}">
-                  <a16:creationId xmlns:a16="http://schemas.microsoft.com/office/drawing/2014/main" id="{D580E598-3E0B-4A8A-BCE0-3F8865CF562A}"/>
-                </a:ext>
-              </a:extLst>
-            </p:cNvPr>
-            <p:cNvSpPr/>
-            <p:nvPr/>
-          </p:nvSpPr>
-          <p:spPr>
-            <a:xfrm>
-              <a:off x="4387515" y="3828870"/>
-              <a:ext cx="1591282" cy="583666"/>
-            </a:xfrm>
-            <a:prstGeom prst="rect">
-              <a:avLst/>
-            </a:prstGeom>
-          </p:spPr>
-          <p:style>
-            <a:lnRef idx="2">
-              <a:schemeClr val="accent2">
-                <a:shade val="50000"/>
-              </a:schemeClr>
-            </a:lnRef>
-            <a:fillRef idx="1">
-              <a:schemeClr val="accent2"/>
-            </a:fillRef>
-            <a:effectRef idx="0">
-              <a:schemeClr val="accent2"/>
-            </a:effectRef>
-            <a:fontRef idx="minor">
-              <a:schemeClr val="lt1"/>
-            </a:fontRef>
-          </p:style>
-          <p:txBody>
-            <a:bodyPr rtlCol="0" anchor="ctr"/>
-            <a:lstStyle/>
-            <a:p>
-              <a:pPr algn="ctr"/>
-              <a:r>
-                <a:rPr lang="en-US" dirty="0"/>
-                <a:t>Guest OS</a:t>
-              </a:r>
-            </a:p>
-          </p:txBody>
-        </p:sp>
-        <p:sp>
-          <p:nvSpPr>
-            <p:cNvPr id="22" name="Rectangle 21">
-              <a:extLst>
-                <a:ext uri="{FF2B5EF4-FFF2-40B4-BE49-F238E27FC236}">
-                  <a16:creationId xmlns:a16="http://schemas.microsoft.com/office/drawing/2014/main" id="{D63B544C-D7F9-4D58-B1C4-A5AD6E6916F1}"/>
-                </a:ext>
-              </a:extLst>
-            </p:cNvPr>
-            <p:cNvSpPr/>
-            <p:nvPr/>
-          </p:nvSpPr>
-          <p:spPr>
-            <a:xfrm>
-              <a:off x="4387515" y="3245204"/>
-              <a:ext cx="1591282" cy="583666"/>
-            </a:xfrm>
-            <a:prstGeom prst="rect">
-              <a:avLst/>
-            </a:prstGeom>
-          </p:spPr>
-          <p:style>
-            <a:lnRef idx="2">
-              <a:schemeClr val="accent5">
-                <a:shade val="50000"/>
-              </a:schemeClr>
-            </a:lnRef>
-            <a:fillRef idx="1">
-              <a:schemeClr val="accent5"/>
-            </a:fillRef>
-            <a:effectRef idx="0">
-              <a:schemeClr val="accent5"/>
-            </a:effectRef>
-            <a:fontRef idx="minor">
-              <a:schemeClr val="lt1"/>
-            </a:fontRef>
-          </p:style>
-          <p:txBody>
-            <a:bodyPr rtlCol="0" anchor="ctr"/>
-            <a:lstStyle/>
-            <a:p>
-              <a:pPr algn="ctr"/>
-              <a:r>
-                <a:rPr lang="en-US" dirty="0"/>
-                <a:t>Dependencies</a:t>
-              </a:r>
-            </a:p>
-          </p:txBody>
-        </p:sp>
-        <p:sp>
-          <p:nvSpPr>
-            <p:cNvPr id="23" name="Rectangle 22">
-              <a:extLst>
-                <a:ext uri="{FF2B5EF4-FFF2-40B4-BE49-F238E27FC236}">
-                  <a16:creationId xmlns:a16="http://schemas.microsoft.com/office/drawing/2014/main" id="{42BA2742-9994-4C46-82DA-12A2D90250EB}"/>
-                </a:ext>
-              </a:extLst>
-            </p:cNvPr>
-            <p:cNvSpPr/>
-            <p:nvPr/>
-          </p:nvSpPr>
-          <p:spPr>
-            <a:xfrm>
-              <a:off x="4387515" y="2671921"/>
-              <a:ext cx="1591282" cy="583666"/>
-            </a:xfrm>
-            <a:prstGeom prst="rect">
-              <a:avLst/>
-            </a:prstGeom>
-            <a:solidFill>
-              <a:srgbClr val="7030A0"/>
-            </a:solidFill>
-          </p:spPr>
-          <p:style>
-            <a:lnRef idx="2">
-              <a:schemeClr val="accent1">
-                <a:shade val="50000"/>
-              </a:schemeClr>
-            </a:lnRef>
-            <a:fillRef idx="1">
-              <a:schemeClr val="accent1"/>
-            </a:fillRef>
-            <a:effectRef idx="0">
-              <a:schemeClr val="accent1"/>
-            </a:effectRef>
-            <a:fontRef idx="minor">
-              <a:schemeClr val="lt1"/>
-            </a:fontRef>
-          </p:style>
-          <p:txBody>
-            <a:bodyPr rtlCol="0" anchor="ctr"/>
-            <a:lstStyle/>
-            <a:p>
-              <a:pPr algn="ctr"/>
-              <a:r>
-                <a:rPr lang="en-US" dirty="0"/>
-                <a:t>Application #1</a:t>
-              </a:r>
-            </a:p>
-          </p:txBody>
-        </p:sp>
-        <p:sp>
-          <p:nvSpPr>
-            <p:cNvPr id="24" name="Rectangle 23">
-              <a:extLst>
-                <a:ext uri="{FF2B5EF4-FFF2-40B4-BE49-F238E27FC236}">
-                  <a16:creationId xmlns:a16="http://schemas.microsoft.com/office/drawing/2014/main" id="{2170BE49-2BB4-4C5E-ABA2-F3AB9510050B}"/>
-                </a:ext>
-              </a:extLst>
-            </p:cNvPr>
-            <p:cNvSpPr/>
-            <p:nvPr/>
-          </p:nvSpPr>
-          <p:spPr>
-            <a:xfrm>
-              <a:off x="6225645" y="3828870"/>
-              <a:ext cx="1591282" cy="583666"/>
-            </a:xfrm>
-            <a:prstGeom prst="rect">
-              <a:avLst/>
-            </a:prstGeom>
-          </p:spPr>
-          <p:style>
-            <a:lnRef idx="2">
-              <a:schemeClr val="accent2">
-                <a:shade val="50000"/>
-              </a:schemeClr>
-            </a:lnRef>
-            <a:fillRef idx="1">
-              <a:schemeClr val="accent2"/>
-            </a:fillRef>
-            <a:effectRef idx="0">
-              <a:schemeClr val="accent2"/>
-            </a:effectRef>
-            <a:fontRef idx="minor">
-              <a:schemeClr val="lt1"/>
-            </a:fontRef>
-          </p:style>
-          <p:txBody>
-            <a:bodyPr rtlCol="0" anchor="ctr"/>
-            <a:lstStyle/>
-            <a:p>
-              <a:pPr algn="ctr"/>
-              <a:r>
-                <a:rPr lang="en-US" dirty="0"/>
-                <a:t>Guest OS</a:t>
-              </a:r>
-            </a:p>
-          </p:txBody>
-        </p:sp>
-        <p:sp>
-          <p:nvSpPr>
-            <p:cNvPr id="25" name="Rectangle 24">
-              <a:extLst>
-                <a:ext uri="{FF2B5EF4-FFF2-40B4-BE49-F238E27FC236}">
-                  <a16:creationId xmlns:a16="http://schemas.microsoft.com/office/drawing/2014/main" id="{5EC3ED25-5ED3-4256-9F77-84A1100C5C62}"/>
-                </a:ext>
-              </a:extLst>
-            </p:cNvPr>
-            <p:cNvSpPr/>
-            <p:nvPr/>
-          </p:nvSpPr>
-          <p:spPr>
-            <a:xfrm>
-              <a:off x="6225645" y="3245204"/>
-              <a:ext cx="1591282" cy="583666"/>
-            </a:xfrm>
-            <a:prstGeom prst="rect">
-              <a:avLst/>
-            </a:prstGeom>
-          </p:spPr>
-          <p:style>
-            <a:lnRef idx="2">
-              <a:schemeClr val="accent5">
-                <a:shade val="50000"/>
-              </a:schemeClr>
-            </a:lnRef>
-            <a:fillRef idx="1">
-              <a:schemeClr val="accent5"/>
-            </a:fillRef>
-            <a:effectRef idx="0">
-              <a:schemeClr val="accent5"/>
-            </a:effectRef>
-            <a:fontRef idx="minor">
-              <a:schemeClr val="lt1"/>
-            </a:fontRef>
-          </p:style>
-          <p:txBody>
-            <a:bodyPr rtlCol="0" anchor="ctr"/>
-            <a:lstStyle/>
-            <a:p>
-              <a:pPr algn="ctr"/>
-              <a:r>
-                <a:rPr lang="en-US" dirty="0"/>
-                <a:t>Dependencies</a:t>
-              </a:r>
-            </a:p>
-          </p:txBody>
-        </p:sp>
-        <p:sp>
-          <p:nvSpPr>
-            <p:cNvPr id="26" name="Rectangle 25">
-              <a:extLst>
-                <a:ext uri="{FF2B5EF4-FFF2-40B4-BE49-F238E27FC236}">
-                  <a16:creationId xmlns:a16="http://schemas.microsoft.com/office/drawing/2014/main" id="{97FF9283-FF8D-441B-92C1-CE20F3BB2AAC}"/>
-                </a:ext>
-              </a:extLst>
-            </p:cNvPr>
-            <p:cNvSpPr/>
-            <p:nvPr/>
-          </p:nvSpPr>
-          <p:spPr>
-            <a:xfrm>
-              <a:off x="6225645" y="2671921"/>
-              <a:ext cx="1591282" cy="583666"/>
-            </a:xfrm>
-            <a:prstGeom prst="rect">
-              <a:avLst/>
-            </a:prstGeom>
-            <a:solidFill>
-              <a:srgbClr val="7030A0"/>
-            </a:solidFill>
-          </p:spPr>
-          <p:style>
-            <a:lnRef idx="2">
-              <a:schemeClr val="accent1">
-                <a:shade val="50000"/>
-              </a:schemeClr>
-            </a:lnRef>
-            <a:fillRef idx="1">
-              <a:schemeClr val="accent1"/>
-            </a:fillRef>
-            <a:effectRef idx="0">
-              <a:schemeClr val="accent1"/>
-            </a:effectRef>
-            <a:fontRef idx="minor">
-              <a:schemeClr val="lt1"/>
-            </a:fontRef>
-          </p:style>
-          <p:txBody>
-            <a:bodyPr rtlCol="0" anchor="ctr"/>
-            <a:lstStyle/>
-            <a:p>
-              <a:pPr algn="ctr"/>
-              <a:r>
-                <a:rPr lang="en-US" dirty="0"/>
-                <a:t>Application #2</a:t>
-              </a:r>
-            </a:p>
-          </p:txBody>
-        </p:sp>
-      </p:grpSp>
-      <p:grpSp>
-        <p:nvGrpSpPr>
-          <p:cNvPr id="38" name="Group 37">
-            <a:extLst>
-              <a:ext uri="{FF2B5EF4-FFF2-40B4-BE49-F238E27FC236}">
-                <a16:creationId xmlns:a16="http://schemas.microsoft.com/office/drawing/2014/main" id="{C47799EE-53D7-42CE-B680-A88A35E382D9}"/>
-              </a:ext>
-            </a:extLst>
-          </p:cNvPr>
-          <p:cNvGrpSpPr/>
+          <a:prstGeom prst="rect">
+            <a:avLst/>
+          </a:prstGeom>
+        </p:spPr>
+        <p:style>
+          <a:lnRef idx="2">
+            <a:schemeClr val="accent3">
+              <a:shade val="50000"/>
+            </a:schemeClr>
+          </a:lnRef>
+          <a:fillRef idx="1">
+            <a:schemeClr val="accent3"/>
+          </a:fillRef>
+          <a:effectRef idx="0">
+            <a:schemeClr val="accent3"/>
+          </a:effectRef>
+          <a:fontRef idx="minor">
+            <a:schemeClr val="lt1"/>
+          </a:fontRef>
+        </p:style>
+        <p:txBody>
+          <a:bodyPr rtlCol="0" anchor="ctr"/>
+          <a:lstStyle/>
+          <a:p>
+            <a:pPr algn="ctr"/>
+            <a:r>
+              <a:rPr lang="en-US" dirty="0"/>
+              <a:t>Bare Metal</a:t>
+            </a:r>
+          </a:p>
+        </p:txBody>
+      </p:sp>
+      <p:sp>
+        <p:nvSpPr>
+          <p:cNvPr id="19" name="Rectangle 18">
+            <a:extLst>
+              <a:ext uri="{FF2B5EF4-FFF2-40B4-BE49-F238E27FC236}">
+                <a16:creationId xmlns:a16="http://schemas.microsoft.com/office/drawing/2014/main" id="{470996AF-87FA-44F5-87CC-E86091BB032E}"/>
+              </a:ext>
+            </a:extLst>
+          </p:cNvPr>
+          <p:cNvSpPr/>
           <p:nvPr/>
-        </p:nvGrpSpPr>
-        <p:grpSpPr>
+        </p:nvSpPr>
+        <p:spPr>
           <a:xfrm>
-            <a:off x="8030703" y="2126457"/>
-            <a:ext cx="3429414" cy="3919897"/>
-            <a:chOff x="8030703" y="2126457"/>
-            <a:chExt cx="3429414" cy="3919897"/>
+            <a:off x="4387516" y="4957142"/>
+            <a:ext cx="3429411" cy="544606"/>
           </a:xfrm>
-        </p:grpSpPr>
-        <p:sp>
-          <p:nvSpPr>
-            <p:cNvPr id="27" name="Rectangle 26">
-              <a:extLst>
-                <a:ext uri="{FF2B5EF4-FFF2-40B4-BE49-F238E27FC236}">
-                  <a16:creationId xmlns:a16="http://schemas.microsoft.com/office/drawing/2014/main" id="{E1F39C56-E52F-4073-9BED-909C2CE13068}"/>
-                </a:ext>
-              </a:extLst>
-            </p:cNvPr>
-            <p:cNvSpPr/>
-            <p:nvPr/>
-          </p:nvSpPr>
-          <p:spPr>
-            <a:xfrm>
-              <a:off x="8030706" y="5501748"/>
-              <a:ext cx="3429411" cy="544606"/>
-            </a:xfrm>
-            <a:prstGeom prst="rect">
-              <a:avLst/>
-            </a:prstGeom>
-          </p:spPr>
-          <p:style>
-            <a:lnRef idx="2">
-              <a:schemeClr val="accent3">
-                <a:shade val="50000"/>
-              </a:schemeClr>
-            </a:lnRef>
-            <a:fillRef idx="1">
-              <a:schemeClr val="accent3"/>
-            </a:fillRef>
-            <a:effectRef idx="0">
-              <a:schemeClr val="accent3"/>
-            </a:effectRef>
-            <a:fontRef idx="minor">
-              <a:schemeClr val="lt1"/>
-            </a:fontRef>
-          </p:style>
-          <p:txBody>
-            <a:bodyPr rtlCol="0" anchor="ctr"/>
-            <a:lstStyle/>
-            <a:p>
-              <a:pPr algn="ctr"/>
-              <a:r>
-                <a:rPr lang="en-US" dirty="0"/>
-                <a:t>Bare Metal</a:t>
-              </a:r>
-            </a:p>
-          </p:txBody>
-        </p:sp>
-        <p:sp>
-          <p:nvSpPr>
-            <p:cNvPr id="28" name="Rectangle 27">
-              <a:extLst>
-                <a:ext uri="{FF2B5EF4-FFF2-40B4-BE49-F238E27FC236}">
-                  <a16:creationId xmlns:a16="http://schemas.microsoft.com/office/drawing/2014/main" id="{4D793A06-4767-4580-81EC-CFF30851ACA6}"/>
-                </a:ext>
-              </a:extLst>
-            </p:cNvPr>
-            <p:cNvSpPr/>
-            <p:nvPr/>
-          </p:nvSpPr>
-          <p:spPr>
-            <a:xfrm>
-              <a:off x="8030706" y="4957142"/>
-              <a:ext cx="3429411" cy="544606"/>
-            </a:xfrm>
-            <a:prstGeom prst="rect">
-              <a:avLst/>
-            </a:prstGeom>
-          </p:spPr>
-          <p:style>
-            <a:lnRef idx="2">
-              <a:schemeClr val="accent1">
-                <a:shade val="50000"/>
-              </a:schemeClr>
-            </a:lnRef>
-            <a:fillRef idx="1">
-              <a:schemeClr val="accent1"/>
-            </a:fillRef>
-            <a:effectRef idx="0">
-              <a:schemeClr val="accent1"/>
-            </a:effectRef>
-            <a:fontRef idx="minor">
-              <a:schemeClr val="lt1"/>
-            </a:fontRef>
-          </p:style>
-          <p:txBody>
-            <a:bodyPr rtlCol="0" anchor="ctr"/>
-            <a:lstStyle/>
-            <a:p>
-              <a:pPr algn="ctr"/>
-              <a:r>
-                <a:rPr lang="en-US" dirty="0"/>
-                <a:t>Host OS</a:t>
-              </a:r>
-            </a:p>
-          </p:txBody>
-        </p:sp>
-        <p:sp>
-          <p:nvSpPr>
-            <p:cNvPr id="29" name="Rectangle 28">
-              <a:extLst>
-                <a:ext uri="{FF2B5EF4-FFF2-40B4-BE49-F238E27FC236}">
-                  <a16:creationId xmlns:a16="http://schemas.microsoft.com/office/drawing/2014/main" id="{59BEFC57-7A3F-40D8-9FC6-DF8F65F9D2BF}"/>
-                </a:ext>
-              </a:extLst>
-            </p:cNvPr>
-            <p:cNvSpPr/>
-            <p:nvPr/>
-          </p:nvSpPr>
-          <p:spPr>
-            <a:xfrm>
-              <a:off x="8030705" y="3867501"/>
-              <a:ext cx="3429411" cy="544606"/>
-            </a:xfrm>
-            <a:prstGeom prst="rect">
-              <a:avLst/>
-            </a:prstGeom>
-            <a:solidFill>
-              <a:schemeClr val="accent1">
-                <a:lumMod val="50000"/>
-              </a:schemeClr>
-            </a:solidFill>
-          </p:spPr>
-          <p:style>
-            <a:lnRef idx="2">
-              <a:schemeClr val="accent6">
-                <a:shade val="50000"/>
-              </a:schemeClr>
-            </a:lnRef>
-            <a:fillRef idx="1">
-              <a:schemeClr val="accent6"/>
-            </a:fillRef>
-            <a:effectRef idx="0">
-              <a:schemeClr val="accent6"/>
-            </a:effectRef>
-            <a:fontRef idx="minor">
-              <a:schemeClr val="lt1"/>
-            </a:fontRef>
-          </p:style>
-          <p:txBody>
-            <a:bodyPr rtlCol="0" anchor="ctr"/>
-            <a:lstStyle/>
-            <a:p>
-              <a:pPr algn="ctr"/>
-              <a:r>
-                <a:rPr lang="en-US" dirty="0"/>
-                <a:t>Container Runtime (Docker)</a:t>
-              </a:r>
-            </a:p>
-          </p:txBody>
-        </p:sp>
-        <p:sp>
-          <p:nvSpPr>
-            <p:cNvPr id="30" name="Rectangle 29">
-              <a:extLst>
-                <a:ext uri="{FF2B5EF4-FFF2-40B4-BE49-F238E27FC236}">
-                  <a16:creationId xmlns:a16="http://schemas.microsoft.com/office/drawing/2014/main" id="{D3D19AFB-0CA2-4A86-AFCA-112EE103BAC0}"/>
-                </a:ext>
-              </a:extLst>
-            </p:cNvPr>
-            <p:cNvSpPr/>
-            <p:nvPr/>
-          </p:nvSpPr>
-          <p:spPr>
-            <a:xfrm>
-              <a:off x="8030703" y="3283406"/>
-              <a:ext cx="1591282" cy="583666"/>
-            </a:xfrm>
-            <a:prstGeom prst="rect">
-              <a:avLst/>
-            </a:prstGeom>
-          </p:spPr>
-          <p:style>
-            <a:lnRef idx="2">
-              <a:schemeClr val="accent2">
-                <a:shade val="50000"/>
-              </a:schemeClr>
-            </a:lnRef>
-            <a:fillRef idx="1">
-              <a:schemeClr val="accent2"/>
-            </a:fillRef>
-            <a:effectRef idx="0">
-              <a:schemeClr val="accent2"/>
-            </a:effectRef>
-            <a:fontRef idx="minor">
-              <a:schemeClr val="lt1"/>
-            </a:fontRef>
-          </p:style>
-          <p:txBody>
-            <a:bodyPr rtlCol="0" anchor="ctr"/>
-            <a:lstStyle/>
-            <a:p>
-              <a:pPr algn="ctr"/>
-              <a:r>
-                <a:rPr lang="en-US" dirty="0"/>
-                <a:t>Guest OS</a:t>
-              </a:r>
-            </a:p>
-          </p:txBody>
-        </p:sp>
-        <p:sp>
-          <p:nvSpPr>
-            <p:cNvPr id="31" name="Rectangle 30">
-              <a:extLst>
-                <a:ext uri="{FF2B5EF4-FFF2-40B4-BE49-F238E27FC236}">
-                  <a16:creationId xmlns:a16="http://schemas.microsoft.com/office/drawing/2014/main" id="{2FB268F2-050E-4F2B-98CE-4740701ABBC6}"/>
-                </a:ext>
-              </a:extLst>
-            </p:cNvPr>
-            <p:cNvSpPr/>
-            <p:nvPr/>
-          </p:nvSpPr>
-          <p:spPr>
-            <a:xfrm>
-              <a:off x="8030703" y="2699740"/>
-              <a:ext cx="1591282" cy="583666"/>
-            </a:xfrm>
-            <a:prstGeom prst="rect">
-              <a:avLst/>
-            </a:prstGeom>
-          </p:spPr>
-          <p:style>
-            <a:lnRef idx="2">
-              <a:schemeClr val="accent5">
-                <a:shade val="50000"/>
-              </a:schemeClr>
-            </a:lnRef>
-            <a:fillRef idx="1">
-              <a:schemeClr val="accent5"/>
-            </a:fillRef>
-            <a:effectRef idx="0">
-              <a:schemeClr val="accent5"/>
-            </a:effectRef>
-            <a:fontRef idx="minor">
-              <a:schemeClr val="lt1"/>
-            </a:fontRef>
-          </p:style>
-          <p:txBody>
-            <a:bodyPr rtlCol="0" anchor="ctr"/>
-            <a:lstStyle/>
-            <a:p>
-              <a:pPr algn="ctr"/>
-              <a:r>
-                <a:rPr lang="en-US" dirty="0"/>
-                <a:t>Dependencies</a:t>
-              </a:r>
-            </a:p>
-          </p:txBody>
-        </p:sp>
-        <p:sp>
-          <p:nvSpPr>
-            <p:cNvPr id="32" name="Rectangle 31">
-              <a:extLst>
-                <a:ext uri="{FF2B5EF4-FFF2-40B4-BE49-F238E27FC236}">
-                  <a16:creationId xmlns:a16="http://schemas.microsoft.com/office/drawing/2014/main" id="{7B70F45E-4C2B-486F-9F01-842AE78A7B49}"/>
-                </a:ext>
-              </a:extLst>
-            </p:cNvPr>
-            <p:cNvSpPr/>
-            <p:nvPr/>
-          </p:nvSpPr>
-          <p:spPr>
-            <a:xfrm>
-              <a:off x="8030703" y="2126457"/>
-              <a:ext cx="1591282" cy="583666"/>
-            </a:xfrm>
-            <a:prstGeom prst="rect">
-              <a:avLst/>
-            </a:prstGeom>
-            <a:solidFill>
-              <a:srgbClr val="7030A0"/>
-            </a:solidFill>
-          </p:spPr>
-          <p:style>
-            <a:lnRef idx="2">
-              <a:schemeClr val="accent1">
-                <a:shade val="50000"/>
-              </a:schemeClr>
-            </a:lnRef>
-            <a:fillRef idx="1">
-              <a:schemeClr val="accent1"/>
-            </a:fillRef>
-            <a:effectRef idx="0">
-              <a:schemeClr val="accent1"/>
-            </a:effectRef>
-            <a:fontRef idx="minor">
-              <a:schemeClr val="lt1"/>
-            </a:fontRef>
-          </p:style>
-          <p:txBody>
-            <a:bodyPr rtlCol="0" anchor="ctr"/>
-            <a:lstStyle/>
-            <a:p>
-              <a:pPr algn="ctr"/>
-              <a:r>
-                <a:rPr lang="en-US" dirty="0"/>
-                <a:t>Application #1</a:t>
-              </a:r>
-            </a:p>
-          </p:txBody>
-        </p:sp>
-        <p:sp>
-          <p:nvSpPr>
-            <p:cNvPr id="33" name="Rectangle 32">
-              <a:extLst>
-                <a:ext uri="{FF2B5EF4-FFF2-40B4-BE49-F238E27FC236}">
-                  <a16:creationId xmlns:a16="http://schemas.microsoft.com/office/drawing/2014/main" id="{F6DCC40E-9B51-4518-A5D2-1D1F241D1E2F}"/>
-                </a:ext>
-              </a:extLst>
-            </p:cNvPr>
-            <p:cNvSpPr/>
-            <p:nvPr/>
-          </p:nvSpPr>
-          <p:spPr>
-            <a:xfrm>
-              <a:off x="9868833" y="3283406"/>
-              <a:ext cx="1591282" cy="583666"/>
-            </a:xfrm>
-            <a:prstGeom prst="rect">
-              <a:avLst/>
-            </a:prstGeom>
-          </p:spPr>
-          <p:style>
-            <a:lnRef idx="2">
-              <a:schemeClr val="accent2">
-                <a:shade val="50000"/>
-              </a:schemeClr>
-            </a:lnRef>
-            <a:fillRef idx="1">
-              <a:schemeClr val="accent2"/>
-            </a:fillRef>
-            <a:effectRef idx="0">
-              <a:schemeClr val="accent2"/>
-            </a:effectRef>
-            <a:fontRef idx="minor">
-              <a:schemeClr val="lt1"/>
-            </a:fontRef>
-          </p:style>
-          <p:txBody>
-            <a:bodyPr rtlCol="0" anchor="ctr"/>
-            <a:lstStyle/>
-            <a:p>
-              <a:pPr algn="ctr"/>
-              <a:r>
-                <a:rPr lang="en-US" dirty="0"/>
-                <a:t>Guest OS</a:t>
-              </a:r>
-            </a:p>
-          </p:txBody>
-        </p:sp>
-        <p:sp>
-          <p:nvSpPr>
-            <p:cNvPr id="34" name="Rectangle 33">
-              <a:extLst>
-                <a:ext uri="{FF2B5EF4-FFF2-40B4-BE49-F238E27FC236}">
-                  <a16:creationId xmlns:a16="http://schemas.microsoft.com/office/drawing/2014/main" id="{C6305C88-8A86-40C8-8357-566A875FC50B}"/>
-                </a:ext>
-              </a:extLst>
-            </p:cNvPr>
-            <p:cNvSpPr/>
-            <p:nvPr/>
-          </p:nvSpPr>
-          <p:spPr>
-            <a:xfrm>
-              <a:off x="9868833" y="2699740"/>
-              <a:ext cx="1591282" cy="583666"/>
-            </a:xfrm>
-            <a:prstGeom prst="rect">
-              <a:avLst/>
-            </a:prstGeom>
-          </p:spPr>
-          <p:style>
-            <a:lnRef idx="2">
-              <a:schemeClr val="accent5">
-                <a:shade val="50000"/>
-              </a:schemeClr>
-            </a:lnRef>
-            <a:fillRef idx="1">
-              <a:schemeClr val="accent5"/>
-            </a:fillRef>
-            <a:effectRef idx="0">
-              <a:schemeClr val="accent5"/>
-            </a:effectRef>
-            <a:fontRef idx="minor">
-              <a:schemeClr val="lt1"/>
-            </a:fontRef>
-          </p:style>
-          <p:txBody>
-            <a:bodyPr rtlCol="0" anchor="ctr"/>
-            <a:lstStyle/>
-            <a:p>
-              <a:pPr algn="ctr"/>
-              <a:r>
-                <a:rPr lang="en-US" dirty="0"/>
-                <a:t>Dependencies</a:t>
-              </a:r>
-            </a:p>
-          </p:txBody>
-        </p:sp>
-        <p:sp>
-          <p:nvSpPr>
-            <p:cNvPr id="35" name="Rectangle 34">
-              <a:extLst>
-                <a:ext uri="{FF2B5EF4-FFF2-40B4-BE49-F238E27FC236}">
-                  <a16:creationId xmlns:a16="http://schemas.microsoft.com/office/drawing/2014/main" id="{BA895660-92B9-444A-B0C3-19DDC1817BB4}"/>
-                </a:ext>
-              </a:extLst>
-            </p:cNvPr>
-            <p:cNvSpPr/>
-            <p:nvPr/>
-          </p:nvSpPr>
-          <p:spPr>
-            <a:xfrm>
-              <a:off x="9868833" y="2126457"/>
-              <a:ext cx="1591282" cy="583666"/>
-            </a:xfrm>
-            <a:prstGeom prst="rect">
-              <a:avLst/>
-            </a:prstGeom>
-            <a:solidFill>
-              <a:srgbClr val="7030A0"/>
-            </a:solidFill>
-          </p:spPr>
-          <p:style>
-            <a:lnRef idx="2">
-              <a:schemeClr val="accent1">
-                <a:shade val="50000"/>
-              </a:schemeClr>
-            </a:lnRef>
-            <a:fillRef idx="1">
-              <a:schemeClr val="accent1"/>
-            </a:fillRef>
-            <a:effectRef idx="0">
-              <a:schemeClr val="accent1"/>
-            </a:effectRef>
-            <a:fontRef idx="minor">
-              <a:schemeClr val="lt1"/>
-            </a:fontRef>
-          </p:style>
-          <p:txBody>
-            <a:bodyPr rtlCol="0" anchor="ctr"/>
-            <a:lstStyle/>
-            <a:p>
-              <a:pPr algn="ctr"/>
-              <a:r>
-                <a:rPr lang="en-US" dirty="0"/>
-                <a:t>Application #2</a:t>
-              </a:r>
-            </a:p>
-          </p:txBody>
-        </p:sp>
-        <p:sp>
-          <p:nvSpPr>
-            <p:cNvPr id="36" name="Rectangle 35">
-              <a:extLst>
-                <a:ext uri="{FF2B5EF4-FFF2-40B4-BE49-F238E27FC236}">
-                  <a16:creationId xmlns:a16="http://schemas.microsoft.com/office/drawing/2014/main" id="{14905372-CCB5-4B94-890C-4708DACE3662}"/>
-                </a:ext>
-              </a:extLst>
-            </p:cNvPr>
-            <p:cNvSpPr/>
-            <p:nvPr/>
-          </p:nvSpPr>
-          <p:spPr>
-            <a:xfrm>
-              <a:off x="8030704" y="4412536"/>
-              <a:ext cx="3429411" cy="544606"/>
-            </a:xfrm>
-            <a:prstGeom prst="rect">
-              <a:avLst/>
-            </a:prstGeom>
-          </p:spPr>
-          <p:style>
-            <a:lnRef idx="2">
-              <a:schemeClr val="accent6">
-                <a:shade val="50000"/>
-              </a:schemeClr>
-            </a:lnRef>
-            <a:fillRef idx="1">
-              <a:schemeClr val="accent6"/>
-            </a:fillRef>
-            <a:effectRef idx="0">
-              <a:schemeClr val="accent6"/>
-            </a:effectRef>
-            <a:fontRef idx="minor">
-              <a:schemeClr val="lt1"/>
-            </a:fontRef>
-          </p:style>
-          <p:txBody>
-            <a:bodyPr rtlCol="0" anchor="ctr"/>
-            <a:lstStyle/>
-            <a:p>
-              <a:pPr algn="ctr"/>
-              <a:r>
-                <a:rPr lang="en-US" dirty="0"/>
-                <a:t>Hypervisor</a:t>
-              </a:r>
-            </a:p>
-          </p:txBody>
-        </p:sp>
-      </p:grpSp>
+          <a:prstGeom prst="rect">
+            <a:avLst/>
+          </a:prstGeom>
+        </p:spPr>
+        <p:style>
+          <a:lnRef idx="2">
+            <a:schemeClr val="accent1">
+              <a:shade val="50000"/>
+            </a:schemeClr>
+          </a:lnRef>
+          <a:fillRef idx="1">
+            <a:schemeClr val="accent1"/>
+          </a:fillRef>
+          <a:effectRef idx="0">
+            <a:schemeClr val="accent1"/>
+          </a:effectRef>
+          <a:fontRef idx="minor">
+            <a:schemeClr val="lt1"/>
+          </a:fontRef>
+        </p:style>
+        <p:txBody>
+          <a:bodyPr rtlCol="0" anchor="ctr"/>
+          <a:lstStyle/>
+          <a:p>
+            <a:pPr algn="ctr"/>
+            <a:r>
+              <a:rPr lang="en-US" dirty="0"/>
+              <a:t>Host OS</a:t>
+            </a:r>
+          </a:p>
+        </p:txBody>
+      </p:sp>
+      <p:sp>
+        <p:nvSpPr>
+          <p:cNvPr id="20" name="Rectangle 19">
+            <a:extLst>
+              <a:ext uri="{FF2B5EF4-FFF2-40B4-BE49-F238E27FC236}">
+                <a16:creationId xmlns:a16="http://schemas.microsoft.com/office/drawing/2014/main" id="{A1838460-ACBC-4878-8796-540EC752B570}"/>
+              </a:ext>
+            </a:extLst>
+          </p:cNvPr>
+          <p:cNvSpPr/>
+          <p:nvPr/>
+        </p:nvSpPr>
+        <p:spPr>
+          <a:xfrm>
+            <a:off x="4387515" y="4412536"/>
+            <a:ext cx="3429411" cy="544606"/>
+          </a:xfrm>
+          <a:prstGeom prst="rect">
+            <a:avLst/>
+          </a:prstGeom>
+          <a:solidFill>
+            <a:schemeClr val="accent1">
+              <a:lumMod val="50000"/>
+            </a:schemeClr>
+          </a:solidFill>
+        </p:spPr>
+        <p:style>
+          <a:lnRef idx="2">
+            <a:schemeClr val="accent6">
+              <a:shade val="50000"/>
+            </a:schemeClr>
+          </a:lnRef>
+          <a:fillRef idx="1">
+            <a:schemeClr val="accent6"/>
+          </a:fillRef>
+          <a:effectRef idx="0">
+            <a:schemeClr val="accent6"/>
+          </a:effectRef>
+          <a:fontRef idx="minor">
+            <a:schemeClr val="lt1"/>
+          </a:fontRef>
+        </p:style>
+        <p:txBody>
+          <a:bodyPr rtlCol="0" anchor="ctr"/>
+          <a:lstStyle/>
+          <a:p>
+            <a:pPr algn="ctr"/>
+            <a:r>
+              <a:rPr lang="en-US" dirty="0"/>
+              <a:t>Container Runtime (Docker)</a:t>
+            </a:r>
+          </a:p>
+        </p:txBody>
+      </p:sp>
+      <p:sp>
+        <p:nvSpPr>
+          <p:cNvPr id="22" name="Rectangle 21">
+            <a:extLst>
+              <a:ext uri="{FF2B5EF4-FFF2-40B4-BE49-F238E27FC236}">
+                <a16:creationId xmlns:a16="http://schemas.microsoft.com/office/drawing/2014/main" id="{D63B544C-D7F9-4D58-B1C4-A5AD6E6916F1}"/>
+              </a:ext>
+            </a:extLst>
+          </p:cNvPr>
+          <p:cNvSpPr/>
+          <p:nvPr/>
+        </p:nvSpPr>
+        <p:spPr>
+          <a:xfrm>
+            <a:off x="4387514" y="3814532"/>
+            <a:ext cx="1591282" cy="583666"/>
+          </a:xfrm>
+          <a:prstGeom prst="rect">
+            <a:avLst/>
+          </a:prstGeom>
+        </p:spPr>
+        <p:style>
+          <a:lnRef idx="2">
+            <a:schemeClr val="accent5">
+              <a:shade val="50000"/>
+            </a:schemeClr>
+          </a:lnRef>
+          <a:fillRef idx="1">
+            <a:schemeClr val="accent5"/>
+          </a:fillRef>
+          <a:effectRef idx="0">
+            <a:schemeClr val="accent5"/>
+          </a:effectRef>
+          <a:fontRef idx="minor">
+            <a:schemeClr val="lt1"/>
+          </a:fontRef>
+        </p:style>
+        <p:txBody>
+          <a:bodyPr rtlCol="0" anchor="ctr"/>
+          <a:lstStyle/>
+          <a:p>
+            <a:pPr algn="ctr"/>
+            <a:r>
+              <a:rPr lang="en-US" dirty="0"/>
+              <a:t>Dependencies</a:t>
+            </a:r>
+          </a:p>
+        </p:txBody>
+      </p:sp>
+      <p:sp>
+        <p:nvSpPr>
+          <p:cNvPr id="23" name="Rectangle 22">
+            <a:extLst>
+              <a:ext uri="{FF2B5EF4-FFF2-40B4-BE49-F238E27FC236}">
+                <a16:creationId xmlns:a16="http://schemas.microsoft.com/office/drawing/2014/main" id="{42BA2742-9994-4C46-82DA-12A2D90250EB}"/>
+              </a:ext>
+            </a:extLst>
+          </p:cNvPr>
+          <p:cNvSpPr/>
+          <p:nvPr/>
+        </p:nvSpPr>
+        <p:spPr>
+          <a:xfrm>
+            <a:off x="4387514" y="3241249"/>
+            <a:ext cx="1591282" cy="583666"/>
+          </a:xfrm>
+          <a:prstGeom prst="rect">
+            <a:avLst/>
+          </a:prstGeom>
+          <a:solidFill>
+            <a:srgbClr val="7030A0"/>
+          </a:solidFill>
+        </p:spPr>
+        <p:style>
+          <a:lnRef idx="2">
+            <a:schemeClr val="accent1">
+              <a:shade val="50000"/>
+            </a:schemeClr>
+          </a:lnRef>
+          <a:fillRef idx="1">
+            <a:schemeClr val="accent1"/>
+          </a:fillRef>
+          <a:effectRef idx="0">
+            <a:schemeClr val="accent1"/>
+          </a:effectRef>
+          <a:fontRef idx="minor">
+            <a:schemeClr val="lt1"/>
+          </a:fontRef>
+        </p:style>
+        <p:txBody>
+          <a:bodyPr rtlCol="0" anchor="ctr"/>
+          <a:lstStyle/>
+          <a:p>
+            <a:pPr algn="ctr"/>
+            <a:r>
+              <a:rPr lang="en-US" dirty="0"/>
+              <a:t>Application #1</a:t>
+            </a:r>
+          </a:p>
+        </p:txBody>
+      </p:sp>
+      <p:sp>
+        <p:nvSpPr>
+          <p:cNvPr id="25" name="Rectangle 24">
+            <a:extLst>
+              <a:ext uri="{FF2B5EF4-FFF2-40B4-BE49-F238E27FC236}">
+                <a16:creationId xmlns:a16="http://schemas.microsoft.com/office/drawing/2014/main" id="{5EC3ED25-5ED3-4256-9F77-84A1100C5C62}"/>
+              </a:ext>
+            </a:extLst>
+          </p:cNvPr>
+          <p:cNvSpPr/>
+          <p:nvPr/>
+        </p:nvSpPr>
+        <p:spPr>
+          <a:xfrm>
+            <a:off x="6225644" y="3814532"/>
+            <a:ext cx="1591282" cy="583666"/>
+          </a:xfrm>
+          <a:prstGeom prst="rect">
+            <a:avLst/>
+          </a:prstGeom>
+        </p:spPr>
+        <p:style>
+          <a:lnRef idx="2">
+            <a:schemeClr val="accent5">
+              <a:shade val="50000"/>
+            </a:schemeClr>
+          </a:lnRef>
+          <a:fillRef idx="1">
+            <a:schemeClr val="accent5"/>
+          </a:fillRef>
+          <a:effectRef idx="0">
+            <a:schemeClr val="accent5"/>
+          </a:effectRef>
+          <a:fontRef idx="minor">
+            <a:schemeClr val="lt1"/>
+          </a:fontRef>
+        </p:style>
+        <p:txBody>
+          <a:bodyPr rtlCol="0" anchor="ctr"/>
+          <a:lstStyle/>
+          <a:p>
+            <a:pPr algn="ctr"/>
+            <a:r>
+              <a:rPr lang="en-US" dirty="0"/>
+              <a:t>Dependencies</a:t>
+            </a:r>
+          </a:p>
+        </p:txBody>
+      </p:sp>
+      <p:sp>
+        <p:nvSpPr>
+          <p:cNvPr id="26" name="Rectangle 25">
+            <a:extLst>
+              <a:ext uri="{FF2B5EF4-FFF2-40B4-BE49-F238E27FC236}">
+                <a16:creationId xmlns:a16="http://schemas.microsoft.com/office/drawing/2014/main" id="{97FF9283-FF8D-441B-92C1-CE20F3BB2AAC}"/>
+              </a:ext>
+            </a:extLst>
+          </p:cNvPr>
+          <p:cNvSpPr/>
+          <p:nvPr/>
+        </p:nvSpPr>
+        <p:spPr>
+          <a:xfrm>
+            <a:off x="6225644" y="3241249"/>
+            <a:ext cx="1591282" cy="583666"/>
+          </a:xfrm>
+          <a:prstGeom prst="rect">
+            <a:avLst/>
+          </a:prstGeom>
+          <a:solidFill>
+            <a:srgbClr val="7030A0"/>
+          </a:solidFill>
+        </p:spPr>
+        <p:style>
+          <a:lnRef idx="2">
+            <a:schemeClr val="accent1">
+              <a:shade val="50000"/>
+            </a:schemeClr>
+          </a:lnRef>
+          <a:fillRef idx="1">
+            <a:schemeClr val="accent1"/>
+          </a:fillRef>
+          <a:effectRef idx="0">
+            <a:schemeClr val="accent1"/>
+          </a:effectRef>
+          <a:fontRef idx="minor">
+            <a:schemeClr val="lt1"/>
+          </a:fontRef>
+        </p:style>
+        <p:txBody>
+          <a:bodyPr rtlCol="0" anchor="ctr"/>
+          <a:lstStyle/>
+          <a:p>
+            <a:pPr algn="ctr"/>
+            <a:r>
+              <a:rPr lang="en-US" dirty="0"/>
+              <a:t>Application #2</a:t>
+            </a:r>
+          </a:p>
+        </p:txBody>
+      </p:sp>
+      <p:sp>
+        <p:nvSpPr>
+          <p:cNvPr id="27" name="Rectangle 26">
+            <a:extLst>
+              <a:ext uri="{FF2B5EF4-FFF2-40B4-BE49-F238E27FC236}">
+                <a16:creationId xmlns:a16="http://schemas.microsoft.com/office/drawing/2014/main" id="{E1F39C56-E52F-4073-9BED-909C2CE13068}"/>
+              </a:ext>
+            </a:extLst>
+          </p:cNvPr>
+          <p:cNvSpPr/>
+          <p:nvPr/>
+        </p:nvSpPr>
+        <p:spPr>
+          <a:xfrm>
+            <a:off x="8030706" y="5501748"/>
+            <a:ext cx="3429411" cy="544606"/>
+          </a:xfrm>
+          <a:prstGeom prst="rect">
+            <a:avLst/>
+          </a:prstGeom>
+        </p:spPr>
+        <p:style>
+          <a:lnRef idx="2">
+            <a:schemeClr val="accent3">
+              <a:shade val="50000"/>
+            </a:schemeClr>
+          </a:lnRef>
+          <a:fillRef idx="1">
+            <a:schemeClr val="accent3"/>
+          </a:fillRef>
+          <a:effectRef idx="0">
+            <a:schemeClr val="accent3"/>
+          </a:effectRef>
+          <a:fontRef idx="minor">
+            <a:schemeClr val="lt1"/>
+          </a:fontRef>
+        </p:style>
+        <p:txBody>
+          <a:bodyPr rtlCol="0" anchor="ctr"/>
+          <a:lstStyle/>
+          <a:p>
+            <a:pPr algn="ctr"/>
+            <a:r>
+              <a:rPr lang="en-US" dirty="0"/>
+              <a:t>Bare Metal</a:t>
+            </a:r>
+          </a:p>
+        </p:txBody>
+      </p:sp>
+      <p:sp>
+        <p:nvSpPr>
+          <p:cNvPr id="28" name="Rectangle 27">
+            <a:extLst>
+              <a:ext uri="{FF2B5EF4-FFF2-40B4-BE49-F238E27FC236}">
+                <a16:creationId xmlns:a16="http://schemas.microsoft.com/office/drawing/2014/main" id="{4D793A06-4767-4580-81EC-CFF30851ACA6}"/>
+              </a:ext>
+            </a:extLst>
+          </p:cNvPr>
+          <p:cNvSpPr/>
+          <p:nvPr/>
+        </p:nvSpPr>
+        <p:spPr>
+          <a:xfrm>
+            <a:off x="8030706" y="4957142"/>
+            <a:ext cx="3429411" cy="544606"/>
+          </a:xfrm>
+          <a:prstGeom prst="rect">
+            <a:avLst/>
+          </a:prstGeom>
+        </p:spPr>
+        <p:style>
+          <a:lnRef idx="2">
+            <a:schemeClr val="accent1">
+              <a:shade val="50000"/>
+            </a:schemeClr>
+          </a:lnRef>
+          <a:fillRef idx="1">
+            <a:schemeClr val="accent1"/>
+          </a:fillRef>
+          <a:effectRef idx="0">
+            <a:schemeClr val="accent1"/>
+          </a:effectRef>
+          <a:fontRef idx="minor">
+            <a:schemeClr val="lt1"/>
+          </a:fontRef>
+        </p:style>
+        <p:txBody>
+          <a:bodyPr rtlCol="0" anchor="ctr"/>
+          <a:lstStyle/>
+          <a:p>
+            <a:pPr algn="ctr"/>
+            <a:r>
+              <a:rPr lang="en-US" dirty="0"/>
+              <a:t>Host OS</a:t>
+            </a:r>
+          </a:p>
+        </p:txBody>
+      </p:sp>
+      <p:sp>
+        <p:nvSpPr>
+          <p:cNvPr id="29" name="Rectangle 28">
+            <a:extLst>
+              <a:ext uri="{FF2B5EF4-FFF2-40B4-BE49-F238E27FC236}">
+                <a16:creationId xmlns:a16="http://schemas.microsoft.com/office/drawing/2014/main" id="{59BEFC57-7A3F-40D8-9FC6-DF8F65F9D2BF}"/>
+              </a:ext>
+            </a:extLst>
+          </p:cNvPr>
+          <p:cNvSpPr/>
+          <p:nvPr/>
+        </p:nvSpPr>
+        <p:spPr>
+          <a:xfrm>
+            <a:off x="8030705" y="3867501"/>
+            <a:ext cx="3429411" cy="544606"/>
+          </a:xfrm>
+          <a:prstGeom prst="rect">
+            <a:avLst/>
+          </a:prstGeom>
+          <a:solidFill>
+            <a:schemeClr val="accent1">
+              <a:lumMod val="50000"/>
+            </a:schemeClr>
+          </a:solidFill>
+        </p:spPr>
+        <p:style>
+          <a:lnRef idx="2">
+            <a:schemeClr val="accent6">
+              <a:shade val="50000"/>
+            </a:schemeClr>
+          </a:lnRef>
+          <a:fillRef idx="1">
+            <a:schemeClr val="accent6"/>
+          </a:fillRef>
+          <a:effectRef idx="0">
+            <a:schemeClr val="accent6"/>
+          </a:effectRef>
+          <a:fontRef idx="minor">
+            <a:schemeClr val="lt1"/>
+          </a:fontRef>
+        </p:style>
+        <p:txBody>
+          <a:bodyPr rtlCol="0" anchor="ctr"/>
+          <a:lstStyle/>
+          <a:p>
+            <a:pPr algn="ctr"/>
+            <a:r>
+              <a:rPr lang="en-US" dirty="0"/>
+              <a:t>Container Runtime (Docker)</a:t>
+            </a:r>
+          </a:p>
+        </p:txBody>
+      </p:sp>
+      <p:sp>
+        <p:nvSpPr>
+          <p:cNvPr id="31" name="Rectangle 30">
+            <a:extLst>
+              <a:ext uri="{FF2B5EF4-FFF2-40B4-BE49-F238E27FC236}">
+                <a16:creationId xmlns:a16="http://schemas.microsoft.com/office/drawing/2014/main" id="{2FB268F2-050E-4F2B-98CE-4740701ABBC6}"/>
+              </a:ext>
+            </a:extLst>
+          </p:cNvPr>
+          <p:cNvSpPr/>
+          <p:nvPr/>
+        </p:nvSpPr>
+        <p:spPr>
+          <a:xfrm>
+            <a:off x="8030703" y="3294100"/>
+            <a:ext cx="1591282" cy="583666"/>
+          </a:xfrm>
+          <a:prstGeom prst="rect">
+            <a:avLst/>
+          </a:prstGeom>
+        </p:spPr>
+        <p:style>
+          <a:lnRef idx="2">
+            <a:schemeClr val="accent5">
+              <a:shade val="50000"/>
+            </a:schemeClr>
+          </a:lnRef>
+          <a:fillRef idx="1">
+            <a:schemeClr val="accent5"/>
+          </a:fillRef>
+          <a:effectRef idx="0">
+            <a:schemeClr val="accent5"/>
+          </a:effectRef>
+          <a:fontRef idx="minor">
+            <a:schemeClr val="lt1"/>
+          </a:fontRef>
+        </p:style>
+        <p:txBody>
+          <a:bodyPr rtlCol="0" anchor="ctr"/>
+          <a:lstStyle/>
+          <a:p>
+            <a:pPr algn="ctr"/>
+            <a:r>
+              <a:rPr lang="en-US" dirty="0"/>
+              <a:t>Dependencies</a:t>
+            </a:r>
+          </a:p>
+        </p:txBody>
+      </p:sp>
+      <p:sp>
+        <p:nvSpPr>
+          <p:cNvPr id="32" name="Rectangle 31">
+            <a:extLst>
+              <a:ext uri="{FF2B5EF4-FFF2-40B4-BE49-F238E27FC236}">
+                <a16:creationId xmlns:a16="http://schemas.microsoft.com/office/drawing/2014/main" id="{7B70F45E-4C2B-486F-9F01-842AE78A7B49}"/>
+              </a:ext>
+            </a:extLst>
+          </p:cNvPr>
+          <p:cNvSpPr/>
+          <p:nvPr/>
+        </p:nvSpPr>
+        <p:spPr>
+          <a:xfrm>
+            <a:off x="8030703" y="2720817"/>
+            <a:ext cx="1591282" cy="583666"/>
+          </a:xfrm>
+          <a:prstGeom prst="rect">
+            <a:avLst/>
+          </a:prstGeom>
+          <a:solidFill>
+            <a:srgbClr val="7030A0"/>
+          </a:solidFill>
+        </p:spPr>
+        <p:style>
+          <a:lnRef idx="2">
+            <a:schemeClr val="accent1">
+              <a:shade val="50000"/>
+            </a:schemeClr>
+          </a:lnRef>
+          <a:fillRef idx="1">
+            <a:schemeClr val="accent1"/>
+          </a:fillRef>
+          <a:effectRef idx="0">
+            <a:schemeClr val="accent1"/>
+          </a:effectRef>
+          <a:fontRef idx="minor">
+            <a:schemeClr val="lt1"/>
+          </a:fontRef>
+        </p:style>
+        <p:txBody>
+          <a:bodyPr rtlCol="0" anchor="ctr"/>
+          <a:lstStyle/>
+          <a:p>
+            <a:pPr algn="ctr"/>
+            <a:r>
+              <a:rPr lang="en-US" dirty="0"/>
+              <a:t>Application #1</a:t>
+            </a:r>
+          </a:p>
+        </p:txBody>
+      </p:sp>
+      <p:sp>
+        <p:nvSpPr>
+          <p:cNvPr id="34" name="Rectangle 33">
+            <a:extLst>
+              <a:ext uri="{FF2B5EF4-FFF2-40B4-BE49-F238E27FC236}">
+                <a16:creationId xmlns:a16="http://schemas.microsoft.com/office/drawing/2014/main" id="{C6305C88-8A86-40C8-8357-566A875FC50B}"/>
+              </a:ext>
+            </a:extLst>
+          </p:cNvPr>
+          <p:cNvSpPr/>
+          <p:nvPr/>
+        </p:nvSpPr>
+        <p:spPr>
+          <a:xfrm>
+            <a:off x="9868833" y="3294100"/>
+            <a:ext cx="1591282" cy="583666"/>
+          </a:xfrm>
+          <a:prstGeom prst="rect">
+            <a:avLst/>
+          </a:prstGeom>
+        </p:spPr>
+        <p:style>
+          <a:lnRef idx="2">
+            <a:schemeClr val="accent5">
+              <a:shade val="50000"/>
+            </a:schemeClr>
+          </a:lnRef>
+          <a:fillRef idx="1">
+            <a:schemeClr val="accent5"/>
+          </a:fillRef>
+          <a:effectRef idx="0">
+            <a:schemeClr val="accent5"/>
+          </a:effectRef>
+          <a:fontRef idx="minor">
+            <a:schemeClr val="lt1"/>
+          </a:fontRef>
+        </p:style>
+        <p:txBody>
+          <a:bodyPr rtlCol="0" anchor="ctr"/>
+          <a:lstStyle/>
+          <a:p>
+            <a:pPr algn="ctr"/>
+            <a:r>
+              <a:rPr lang="en-US" dirty="0"/>
+              <a:t>Dependencies</a:t>
+            </a:r>
+          </a:p>
+        </p:txBody>
+      </p:sp>
+      <p:sp>
+        <p:nvSpPr>
+          <p:cNvPr id="35" name="Rectangle 34">
+            <a:extLst>
+              <a:ext uri="{FF2B5EF4-FFF2-40B4-BE49-F238E27FC236}">
+                <a16:creationId xmlns:a16="http://schemas.microsoft.com/office/drawing/2014/main" id="{BA895660-92B9-444A-B0C3-19DDC1817BB4}"/>
+              </a:ext>
+            </a:extLst>
+          </p:cNvPr>
+          <p:cNvSpPr/>
+          <p:nvPr/>
+        </p:nvSpPr>
+        <p:spPr>
+          <a:xfrm>
+            <a:off x="9868833" y="2720817"/>
+            <a:ext cx="1591282" cy="583666"/>
+          </a:xfrm>
+          <a:prstGeom prst="rect">
+            <a:avLst/>
+          </a:prstGeom>
+          <a:solidFill>
+            <a:srgbClr val="7030A0"/>
+          </a:solidFill>
+        </p:spPr>
+        <p:style>
+          <a:lnRef idx="2">
+            <a:schemeClr val="accent1">
+              <a:shade val="50000"/>
+            </a:schemeClr>
+          </a:lnRef>
+          <a:fillRef idx="1">
+            <a:schemeClr val="accent1"/>
+          </a:fillRef>
+          <a:effectRef idx="0">
+            <a:schemeClr val="accent1"/>
+          </a:effectRef>
+          <a:fontRef idx="minor">
+            <a:schemeClr val="lt1"/>
+          </a:fontRef>
+        </p:style>
+        <p:txBody>
+          <a:bodyPr rtlCol="0" anchor="ctr"/>
+          <a:lstStyle/>
+          <a:p>
+            <a:pPr algn="ctr"/>
+            <a:r>
+              <a:rPr lang="en-US" dirty="0"/>
+              <a:t>Application #2</a:t>
+            </a:r>
+          </a:p>
+        </p:txBody>
+      </p:sp>
+      <p:sp>
+        <p:nvSpPr>
+          <p:cNvPr id="36" name="Rectangle 35">
+            <a:extLst>
+              <a:ext uri="{FF2B5EF4-FFF2-40B4-BE49-F238E27FC236}">
+                <a16:creationId xmlns:a16="http://schemas.microsoft.com/office/drawing/2014/main" id="{14905372-CCB5-4B94-890C-4708DACE3662}"/>
+              </a:ext>
+            </a:extLst>
+          </p:cNvPr>
+          <p:cNvSpPr/>
+          <p:nvPr/>
+        </p:nvSpPr>
+        <p:spPr>
+          <a:xfrm>
+            <a:off x="8030704" y="4412536"/>
+            <a:ext cx="3429411" cy="544606"/>
+          </a:xfrm>
+          <a:prstGeom prst="rect">
+            <a:avLst/>
+          </a:prstGeom>
+        </p:spPr>
+        <p:style>
+          <a:lnRef idx="2">
+            <a:schemeClr val="accent6">
+              <a:shade val="50000"/>
+            </a:schemeClr>
+          </a:lnRef>
+          <a:fillRef idx="1">
+            <a:schemeClr val="accent6"/>
+          </a:fillRef>
+          <a:effectRef idx="0">
+            <a:schemeClr val="accent6"/>
+          </a:effectRef>
+          <a:fontRef idx="minor">
+            <a:schemeClr val="lt1"/>
+          </a:fontRef>
+        </p:style>
+        <p:txBody>
+          <a:bodyPr rtlCol="0" anchor="ctr"/>
+          <a:lstStyle/>
+          <a:p>
+            <a:pPr algn="ctr"/>
+            <a:r>
+              <a:rPr lang="en-US" dirty="0"/>
+              <a:t>Hypervisor</a:t>
+            </a:r>
+          </a:p>
+        </p:txBody>
+      </p:sp>
       <p:sp>
         <p:nvSpPr>
           <p:cNvPr id="39" name="TextBox 38">
@@ -10824,68 +13374,15 @@
                                   </p:childTnLst>
                                 </p:cTn>
                               </p:par>
-                            </p:childTnLst>
-                          </p:cTn>
-                        </p:par>
-                      </p:childTnLst>
-                    </p:cTn>
-                  </p:par>
-                  <p:par>
-                    <p:cTn id="10" fill="hold">
-                      <p:stCondLst>
-                        <p:cond delay="indefinite"/>
-                      </p:stCondLst>
-                      <p:childTnLst>
-                        <p:par>
-                          <p:cTn id="11" fill="hold">
-                            <p:stCondLst>
-                              <p:cond delay="0"/>
-                            </p:stCondLst>
-                            <p:childTnLst>
                               <p:par>
-                                <p:cTn id="12" presetID="10" presetClass="entr" presetSubtype="0" fill="hold" nodeType="clickEffect">
+                                <p:cTn id="10" presetID="1" presetClass="entr" presetSubtype="0" fill="hold" grpId="0" nodeType="withEffect">
                                   <p:stCondLst>
                                     <p:cond delay="0"/>
                                   </p:stCondLst>
                                   <p:childTnLst>
                                     <p:set>
                                       <p:cBhvr>
-                                        <p:cTn id="13" dur="1" fill="hold">
-                                          <p:stCondLst>
-                                            <p:cond delay="0"/>
-                                          </p:stCondLst>
-                                        </p:cTn>
-                                        <p:tgtEl>
-                                          <p:spTgt spid="37"/>
-                                        </p:tgtEl>
-                                        <p:attrNameLst>
-                                          <p:attrName>style.visibility</p:attrName>
-                                        </p:attrNameLst>
-                                      </p:cBhvr>
-                                      <p:to>
-                                        <p:strVal val="visible"/>
-                                      </p:to>
-                                    </p:set>
-                                    <p:animEffect transition="in" filter="fade">
-                                      <p:cBhvr>
-                                        <p:cTn id="14" dur="500"/>
-                                        <p:tgtEl>
-                                          <p:spTgt spid="37"/>
-                                        </p:tgtEl>
-                                      </p:cBhvr>
-                                    </p:animEffect>
-                                  </p:childTnLst>
-                                </p:cTn>
-                              </p:par>
-                              <p:par>
-                                <p:cTn id="15" presetID="1" presetClass="entr" presetSubtype="0" fill="hold" grpId="0" nodeType="withEffect">
-                                  <p:stCondLst>
-                                    <p:cond delay="0"/>
-                                  </p:stCondLst>
-                                  <p:childTnLst>
-                                    <p:set>
-                                      <p:cBhvr>
-                                        <p:cTn id="16" dur="1" fill="hold">
+                                        <p:cTn id="11" dur="1" fill="hold">
                                           <p:stCondLst>
                                             <p:cond delay="0"/>
                                           </p:stCondLst>
@@ -10901,59 +13398,6 @@
                                         <p:strVal val="visible"/>
                                       </p:to>
                                     </p:set>
-                                  </p:childTnLst>
-                                </p:cTn>
-                              </p:par>
-                            </p:childTnLst>
-                          </p:cTn>
-                        </p:par>
-                      </p:childTnLst>
-                    </p:cTn>
-                  </p:par>
-                  <p:par>
-                    <p:cTn id="17" fill="hold">
-                      <p:stCondLst>
-                        <p:cond delay="indefinite"/>
-                      </p:stCondLst>
-                      <p:childTnLst>
-                        <p:par>
-                          <p:cTn id="18" fill="hold">
-                            <p:stCondLst>
-                              <p:cond delay="0"/>
-                            </p:stCondLst>
-                            <p:childTnLst>
-                              <p:par>
-                                <p:cTn id="19" presetID="10" presetClass="entr" presetSubtype="0" fill="hold" nodeType="clickEffect">
-                                  <p:stCondLst>
-                                    <p:cond delay="0"/>
-                                  </p:stCondLst>
-                                  <p:childTnLst>
-                                    <p:set>
-                                      <p:cBhvr>
-                                        <p:cTn id="20" dur="1" fill="hold">
-                                          <p:stCondLst>
-                                            <p:cond delay="0"/>
-                                          </p:stCondLst>
-                                        </p:cTn>
-                                        <p:tgtEl>
-                                          <p:spTgt spid="38"/>
-                                        </p:tgtEl>
-                                        <p:attrNameLst>
-                                          <p:attrName>style.visibility</p:attrName>
-                                        </p:attrNameLst>
-                                      </p:cBhvr>
-                                      <p:to>
-                                        <p:strVal val="visible"/>
-                                      </p:to>
-                                    </p:set>
-                                    <p:animEffect transition="in" filter="fade">
-                                      <p:cBhvr>
-                                        <p:cTn id="21" dur="500"/>
-                                        <p:tgtEl>
-                                          <p:spTgt spid="38"/>
-                                        </p:tgtEl>
-                                      </p:cBhvr>
-                                    </p:animEffect>
                                   </p:childTnLst>
                                 </p:cTn>
                               </p:par>
